--- a/W5_第三方支付的定義與市場應用.pptx
+++ b/W5_第三方支付的定義與市場應用.pptx
@@ -5,10 +5,10 @@
     <p:sldMasterId id="2147483660" r:id="rId4"/>
   </p:sldMasterIdLst>
   <p:notesMasterIdLst>
-    <p:notesMasterId r:id="rId27"/>
+    <p:notesMasterId r:id="rId26"/>
   </p:notesMasterIdLst>
   <p:handoutMasterIdLst>
-    <p:handoutMasterId r:id="rId28"/>
+    <p:handoutMasterId r:id="rId27"/>
   </p:handoutMasterIdLst>
   <p:sldIdLst>
     <p:sldId id="493" r:id="rId5"/>
@@ -25,14 +25,13 @@
     <p:sldId id="620" r:id="rId16"/>
     <p:sldId id="621" r:id="rId17"/>
     <p:sldId id="616" r:id="rId18"/>
-    <p:sldId id="619" r:id="rId19"/>
-    <p:sldId id="623" r:id="rId20"/>
-    <p:sldId id="622" r:id="rId21"/>
-    <p:sldId id="599" r:id="rId22"/>
-    <p:sldId id="602" r:id="rId23"/>
-    <p:sldId id="603" r:id="rId24"/>
-    <p:sldId id="606" r:id="rId25"/>
-    <p:sldId id="583" r:id="rId26"/>
+    <p:sldId id="623" r:id="rId19"/>
+    <p:sldId id="622" r:id="rId20"/>
+    <p:sldId id="599" r:id="rId21"/>
+    <p:sldId id="602" r:id="rId22"/>
+    <p:sldId id="603" r:id="rId23"/>
+    <p:sldId id="606" r:id="rId24"/>
+    <p:sldId id="583" r:id="rId25"/>
   </p:sldIdLst>
   <p:sldSz cx="12192000" cy="6858000"/>
   <p:notesSz cx="10234613" cy="7099300"/>
@@ -1329,7 +1328,7 @@
               <a:pPr>
                 <a:defRPr/>
               </a:pPr>
-              <a:t>16</a:t>
+              <a:t>15</a:t>
             </a:fld>
             <a:endParaRPr lang="en-US" altLang="zh-TW" dirty="0"/>
           </a:p>
@@ -1449,7 +1448,7 @@
               <a:pPr>
                 <a:defRPr/>
               </a:pPr>
-              <a:t>17</a:t>
+              <a:t>16</a:t>
             </a:fld>
             <a:endParaRPr lang="en-US" altLang="zh-TW" dirty="0"/>
           </a:p>
@@ -8440,333 +8439,6 @@
 </file>
 
 <file path=ppt/slides/slide15.xml><?xml version="1.0" encoding="utf-8"?>
-<p:sld xmlns:a="http://schemas.openxmlformats.org/drawingml/2006/main" xmlns:r="http://schemas.openxmlformats.org/officeDocument/2006/relationships" xmlns:p="http://schemas.openxmlformats.org/presentationml/2006/main" show="0">
-  <p:cSld>
-    <p:spTree>
-      <p:nvGrpSpPr>
-        <p:cNvPr id="1" name=""/>
-        <p:cNvGrpSpPr/>
-        <p:nvPr/>
-      </p:nvGrpSpPr>
-      <p:grpSpPr>
-        <a:xfrm>
-          <a:off x="0" y="0"/>
-          <a:ext cx="0" cy="0"/>
-          <a:chOff x="0" y="0"/>
-          <a:chExt cx="0" cy="0"/>
-        </a:xfrm>
-      </p:grpSpPr>
-      <p:sp>
-        <p:nvSpPr>
-          <p:cNvPr id="5" name="內容版面配置區 4">
-            <a:extLst>
-              <a:ext uri="{FF2B5EF4-FFF2-40B4-BE49-F238E27FC236}">
-                <a16:creationId xmlns:a16="http://schemas.microsoft.com/office/drawing/2014/main" id="{5C49A8CC-57ED-BE7E-FB70-B51B7EBCE2F9}"/>
-              </a:ext>
-            </a:extLst>
-          </p:cNvPr>
-          <p:cNvSpPr>
-            <a:spLocks noGrp="1"/>
-          </p:cNvSpPr>
-          <p:nvPr>
-            <p:ph idx="1"/>
-          </p:nvPr>
-        </p:nvSpPr>
-        <p:spPr/>
-        <p:txBody>
-          <a:bodyPr/>
-          <a:lstStyle/>
-          <a:p>
-            <a:pPr>
-              <a:lnSpc>
-                <a:spcPct val="100000"/>
-              </a:lnSpc>
-              <a:spcAft>
-                <a:spcPts val="0"/>
-              </a:spcAft>
-            </a:pPr>
-            <a:r>
-              <a:rPr lang="zh-TW" altLang="en-US" sz="1200" dirty="0"/>
-              <a:t>開放銀行的好處</a:t>
-            </a:r>
-          </a:p>
-          <a:p>
-            <a:pPr>
-              <a:lnSpc>
-                <a:spcPct val="100000"/>
-              </a:lnSpc>
-              <a:spcAft>
-                <a:spcPts val="0"/>
-              </a:spcAft>
-            </a:pPr>
-            <a:r>
-              <a:rPr lang="zh-TW" altLang="en-US" sz="1200" dirty="0"/>
-              <a:t>（ㄧ）對銀行的三大好處：</a:t>
-            </a:r>
-          </a:p>
-          <a:p>
-            <a:pPr>
-              <a:lnSpc>
-                <a:spcPct val="100000"/>
-              </a:lnSpc>
-              <a:spcAft>
-                <a:spcPts val="0"/>
-              </a:spcAft>
-            </a:pPr>
-            <a:r>
-              <a:rPr lang="en-US" altLang="zh-TW" sz="1200" dirty="0"/>
-              <a:t>1</a:t>
-            </a:r>
-            <a:r>
-              <a:rPr lang="zh-TW" altLang="en-US" sz="1200" dirty="0"/>
-              <a:t>、加強信用評估：銀行可以將內部的資料結合外部評分共同評估客戶，找出潛在的優質客戶。</a:t>
-            </a:r>
-          </a:p>
-          <a:p>
-            <a:pPr>
-              <a:lnSpc>
-                <a:spcPct val="100000"/>
-              </a:lnSpc>
-              <a:spcAft>
-                <a:spcPts val="0"/>
-              </a:spcAft>
-            </a:pPr>
-            <a:r>
-              <a:rPr lang="en-US" altLang="zh-TW" sz="1200" dirty="0"/>
-              <a:t>2</a:t>
-            </a:r>
-            <a:r>
-              <a:rPr lang="zh-TW" altLang="en-US" sz="1200" dirty="0"/>
-              <a:t>、提供多元金融服務，做到精準行銷：透過多樣的數據，讓銀行能辨識客戶潛在需求，提供相對個性化的金融產品。</a:t>
-            </a:r>
-          </a:p>
-          <a:p>
-            <a:pPr>
-              <a:lnSpc>
-                <a:spcPct val="100000"/>
-              </a:lnSpc>
-              <a:spcAft>
-                <a:spcPts val="0"/>
-              </a:spcAft>
-            </a:pPr>
-            <a:r>
-              <a:rPr lang="en-US" altLang="zh-TW" sz="1200" dirty="0"/>
-              <a:t>3</a:t>
-            </a:r>
-            <a:r>
-              <a:rPr lang="zh-TW" altLang="en-US" sz="1200" dirty="0"/>
-              <a:t>、增加金融服務客群：透過與 </a:t>
-            </a:r>
-            <a:r>
-              <a:rPr lang="en-US" altLang="zh-TW" sz="1200" dirty="0"/>
-              <a:t>TSP </a:t>
-            </a:r>
-            <a:r>
-              <a:rPr lang="zh-TW" altLang="en-US" sz="1200" dirty="0"/>
-              <a:t>業者 </a:t>
-            </a:r>
-            <a:r>
-              <a:rPr lang="en-US" altLang="zh-TW" sz="1200" dirty="0"/>
-              <a:t>API </a:t>
-            </a:r>
-            <a:r>
-              <a:rPr lang="zh-TW" altLang="en-US" sz="1200" dirty="0"/>
-              <a:t>對接，豐富了信用風險評估的資料源，讓銀行有能力評估小白的信用狀況。</a:t>
-            </a:r>
-          </a:p>
-          <a:p>
-            <a:pPr>
-              <a:lnSpc>
-                <a:spcPct val="100000"/>
-              </a:lnSpc>
-              <a:spcAft>
-                <a:spcPts val="0"/>
-              </a:spcAft>
-            </a:pPr>
-            <a:endParaRPr lang="zh-TW" altLang="en-US" sz="1200" dirty="0"/>
-          </a:p>
-          <a:p>
-            <a:pPr>
-              <a:lnSpc>
-                <a:spcPct val="100000"/>
-              </a:lnSpc>
-              <a:spcAft>
-                <a:spcPts val="0"/>
-              </a:spcAft>
-            </a:pPr>
-            <a:r>
-              <a:rPr lang="zh-TW" altLang="en-US" sz="1200" dirty="0"/>
-              <a:t>（二）對第三方服務業者的好處：</a:t>
-            </a:r>
-          </a:p>
-          <a:p>
-            <a:pPr>
-              <a:lnSpc>
-                <a:spcPct val="100000"/>
-              </a:lnSpc>
-              <a:spcAft>
-                <a:spcPts val="0"/>
-              </a:spcAft>
-            </a:pPr>
-            <a:r>
-              <a:rPr lang="en-US" altLang="zh-TW" sz="1200" dirty="0"/>
-              <a:t>1</a:t>
-            </a:r>
-            <a:r>
-              <a:rPr lang="zh-TW" altLang="en-US" sz="1200" dirty="0"/>
-              <a:t>、解放數據：開放銀行讓第三方服務業者能取得銀行端開放的數據，改善金融數據長久以來遭到壟斷的態勢。</a:t>
-            </a:r>
-          </a:p>
-          <a:p>
-            <a:pPr>
-              <a:lnSpc>
-                <a:spcPct val="100000"/>
-              </a:lnSpc>
-              <a:spcAft>
-                <a:spcPts val="0"/>
-              </a:spcAft>
-            </a:pPr>
-            <a:r>
-              <a:rPr lang="en-US" altLang="zh-TW" sz="1200" dirty="0"/>
-              <a:t>2</a:t>
-            </a:r>
-            <a:r>
-              <a:rPr lang="zh-TW" altLang="en-US" sz="1200" dirty="0"/>
-              <a:t>、提升數據價值：透過實務的應用，讓其數據更加有意義，加速打造金融科技的發展。</a:t>
-            </a:r>
-          </a:p>
-          <a:p>
-            <a:pPr>
-              <a:lnSpc>
-                <a:spcPct val="100000"/>
-              </a:lnSpc>
-              <a:spcAft>
-                <a:spcPts val="0"/>
-              </a:spcAft>
-            </a:pPr>
-            <a:endParaRPr lang="zh-TW" altLang="en-US" sz="1200" dirty="0"/>
-          </a:p>
-          <a:p>
-            <a:pPr>
-              <a:lnSpc>
-                <a:spcPct val="100000"/>
-              </a:lnSpc>
-              <a:spcAft>
-                <a:spcPts val="0"/>
-              </a:spcAft>
-            </a:pPr>
-            <a:r>
-              <a:rPr lang="zh-TW" altLang="en-US" sz="1200" dirty="0"/>
-              <a:t>（三）對消費者的兩大好處：</a:t>
-            </a:r>
-          </a:p>
-          <a:p>
-            <a:pPr>
-              <a:lnSpc>
-                <a:spcPct val="100000"/>
-              </a:lnSpc>
-              <a:spcAft>
-                <a:spcPts val="0"/>
-              </a:spcAft>
-            </a:pPr>
-            <a:r>
-              <a:rPr lang="en-US" altLang="zh-TW" sz="1200" dirty="0"/>
-              <a:t>1</a:t>
-            </a:r>
-            <a:r>
-              <a:rPr lang="zh-TW" altLang="en-US" sz="1200" dirty="0"/>
-              <a:t>、增加貸款核准機率：多元的評分來源也有助於提升消費者核貸的機率。</a:t>
-            </a:r>
-          </a:p>
-          <a:p>
-            <a:pPr>
-              <a:lnSpc>
-                <a:spcPct val="100000"/>
-              </a:lnSpc>
-              <a:spcAft>
-                <a:spcPts val="0"/>
-              </a:spcAft>
-            </a:pPr>
-            <a:r>
-              <a:rPr lang="en-US" altLang="zh-TW" sz="1200" dirty="0"/>
-              <a:t>2</a:t>
-            </a:r>
-            <a:r>
-              <a:rPr lang="zh-TW" altLang="en-US" sz="1200" dirty="0"/>
-              <a:t>、得到有用、即時、多元、便利的金融服務：消費者的財務狀況有變動時，能夠得到即時的洞見和警示，進一步得到有用的金融服務協助。</a:t>
-            </a:r>
-          </a:p>
-        </p:txBody>
-      </p:sp>
-      <p:sp>
-        <p:nvSpPr>
-          <p:cNvPr id="4" name="標題 3">
-            <a:extLst>
-              <a:ext uri="{FF2B5EF4-FFF2-40B4-BE49-F238E27FC236}">
-                <a16:creationId xmlns:a16="http://schemas.microsoft.com/office/drawing/2014/main" id="{5C4808B5-E9B0-02DD-28E8-4E4BC1547FF4}"/>
-              </a:ext>
-            </a:extLst>
-          </p:cNvPr>
-          <p:cNvSpPr>
-            <a:spLocks noGrp="1"/>
-          </p:cNvSpPr>
-          <p:nvPr>
-            <p:ph type="title"/>
-          </p:nvPr>
-        </p:nvSpPr>
-        <p:spPr/>
-        <p:txBody>
-          <a:bodyPr/>
-          <a:lstStyle/>
-          <a:p>
-            <a:endParaRPr lang="zh-TW" altLang="en-US"/>
-          </a:p>
-        </p:txBody>
-      </p:sp>
-      <p:sp>
-        <p:nvSpPr>
-          <p:cNvPr id="3" name="投影片編號版面配置區 2">
-            <a:extLst>
-              <a:ext uri="{FF2B5EF4-FFF2-40B4-BE49-F238E27FC236}">
-                <a16:creationId xmlns:a16="http://schemas.microsoft.com/office/drawing/2014/main" id="{515D099B-3728-6ED2-EC61-46D19A54B386}"/>
-              </a:ext>
-            </a:extLst>
-          </p:cNvPr>
-          <p:cNvSpPr>
-            <a:spLocks noGrp="1"/>
-          </p:cNvSpPr>
-          <p:nvPr>
-            <p:ph type="sldNum" sz="quarter" idx="4"/>
-          </p:nvPr>
-        </p:nvSpPr>
-        <p:spPr/>
-        <p:txBody>
-          <a:bodyPr/>
-          <a:lstStyle/>
-          <a:p>
-            <a:fld id="{5724A70F-1A80-4FFC-9EFC-544BA2D42D70}" type="slidenum">
-              <a:rPr lang="zh-TW" altLang="en-US" smtClean="0"/>
-              <a:pPr/>
-              <a:t>15</a:t>
-            </a:fld>
-            <a:endParaRPr lang="zh-TW" altLang="en-US" dirty="0"/>
-          </a:p>
-        </p:txBody>
-      </p:sp>
-    </p:spTree>
-    <p:extLst>
-      <p:ext uri="{BB962C8B-B14F-4D97-AF65-F5344CB8AC3E}">
-        <p14:creationId xmlns:p14="http://schemas.microsoft.com/office/powerpoint/2010/main" val="3467476958"/>
-      </p:ext>
-    </p:extLst>
-  </p:cSld>
-  <p:clrMapOvr>
-    <a:masterClrMapping/>
-  </p:clrMapOvr>
-</p:sld>
-</file>
-
-<file path=ppt/slides/slide16.xml><?xml version="1.0" encoding="utf-8"?>
 <p:sld xmlns:a="http://schemas.openxmlformats.org/drawingml/2006/main" xmlns:r="http://schemas.openxmlformats.org/officeDocument/2006/relationships" xmlns:p="http://schemas.openxmlformats.org/presentationml/2006/main">
   <p:cSld>
     <p:spTree>
@@ -8841,7 +8513,7 @@
             <a:fld id="{5724A70F-1A80-4FFC-9EFC-544BA2D42D70}" type="slidenum">
               <a:rPr lang="zh-TW" altLang="en-US" smtClean="0"/>
               <a:pPr/>
-              <a:t>16</a:t>
+              <a:t>15</a:t>
             </a:fld>
             <a:endParaRPr lang="zh-TW" altLang="en-US" dirty="0"/>
           </a:p>
@@ -10111,7 +9783,7 @@
 </p:sld>
 </file>
 
-<file path=ppt/slides/slide17.xml><?xml version="1.0" encoding="utf-8"?>
+<file path=ppt/slides/slide16.xml><?xml version="1.0" encoding="utf-8"?>
 <p:sld xmlns:a="http://schemas.openxmlformats.org/drawingml/2006/main" xmlns:r="http://schemas.openxmlformats.org/officeDocument/2006/relationships" xmlns:p="http://schemas.openxmlformats.org/presentationml/2006/main">
   <p:cSld>
     <p:spTree>
@@ -10180,7 +9852,7 @@
             <a:fld id="{5724A70F-1A80-4FFC-9EFC-544BA2D42D70}" type="slidenum">
               <a:rPr lang="zh-TW" altLang="en-US" smtClean="0"/>
               <a:pPr/>
-              <a:t>17</a:t>
+              <a:t>16</a:t>
             </a:fld>
             <a:endParaRPr lang="zh-TW" altLang="en-US" dirty="0"/>
           </a:p>
@@ -11492,7 +11164,7 @@
 </p:sld>
 </file>
 
-<file path=ppt/slides/slide18.xml><?xml version="1.0" encoding="utf-8"?>
+<file path=ppt/slides/slide17.xml><?xml version="1.0" encoding="utf-8"?>
 <p:sld xmlns:a="http://schemas.openxmlformats.org/drawingml/2006/main" xmlns:r="http://schemas.openxmlformats.org/officeDocument/2006/relationships" xmlns:p="http://schemas.openxmlformats.org/presentationml/2006/main">
   <p:cSld>
     <p:spTree>
@@ -11561,7 +11233,7 @@
             <a:fld id="{5724A70F-1A80-4FFC-9EFC-544BA2D42D70}" type="slidenum">
               <a:rPr lang="zh-TW" altLang="en-US" smtClean="0"/>
               <a:pPr/>
-              <a:t>18</a:t>
+              <a:t>17</a:t>
             </a:fld>
             <a:endParaRPr lang="zh-TW" altLang="en-US" dirty="0"/>
           </a:p>
@@ -11580,7 +11252,7 @@
 </p:sld>
 </file>
 
-<file path=ppt/slides/slide19.xml><?xml version="1.0" encoding="utf-8"?>
+<file path=ppt/slides/slide18.xml><?xml version="1.0" encoding="utf-8"?>
 <p:sld xmlns:a="http://schemas.openxmlformats.org/drawingml/2006/main" xmlns:r="http://schemas.openxmlformats.org/officeDocument/2006/relationships" xmlns:p="http://schemas.openxmlformats.org/presentationml/2006/main">
   <p:cSld>
     <p:spTree>
@@ -11662,7 +11334,7 @@
             <a:fld id="{5724A70F-1A80-4FFC-9EFC-544BA2D42D70}" type="slidenum">
               <a:rPr lang="zh-TW" altLang="en-US" smtClean="0"/>
               <a:pPr/>
-              <a:t>19</a:t>
+              <a:t>18</a:t>
             </a:fld>
             <a:endParaRPr lang="zh-TW" altLang="en-US" dirty="0"/>
           </a:p>
@@ -13433,6 +13105,3183 @@
 </p:sld>
 </file>
 
+<file path=ppt/slides/slide19.xml><?xml version="1.0" encoding="utf-8"?>
+<p:sld xmlns:a="http://schemas.openxmlformats.org/drawingml/2006/main" xmlns:r="http://schemas.openxmlformats.org/officeDocument/2006/relationships" xmlns:p="http://schemas.openxmlformats.org/presentationml/2006/main">
+  <p:cSld>
+    <p:spTree>
+      <p:nvGrpSpPr>
+        <p:cNvPr id="1" name=""/>
+        <p:cNvGrpSpPr/>
+        <p:nvPr/>
+      </p:nvGrpSpPr>
+      <p:grpSpPr>
+        <a:xfrm>
+          <a:off x="0" y="0"/>
+          <a:ext cx="0" cy="0"/>
+          <a:chOff x="0" y="0"/>
+          <a:chExt cx="0" cy="0"/>
+        </a:xfrm>
+      </p:grpSpPr>
+      <p:sp>
+        <p:nvSpPr>
+          <p:cNvPr id="5" name="標題 4">
+            <a:extLst>
+              <a:ext uri="{FF2B5EF4-FFF2-40B4-BE49-F238E27FC236}">
+                <a16:creationId xmlns:a16="http://schemas.microsoft.com/office/drawing/2014/main" id="{8A68066B-29D1-F280-939B-0B015CC074A0}"/>
+              </a:ext>
+            </a:extLst>
+          </p:cNvPr>
+          <p:cNvSpPr>
+            <a:spLocks noGrp="1"/>
+          </p:cNvSpPr>
+          <p:nvPr>
+            <p:ph type="title"/>
+          </p:nvPr>
+        </p:nvSpPr>
+        <p:spPr/>
+        <p:txBody>
+          <a:bodyPr>
+            <a:normAutofit/>
+          </a:bodyPr>
+          <a:lstStyle/>
+          <a:p>
+            <a:r>
+              <a:rPr lang="en-US" altLang="zh-TW" dirty="0"/>
+              <a:t>AI</a:t>
+            </a:r>
+            <a:r>
+              <a:rPr lang="zh-TW" altLang="en-US" dirty="0"/>
+              <a:t> </a:t>
+            </a:r>
+            <a:r>
+              <a:rPr lang="en-US" altLang="zh-TW" dirty="0"/>
+              <a:t>Agent</a:t>
+            </a:r>
+            <a:r>
+              <a:rPr lang="zh-TW" altLang="en-US" dirty="0"/>
+              <a:t>是什麼</a:t>
+            </a:r>
+            <a:r>
+              <a:rPr lang="en-US" altLang="zh-TW" dirty="0"/>
+              <a:t>?</a:t>
+            </a:r>
+            <a:endParaRPr lang="zh-TW" altLang="en-US" dirty="0"/>
+          </a:p>
+        </p:txBody>
+      </p:sp>
+      <p:sp>
+        <p:nvSpPr>
+          <p:cNvPr id="4" name="投影片編號版面配置區 3">
+            <a:extLst>
+              <a:ext uri="{FF2B5EF4-FFF2-40B4-BE49-F238E27FC236}">
+                <a16:creationId xmlns:a16="http://schemas.microsoft.com/office/drawing/2014/main" id="{C6E9C4A2-C9E2-AA5D-7A6F-E3711D1FA79B}"/>
+              </a:ext>
+            </a:extLst>
+          </p:cNvPr>
+          <p:cNvSpPr>
+            <a:spLocks noGrp="1"/>
+          </p:cNvSpPr>
+          <p:nvPr>
+            <p:ph type="sldNum" sz="quarter" idx="4"/>
+          </p:nvPr>
+        </p:nvSpPr>
+        <p:spPr/>
+        <p:txBody>
+          <a:bodyPr/>
+          <a:lstStyle/>
+          <a:p>
+            <a:fld id="{5724A70F-1A80-4FFC-9EFC-544BA2D42D70}" type="slidenum">
+              <a:rPr lang="zh-TW" altLang="en-US" smtClean="0"/>
+              <a:pPr/>
+              <a:t>19</a:t>
+            </a:fld>
+            <a:endParaRPr lang="zh-TW" altLang="en-US" dirty="0"/>
+          </a:p>
+        </p:txBody>
+      </p:sp>
+      <p:sp>
+        <p:nvSpPr>
+          <p:cNvPr id="44" name="文字方塊 43">
+            <a:extLst>
+              <a:ext uri="{FF2B5EF4-FFF2-40B4-BE49-F238E27FC236}">
+                <a16:creationId xmlns:a16="http://schemas.microsoft.com/office/drawing/2014/main" id="{26649709-FB83-4D9D-BAC1-1ED078961D6A}"/>
+              </a:ext>
+            </a:extLst>
+          </p:cNvPr>
+          <p:cNvSpPr txBox="1"/>
+          <p:nvPr/>
+        </p:nvSpPr>
+        <p:spPr>
+          <a:xfrm>
+            <a:off x="12432704" y="203886"/>
+            <a:ext cx="2350599" cy="2192728"/>
+          </a:xfrm>
+          <a:prstGeom prst="roundRect">
+            <a:avLst/>
+          </a:prstGeom>
+          <a:noFill/>
+          <a:ln>
+            <a:solidFill>
+              <a:schemeClr val="tx1"/>
+            </a:solidFill>
+          </a:ln>
+        </p:spPr>
+        <p:txBody>
+          <a:bodyPr wrap="square" lIns="72000" rIns="144000" rtlCol="0">
+            <a:spAutoFit/>
+          </a:bodyPr>
+          <a:lstStyle/>
+          <a:p>
+            <a:pPr>
+              <a:lnSpc>
+                <a:spcPct val="130000"/>
+              </a:lnSpc>
+              <a:spcAft>
+                <a:spcPts val="300"/>
+              </a:spcAft>
+            </a:pPr>
+            <a:r>
+              <a:rPr lang="en-US" altLang="zh-TW" dirty="0">
+                <a:solidFill>
+                  <a:schemeClr val="tx1"/>
+                </a:solidFill>
+                <a:latin typeface="標楷體" panose="03000509000000000000" pitchFamily="65" charset="-120"/>
+                <a:ea typeface="標楷體" panose="03000509000000000000" pitchFamily="65" charset="-120"/>
+              </a:rPr>
+              <a:t>AI</a:t>
+            </a:r>
+            <a:r>
+              <a:rPr lang="zh-TW" altLang="en-US" dirty="0">
+                <a:solidFill>
+                  <a:schemeClr val="tx1"/>
+                </a:solidFill>
+                <a:latin typeface="標楷體" panose="03000509000000000000" pitchFamily="65" charset="-120"/>
+                <a:ea typeface="標楷體" panose="03000509000000000000" pitchFamily="65" charset="-120"/>
+              </a:rPr>
+              <a:t> </a:t>
+            </a:r>
+            <a:r>
+              <a:rPr lang="en-US" altLang="zh-TW" dirty="0">
+                <a:solidFill>
+                  <a:schemeClr val="tx1"/>
+                </a:solidFill>
+                <a:latin typeface="標楷體" panose="03000509000000000000" pitchFamily="65" charset="-120"/>
+                <a:ea typeface="標楷體" panose="03000509000000000000" pitchFamily="65" charset="-120"/>
+              </a:rPr>
+              <a:t>Agent</a:t>
+            </a:r>
+            <a:r>
+              <a:rPr lang="zh-TW" altLang="en-US" dirty="0">
+                <a:solidFill>
+                  <a:schemeClr val="tx1"/>
+                </a:solidFill>
+                <a:latin typeface="標楷體" panose="03000509000000000000" pitchFamily="65" charset="-120"/>
+                <a:ea typeface="標楷體" panose="03000509000000000000" pitchFamily="65" charset="-120"/>
+              </a:rPr>
+              <a:t>：</a:t>
+            </a:r>
+            <a:br>
+              <a:rPr lang="en-US" altLang="zh-TW" dirty="0">
+                <a:solidFill>
+                  <a:schemeClr val="tx1"/>
+                </a:solidFill>
+                <a:latin typeface="標楷體" panose="03000509000000000000" pitchFamily="65" charset="-120"/>
+                <a:ea typeface="標楷體" panose="03000509000000000000" pitchFamily="65" charset="-120"/>
+              </a:rPr>
+            </a:br>
+            <a:r>
+              <a:rPr lang="zh-TW" altLang="en-US" dirty="0">
+                <a:solidFill>
+                  <a:schemeClr val="tx1"/>
+                </a:solidFill>
+                <a:latin typeface="標楷體" panose="03000509000000000000" pitchFamily="65" charset="-120"/>
+                <a:ea typeface="標楷體" panose="03000509000000000000" pitchFamily="65" charset="-120"/>
+              </a:rPr>
+              <a:t>像是</a:t>
+            </a:r>
+            <a:r>
+              <a:rPr lang="zh-TW" altLang="en-US" b="1" u="sng" dirty="0">
+                <a:solidFill>
+                  <a:schemeClr val="tx1"/>
+                </a:solidFill>
+                <a:latin typeface="標楷體" panose="03000509000000000000" pitchFamily="65" charset="-120"/>
+                <a:ea typeface="標楷體" panose="03000509000000000000" pitchFamily="65" charset="-120"/>
+              </a:rPr>
+              <a:t>任務小幫手</a:t>
+            </a:r>
+            <a:r>
+              <a:rPr lang="en-US" altLang="zh-TW" b="1" u="sng" dirty="0">
+                <a:solidFill>
+                  <a:schemeClr val="tx1"/>
+                </a:solidFill>
+                <a:latin typeface="標楷體" panose="03000509000000000000" pitchFamily="65" charset="-120"/>
+                <a:ea typeface="標楷體" panose="03000509000000000000" pitchFamily="65" charset="-120"/>
+              </a:rPr>
+              <a:t>(</a:t>
+            </a:r>
+            <a:r>
+              <a:rPr lang="zh-TW" altLang="en-US" b="1" u="sng" dirty="0">
+                <a:solidFill>
+                  <a:schemeClr val="tx1"/>
+                </a:solidFill>
+                <a:latin typeface="標楷體" panose="03000509000000000000" pitchFamily="65" charset="-120"/>
+                <a:ea typeface="標楷體" panose="03000509000000000000" pitchFamily="65" charset="-120"/>
+              </a:rPr>
+              <a:t>執行者</a:t>
+            </a:r>
+            <a:r>
+              <a:rPr lang="en-US" altLang="zh-TW" b="1" u="sng" dirty="0">
+                <a:solidFill>
+                  <a:schemeClr val="tx1"/>
+                </a:solidFill>
+                <a:latin typeface="標楷體" panose="03000509000000000000" pitchFamily="65" charset="-120"/>
+                <a:ea typeface="標楷體" panose="03000509000000000000" pitchFamily="65" charset="-120"/>
+              </a:rPr>
+              <a:t>)</a:t>
+            </a:r>
+            <a:r>
+              <a:rPr lang="zh-TW" altLang="en-US" dirty="0">
+                <a:solidFill>
+                  <a:schemeClr val="tx1"/>
+                </a:solidFill>
+                <a:latin typeface="標楷體" panose="03000509000000000000" pitchFamily="65" charset="-120"/>
+                <a:ea typeface="標楷體" panose="03000509000000000000" pitchFamily="65" charset="-120"/>
+              </a:rPr>
+              <a:t>，能夠依據使用者下達的指令，運用</a:t>
+            </a:r>
+            <a:r>
+              <a:rPr lang="en-US" altLang="zh-TW" dirty="0">
+                <a:solidFill>
+                  <a:schemeClr val="tx1"/>
+                </a:solidFill>
+                <a:latin typeface="標楷體" panose="03000509000000000000" pitchFamily="65" charset="-120"/>
+                <a:ea typeface="標楷體" panose="03000509000000000000" pitchFamily="65" charset="-120"/>
+              </a:rPr>
+              <a:t>Agent</a:t>
+            </a:r>
+            <a:r>
+              <a:rPr lang="zh-TW" altLang="en-US" dirty="0">
+                <a:solidFill>
+                  <a:schemeClr val="tx1"/>
+                </a:solidFill>
+                <a:latin typeface="標楷體" panose="03000509000000000000" pitchFamily="65" charset="-120"/>
+                <a:ea typeface="標楷體" panose="03000509000000000000" pitchFamily="65" charset="-120"/>
+              </a:rPr>
+              <a:t>模型的思考能力，導引使用者完成任務</a:t>
+            </a:r>
+          </a:p>
+        </p:txBody>
+      </p:sp>
+      <p:pic>
+        <p:nvPicPr>
+          <p:cNvPr id="6" name="圖片 5">
+            <a:extLst>
+              <a:ext uri="{FF2B5EF4-FFF2-40B4-BE49-F238E27FC236}">
+                <a16:creationId xmlns:a16="http://schemas.microsoft.com/office/drawing/2014/main" id="{4D9F67CB-D93F-F8EA-B40A-61260DFC154A}"/>
+              </a:ext>
+            </a:extLst>
+          </p:cNvPr>
+          <p:cNvPicPr>
+            <a:picLocks noChangeAspect="1"/>
+          </p:cNvPicPr>
+          <p:nvPr/>
+        </p:nvPicPr>
+        <p:blipFill>
+          <a:blip r:embed="rId2"/>
+          <a:stretch>
+            <a:fillRect/>
+          </a:stretch>
+        </p:blipFill>
+        <p:spPr>
+          <a:xfrm>
+            <a:off x="885254" y="2931245"/>
+            <a:ext cx="3565073" cy="1533604"/>
+          </a:xfrm>
+          <a:prstGeom prst="rect">
+            <a:avLst/>
+          </a:prstGeom>
+        </p:spPr>
+      </p:pic>
+      <p:sp>
+        <p:nvSpPr>
+          <p:cNvPr id="13" name="文字方塊 12">
+            <a:extLst>
+              <a:ext uri="{FF2B5EF4-FFF2-40B4-BE49-F238E27FC236}">
+                <a16:creationId xmlns:a16="http://schemas.microsoft.com/office/drawing/2014/main" id="{BB2D9258-AFA9-6F25-904C-08B92F4DA8AD}"/>
+              </a:ext>
+            </a:extLst>
+          </p:cNvPr>
+          <p:cNvSpPr txBox="1"/>
+          <p:nvPr/>
+        </p:nvSpPr>
+        <p:spPr>
+          <a:xfrm>
+            <a:off x="885254" y="1706577"/>
+            <a:ext cx="1476000" cy="374571"/>
+          </a:xfrm>
+          <a:prstGeom prst="roundRect">
+            <a:avLst/>
+          </a:prstGeom>
+          <a:solidFill>
+            <a:srgbClr val="06529C"/>
+          </a:solidFill>
+          <a:ln>
+            <a:noFill/>
+          </a:ln>
+        </p:spPr>
+        <p:txBody>
+          <a:bodyPr wrap="square" lIns="72000" rIns="144000" rtlCol="0">
+            <a:spAutoFit/>
+          </a:bodyPr>
+          <a:lstStyle/>
+          <a:p>
+            <a:pPr algn="ctr">
+              <a:spcAft>
+                <a:spcPts val="300"/>
+              </a:spcAft>
+            </a:pPr>
+            <a:r>
+              <a:rPr lang="zh-TW" altLang="en-US" dirty="0">
+                <a:solidFill>
+                  <a:schemeClr val="bg1"/>
+                </a:solidFill>
+                <a:latin typeface="標楷體" panose="03000509000000000000" pitchFamily="65" charset="-120"/>
+                <a:ea typeface="標楷體" panose="03000509000000000000" pitchFamily="65" charset="-120"/>
+              </a:rPr>
+              <a:t>生成式</a:t>
+            </a:r>
+            <a:r>
+              <a:rPr lang="en-US" altLang="zh-TW" dirty="0">
+                <a:solidFill>
+                  <a:schemeClr val="bg1"/>
+                </a:solidFill>
+                <a:latin typeface="標楷體" panose="03000509000000000000" pitchFamily="65" charset="-120"/>
+                <a:ea typeface="標楷體" panose="03000509000000000000" pitchFamily="65" charset="-120"/>
+              </a:rPr>
+              <a:t>AI</a:t>
+            </a:r>
+            <a:r>
+              <a:rPr lang="zh-TW" altLang="en-US" dirty="0">
+                <a:solidFill>
+                  <a:schemeClr val="bg1"/>
+                </a:solidFill>
+                <a:latin typeface="標楷體" panose="03000509000000000000" pitchFamily="65" charset="-120"/>
+                <a:ea typeface="標楷體" panose="03000509000000000000" pitchFamily="65" charset="-120"/>
+              </a:rPr>
+              <a:t>架構</a:t>
+            </a:r>
+          </a:p>
+        </p:txBody>
+      </p:sp>
+      <p:sp>
+        <p:nvSpPr>
+          <p:cNvPr id="33" name="文字方塊 32">
+            <a:extLst>
+              <a:ext uri="{FF2B5EF4-FFF2-40B4-BE49-F238E27FC236}">
+                <a16:creationId xmlns:a16="http://schemas.microsoft.com/office/drawing/2014/main" id="{1B1CC31F-0F60-3325-2A49-922A591D1076}"/>
+              </a:ext>
+            </a:extLst>
+          </p:cNvPr>
+          <p:cNvSpPr txBox="1"/>
+          <p:nvPr/>
+        </p:nvSpPr>
+        <p:spPr>
+          <a:xfrm>
+            <a:off x="4589856" y="1706577"/>
+            <a:ext cx="1476000" cy="374571"/>
+          </a:xfrm>
+          <a:prstGeom prst="roundRect">
+            <a:avLst/>
+          </a:prstGeom>
+          <a:solidFill>
+            <a:schemeClr val="tx1"/>
+          </a:solidFill>
+          <a:ln>
+            <a:noFill/>
+          </a:ln>
+        </p:spPr>
+        <p:txBody>
+          <a:bodyPr wrap="square" lIns="72000" rIns="144000" rtlCol="0">
+            <a:spAutoFit/>
+          </a:bodyPr>
+          <a:lstStyle/>
+          <a:p>
+            <a:pPr algn="ctr">
+              <a:spcAft>
+                <a:spcPts val="300"/>
+              </a:spcAft>
+            </a:pPr>
+            <a:r>
+              <a:rPr lang="en-US" altLang="zh-TW" dirty="0">
+                <a:solidFill>
+                  <a:schemeClr val="bg1"/>
+                </a:solidFill>
+                <a:latin typeface="標楷體" panose="03000509000000000000" pitchFamily="65" charset="-120"/>
+                <a:ea typeface="標楷體" panose="03000509000000000000" pitchFamily="65" charset="-120"/>
+              </a:rPr>
+              <a:t>AI</a:t>
+            </a:r>
+            <a:r>
+              <a:rPr lang="zh-TW" altLang="en-US" dirty="0">
+                <a:solidFill>
+                  <a:schemeClr val="bg1"/>
+                </a:solidFill>
+                <a:latin typeface="標楷體" panose="03000509000000000000" pitchFamily="65" charset="-120"/>
+                <a:ea typeface="標楷體" panose="03000509000000000000" pitchFamily="65" charset="-120"/>
+              </a:rPr>
+              <a:t> </a:t>
+            </a:r>
+            <a:r>
+              <a:rPr lang="en-US" altLang="zh-TW" dirty="0">
+                <a:solidFill>
+                  <a:schemeClr val="bg1"/>
+                </a:solidFill>
+                <a:latin typeface="標楷體" panose="03000509000000000000" pitchFamily="65" charset="-120"/>
+                <a:ea typeface="標楷體" panose="03000509000000000000" pitchFamily="65" charset="-120"/>
+              </a:rPr>
+              <a:t>Agent</a:t>
+            </a:r>
+            <a:r>
+              <a:rPr lang="zh-TW" altLang="en-US" dirty="0">
+                <a:solidFill>
+                  <a:schemeClr val="bg1"/>
+                </a:solidFill>
+                <a:latin typeface="標楷體" panose="03000509000000000000" pitchFamily="65" charset="-120"/>
+                <a:ea typeface="標楷體" panose="03000509000000000000" pitchFamily="65" charset="-120"/>
+              </a:rPr>
+              <a:t>架構</a:t>
+            </a:r>
+          </a:p>
+        </p:txBody>
+      </p:sp>
+      <p:sp>
+        <p:nvSpPr>
+          <p:cNvPr id="34" name="文字方塊 33">
+            <a:extLst>
+              <a:ext uri="{FF2B5EF4-FFF2-40B4-BE49-F238E27FC236}">
+                <a16:creationId xmlns:a16="http://schemas.microsoft.com/office/drawing/2014/main" id="{605BFF24-8357-308A-8AA1-37885A7DAA3C}"/>
+              </a:ext>
+            </a:extLst>
+          </p:cNvPr>
+          <p:cNvSpPr txBox="1"/>
+          <p:nvPr/>
+        </p:nvSpPr>
+        <p:spPr>
+          <a:xfrm>
+            <a:off x="6408883" y="2362086"/>
+            <a:ext cx="1092154" cy="374571"/>
+          </a:xfrm>
+          <a:prstGeom prst="roundRect">
+            <a:avLst/>
+          </a:prstGeom>
+          <a:solidFill>
+            <a:schemeClr val="bg1">
+              <a:lumMod val="95000"/>
+            </a:schemeClr>
+          </a:solidFill>
+          <a:ln>
+            <a:solidFill>
+              <a:schemeClr val="tx1"/>
+            </a:solidFill>
+          </a:ln>
+        </p:spPr>
+        <p:txBody>
+          <a:bodyPr wrap="square" lIns="72000" rIns="144000" rtlCol="0">
+            <a:spAutoFit/>
+          </a:bodyPr>
+          <a:lstStyle/>
+          <a:p>
+            <a:pPr algn="ctr">
+              <a:spcAft>
+                <a:spcPts val="300"/>
+              </a:spcAft>
+            </a:pPr>
+            <a:r>
+              <a:rPr lang="zh-TW" altLang="en-US" dirty="0">
+                <a:solidFill>
+                  <a:schemeClr val="tx1"/>
+                </a:solidFill>
+                <a:latin typeface="標楷體" panose="03000509000000000000" pitchFamily="65" charset="-120"/>
+                <a:ea typeface="標楷體" panose="03000509000000000000" pitchFamily="65" charset="-120"/>
+              </a:rPr>
+              <a:t>決策中樞</a:t>
+            </a:r>
+          </a:p>
+        </p:txBody>
+      </p:sp>
+      <p:sp>
+        <p:nvSpPr>
+          <p:cNvPr id="35" name="文字方塊 34">
+            <a:extLst>
+              <a:ext uri="{FF2B5EF4-FFF2-40B4-BE49-F238E27FC236}">
+                <a16:creationId xmlns:a16="http://schemas.microsoft.com/office/drawing/2014/main" id="{BE13C0C5-D34F-DD37-31DA-6D3AA92C9ABC}"/>
+              </a:ext>
+            </a:extLst>
+          </p:cNvPr>
+          <p:cNvSpPr txBox="1"/>
+          <p:nvPr/>
+        </p:nvSpPr>
+        <p:spPr>
+          <a:xfrm>
+            <a:off x="7825946" y="2348880"/>
+            <a:ext cx="3814670" cy="374571"/>
+          </a:xfrm>
+          <a:prstGeom prst="roundRect">
+            <a:avLst/>
+          </a:prstGeom>
+          <a:solidFill>
+            <a:schemeClr val="bg1">
+              <a:lumMod val="95000"/>
+            </a:schemeClr>
+          </a:solidFill>
+          <a:ln>
+            <a:solidFill>
+              <a:schemeClr val="tx1"/>
+            </a:solidFill>
+          </a:ln>
+        </p:spPr>
+        <p:txBody>
+          <a:bodyPr wrap="square" lIns="72000" rIns="144000" rtlCol="0">
+            <a:spAutoFit/>
+          </a:bodyPr>
+          <a:lstStyle/>
+          <a:p>
+            <a:pPr algn="ctr">
+              <a:spcAft>
+                <a:spcPts val="300"/>
+              </a:spcAft>
+            </a:pPr>
+            <a:r>
+              <a:rPr lang="zh-TW" altLang="en-US" dirty="0">
+                <a:solidFill>
+                  <a:schemeClr val="tx1"/>
+                </a:solidFill>
+                <a:latin typeface="標楷體" panose="03000509000000000000" pitchFamily="65" charset="-120"/>
+                <a:ea typeface="標楷體" panose="03000509000000000000" pitchFamily="65" charset="-120"/>
+              </a:rPr>
+              <a:t>執行單位</a:t>
+            </a:r>
+          </a:p>
+        </p:txBody>
+      </p:sp>
+      <p:cxnSp>
+        <p:nvCxnSpPr>
+          <p:cNvPr id="39" name="直線接點 38">
+            <a:extLst>
+              <a:ext uri="{FF2B5EF4-FFF2-40B4-BE49-F238E27FC236}">
+                <a16:creationId xmlns:a16="http://schemas.microsoft.com/office/drawing/2014/main" id="{255180E2-9804-47A4-4B60-8DA4B225956C}"/>
+              </a:ext>
+            </a:extLst>
+          </p:cNvPr>
+          <p:cNvCxnSpPr/>
+          <p:nvPr/>
+        </p:nvCxnSpPr>
+        <p:spPr bwMode="auto">
+          <a:xfrm>
+            <a:off x="4511675" y="1628800"/>
+            <a:ext cx="8417" cy="4392128"/>
+          </a:xfrm>
+          <a:prstGeom prst="line">
+            <a:avLst/>
+          </a:prstGeom>
+          <a:noFill/>
+          <a:ln w="9525" cap="flat" cmpd="sng" algn="ctr">
+            <a:solidFill>
+              <a:schemeClr val="tx1"/>
+            </a:solidFill>
+            <a:prstDash val="solid"/>
+            <a:round/>
+            <a:headEnd type="none" w="med" len="med"/>
+            <a:tailEnd type="none" w="med" len="med"/>
+          </a:ln>
+          <a:effectLst/>
+          <a:extLst>
+            <a:ext uri="{909E8E84-426E-40DD-AFC4-6F175D3DCCD1}">
+              <a14:hiddenFill xmlns:a14="http://schemas.microsoft.com/office/drawing/2010/main">
+                <a:solidFill>
+                  <a:schemeClr val="accent1"/>
+                </a:solidFill>
+              </a14:hiddenFill>
+            </a:ext>
+            <a:ext uri="{AF507438-7753-43E0-B8FC-AC1667EBCBE1}">
+              <a14:hiddenEffects xmlns:a14="http://schemas.microsoft.com/office/drawing/2010/main">
+                <a:effectLst>
+                  <a:outerShdw dist="35921" dir="2700000" algn="ctr" rotWithShape="0">
+                    <a:schemeClr val="bg2"/>
+                  </a:outerShdw>
+                </a:effectLst>
+              </a14:hiddenEffects>
+            </a:ext>
+          </a:extLst>
+        </p:spPr>
+      </p:cxnSp>
+      <p:pic>
+        <p:nvPicPr>
+          <p:cNvPr id="2" name="Picture 2" descr="Search in sidebar query">
+            <a:extLst>
+              <a:ext uri="{FF2B5EF4-FFF2-40B4-BE49-F238E27FC236}">
+                <a16:creationId xmlns:a16="http://schemas.microsoft.com/office/drawing/2014/main" id="{84BFF06C-5725-B898-4981-AD38B7256EF2}"/>
+              </a:ext>
+            </a:extLst>
+          </p:cNvPr>
+          <p:cNvPicPr>
+            <a:picLocks noChangeAspect="1" noChangeArrowheads="1"/>
+          </p:cNvPicPr>
+          <p:nvPr/>
+        </p:nvPicPr>
+        <p:blipFill>
+          <a:blip r:embed="rId3">
+            <a:extLst>
+              <a:ext uri="{28A0092B-C50C-407E-A947-70E740481C1C}">
+                <a14:useLocalDpi xmlns:a14="http://schemas.microsoft.com/office/drawing/2010/main" val="0"/>
+              </a:ext>
+            </a:extLst>
+          </a:blip>
+          <a:srcRect/>
+          <a:stretch>
+            <a:fillRect/>
+          </a:stretch>
+        </p:blipFill>
+        <p:spPr bwMode="auto">
+          <a:xfrm>
+            <a:off x="4961916" y="4087355"/>
+            <a:ext cx="756000" cy="756000"/>
+          </a:xfrm>
+          <a:prstGeom prst="rect">
+            <a:avLst/>
+          </a:prstGeom>
+          <a:noFill/>
+          <a:extLst>
+            <a:ext uri="{909E8E84-426E-40DD-AFC4-6F175D3DCCD1}">
+              <a14:hiddenFill xmlns:a14="http://schemas.microsoft.com/office/drawing/2010/main">
+                <a:solidFill>
+                  <a:srgbClr val="FFFFFF"/>
+                </a:solidFill>
+              </a14:hiddenFill>
+            </a:ext>
+          </a:extLst>
+        </p:spPr>
+      </p:pic>
+      <p:sp>
+        <p:nvSpPr>
+          <p:cNvPr id="3" name="文字方塊 2">
+            <a:extLst>
+              <a:ext uri="{FF2B5EF4-FFF2-40B4-BE49-F238E27FC236}">
+                <a16:creationId xmlns:a16="http://schemas.microsoft.com/office/drawing/2014/main" id="{52E83D7A-45EC-20E3-F6BF-0DAD934F64FC}"/>
+              </a:ext>
+            </a:extLst>
+          </p:cNvPr>
+          <p:cNvSpPr txBox="1"/>
+          <p:nvPr/>
+        </p:nvSpPr>
+        <p:spPr>
+          <a:xfrm>
+            <a:off x="7825946" y="2924912"/>
+            <a:ext cx="2069797" cy="307777"/>
+          </a:xfrm>
+          <a:prstGeom prst="rect">
+            <a:avLst/>
+          </a:prstGeom>
+          <a:noFill/>
+        </p:spPr>
+        <p:txBody>
+          <a:bodyPr wrap="none" rtlCol="0">
+            <a:spAutoFit/>
+          </a:bodyPr>
+          <a:lstStyle/>
+          <a:p>
+            <a:r>
+              <a:rPr lang="en-US" altLang="zh-TW" sz="1400" b="1" dirty="0">
+                <a:solidFill>
+                  <a:srgbClr val="00B050"/>
+                </a:solidFill>
+                <a:latin typeface="標楷體" panose="03000509000000000000" pitchFamily="65" charset="-120"/>
+                <a:ea typeface="標楷體" panose="03000509000000000000" pitchFamily="65" charset="-120"/>
+              </a:rPr>
+              <a:t>Agent 1: </a:t>
+            </a:r>
+            <a:r>
+              <a:rPr lang="zh-TW" altLang="en-US" sz="1400" b="1" dirty="0">
+                <a:solidFill>
+                  <a:srgbClr val="00B050"/>
+                </a:solidFill>
+                <a:latin typeface="標楷體" panose="03000509000000000000" pitchFamily="65" charset="-120"/>
+                <a:ea typeface="標楷體" panose="03000509000000000000" pitchFamily="65" charset="-120"/>
+              </a:rPr>
+              <a:t>分析業務需求</a:t>
+            </a:r>
+          </a:p>
+        </p:txBody>
+      </p:sp>
+      <p:sp>
+        <p:nvSpPr>
+          <p:cNvPr id="7" name="文字方塊 6">
+            <a:extLst>
+              <a:ext uri="{FF2B5EF4-FFF2-40B4-BE49-F238E27FC236}">
+                <a16:creationId xmlns:a16="http://schemas.microsoft.com/office/drawing/2014/main" id="{B6490B12-F67E-C460-D0E8-6CAD9BE483B4}"/>
+              </a:ext>
+            </a:extLst>
+          </p:cNvPr>
+          <p:cNvSpPr txBox="1"/>
+          <p:nvPr/>
+        </p:nvSpPr>
+        <p:spPr>
+          <a:xfrm>
+            <a:off x="7825946" y="3822265"/>
+            <a:ext cx="2249334" cy="307777"/>
+          </a:xfrm>
+          <a:prstGeom prst="rect">
+            <a:avLst/>
+          </a:prstGeom>
+          <a:noFill/>
+        </p:spPr>
+        <p:txBody>
+          <a:bodyPr wrap="none" rtlCol="0">
+            <a:spAutoFit/>
+          </a:bodyPr>
+          <a:lstStyle/>
+          <a:p>
+            <a:r>
+              <a:rPr lang="en-US" altLang="zh-TW" sz="1400" b="1" dirty="0">
+                <a:solidFill>
+                  <a:srgbClr val="00B050"/>
+                </a:solidFill>
+                <a:latin typeface="標楷體" panose="03000509000000000000" pitchFamily="65" charset="-120"/>
+                <a:ea typeface="標楷體" panose="03000509000000000000" pitchFamily="65" charset="-120"/>
+              </a:rPr>
+              <a:t>Agent 2: </a:t>
+            </a:r>
+            <a:r>
+              <a:rPr lang="zh-TW" altLang="en-US" sz="1400" b="1" dirty="0">
+                <a:solidFill>
+                  <a:srgbClr val="00B050"/>
+                </a:solidFill>
+                <a:latin typeface="標楷體" panose="03000509000000000000" pitchFamily="65" charset="-120"/>
+                <a:ea typeface="標楷體" panose="03000509000000000000" pitchFamily="65" charset="-120"/>
+              </a:rPr>
+              <a:t>檢索內外部資料</a:t>
+            </a:r>
+          </a:p>
+        </p:txBody>
+      </p:sp>
+      <p:sp>
+        <p:nvSpPr>
+          <p:cNvPr id="8" name="文字方塊 7">
+            <a:extLst>
+              <a:ext uri="{FF2B5EF4-FFF2-40B4-BE49-F238E27FC236}">
+                <a16:creationId xmlns:a16="http://schemas.microsoft.com/office/drawing/2014/main" id="{EB114656-C5A1-417E-CC29-8CD4C729D468}"/>
+              </a:ext>
+            </a:extLst>
+          </p:cNvPr>
+          <p:cNvSpPr txBox="1"/>
+          <p:nvPr/>
+        </p:nvSpPr>
+        <p:spPr>
+          <a:xfrm>
+            <a:off x="7825946" y="3163362"/>
+            <a:ext cx="2321469" cy="276999"/>
+          </a:xfrm>
+          <a:prstGeom prst="rect">
+            <a:avLst/>
+          </a:prstGeom>
+          <a:noFill/>
+        </p:spPr>
+        <p:txBody>
+          <a:bodyPr wrap="none" rtlCol="0">
+            <a:spAutoFit/>
+          </a:bodyPr>
+          <a:lstStyle/>
+          <a:p>
+            <a:r>
+              <a:rPr lang="zh-TW" altLang="en-US" sz="1200" b="1" dirty="0">
+                <a:latin typeface="標楷體" panose="03000509000000000000" pitchFamily="65" charset="-120"/>
+                <a:ea typeface="標楷體" panose="03000509000000000000" pitchFamily="65" charset="-120"/>
+              </a:rPr>
+              <a:t>理解使用者問題</a:t>
+            </a:r>
+            <a:r>
+              <a:rPr lang="en-US" altLang="zh-TW" sz="1200" b="1" dirty="0">
+                <a:latin typeface="標楷體" panose="03000509000000000000" pitchFamily="65" charset="-120"/>
+                <a:ea typeface="標楷體" panose="03000509000000000000" pitchFamily="65" charset="-120"/>
+              </a:rPr>
+              <a:t>&amp;</a:t>
+            </a:r>
+            <a:r>
+              <a:rPr lang="zh-TW" altLang="en-US" sz="1200" b="1" dirty="0">
+                <a:latin typeface="標楷體" panose="03000509000000000000" pitchFamily="65" charset="-120"/>
+                <a:ea typeface="標楷體" panose="03000509000000000000" pitchFamily="65" charset="-120"/>
+              </a:rPr>
+              <a:t>分析業務需求</a:t>
+            </a:r>
+            <a:endParaRPr lang="en-US" altLang="zh-TW" sz="1200" b="1" dirty="0">
+              <a:latin typeface="標楷體" panose="03000509000000000000" pitchFamily="65" charset="-120"/>
+              <a:ea typeface="標楷體" panose="03000509000000000000" pitchFamily="65" charset="-120"/>
+            </a:endParaRPr>
+          </a:p>
+        </p:txBody>
+      </p:sp>
+      <p:sp>
+        <p:nvSpPr>
+          <p:cNvPr id="9" name="文字方塊 8">
+            <a:extLst>
+              <a:ext uri="{FF2B5EF4-FFF2-40B4-BE49-F238E27FC236}">
+                <a16:creationId xmlns:a16="http://schemas.microsoft.com/office/drawing/2014/main" id="{D7F51D41-0F17-7706-2B12-B58459C561CC}"/>
+              </a:ext>
+            </a:extLst>
+          </p:cNvPr>
+          <p:cNvSpPr txBox="1"/>
+          <p:nvPr/>
+        </p:nvSpPr>
+        <p:spPr>
+          <a:xfrm>
+            <a:off x="7825946" y="4045867"/>
+            <a:ext cx="2492990" cy="461665"/>
+          </a:xfrm>
+          <a:prstGeom prst="rect">
+            <a:avLst/>
+          </a:prstGeom>
+          <a:noFill/>
+        </p:spPr>
+        <p:txBody>
+          <a:bodyPr wrap="none" rtlCol="0">
+            <a:spAutoFit/>
+          </a:bodyPr>
+          <a:lstStyle/>
+          <a:p>
+            <a:r>
+              <a:rPr lang="zh-TW" altLang="en-US" sz="1200" b="1" dirty="0">
+                <a:latin typeface="標楷體" panose="03000509000000000000" pitchFamily="65" charset="-120"/>
+                <a:ea typeface="標楷體" panose="03000509000000000000" pitchFamily="65" charset="-120"/>
+              </a:rPr>
+              <a:t>根據業務需求至資料庫檢索資料</a:t>
+            </a:r>
+            <a:endParaRPr lang="en-US" altLang="zh-TW" sz="1200" b="1" dirty="0">
+              <a:latin typeface="標楷體" panose="03000509000000000000" pitchFamily="65" charset="-120"/>
+              <a:ea typeface="標楷體" panose="03000509000000000000" pitchFamily="65" charset="-120"/>
+            </a:endParaRPr>
+          </a:p>
+          <a:p>
+            <a:r>
+              <a:rPr lang="zh-TW" altLang="en-US" sz="1200" b="1" dirty="0">
+                <a:latin typeface="標楷體" panose="03000509000000000000" pitchFamily="65" charset="-120"/>
+                <a:ea typeface="標楷體" panose="03000509000000000000" pitchFamily="65" charset="-120"/>
+              </a:rPr>
+              <a:t>對資料進行整理加工產出統計報表</a:t>
+            </a:r>
+            <a:endParaRPr lang="en-US" altLang="zh-TW" sz="1200" b="1" dirty="0">
+              <a:latin typeface="標楷體" panose="03000509000000000000" pitchFamily="65" charset="-120"/>
+              <a:ea typeface="標楷體" panose="03000509000000000000" pitchFamily="65" charset="-120"/>
+            </a:endParaRPr>
+          </a:p>
+        </p:txBody>
+      </p:sp>
+      <p:sp>
+        <p:nvSpPr>
+          <p:cNvPr id="10" name="文字方塊 9">
+            <a:extLst>
+              <a:ext uri="{FF2B5EF4-FFF2-40B4-BE49-F238E27FC236}">
+                <a16:creationId xmlns:a16="http://schemas.microsoft.com/office/drawing/2014/main" id="{39BA4204-2B66-6DE4-EFEF-5CB68467535F}"/>
+              </a:ext>
+            </a:extLst>
+          </p:cNvPr>
+          <p:cNvSpPr txBox="1"/>
+          <p:nvPr/>
+        </p:nvSpPr>
+        <p:spPr>
+          <a:xfrm>
+            <a:off x="7825946" y="4719618"/>
+            <a:ext cx="2069797" cy="307777"/>
+          </a:xfrm>
+          <a:prstGeom prst="rect">
+            <a:avLst/>
+          </a:prstGeom>
+          <a:noFill/>
+        </p:spPr>
+        <p:txBody>
+          <a:bodyPr wrap="none" rtlCol="0">
+            <a:spAutoFit/>
+          </a:bodyPr>
+          <a:lstStyle/>
+          <a:p>
+            <a:r>
+              <a:rPr lang="en-US" altLang="zh-TW" sz="1400" b="1" dirty="0">
+                <a:solidFill>
+                  <a:srgbClr val="00B050"/>
+                </a:solidFill>
+                <a:latin typeface="標楷體" panose="03000509000000000000" pitchFamily="65" charset="-120"/>
+                <a:ea typeface="標楷體" panose="03000509000000000000" pitchFamily="65" charset="-120"/>
+              </a:rPr>
+              <a:t>Agent 3: </a:t>
+            </a:r>
+            <a:r>
+              <a:rPr lang="zh-TW" altLang="en-US" sz="1400" b="1" dirty="0">
+                <a:solidFill>
+                  <a:srgbClr val="00B050"/>
+                </a:solidFill>
+                <a:latin typeface="標楷體" panose="03000509000000000000" pitchFamily="65" charset="-120"/>
+                <a:ea typeface="標楷體" panose="03000509000000000000" pitchFamily="65" charset="-120"/>
+              </a:rPr>
+              <a:t>說明分析結果</a:t>
+            </a:r>
+          </a:p>
+        </p:txBody>
+      </p:sp>
+      <p:sp>
+        <p:nvSpPr>
+          <p:cNvPr id="11" name="文字方塊 10">
+            <a:extLst>
+              <a:ext uri="{FF2B5EF4-FFF2-40B4-BE49-F238E27FC236}">
+                <a16:creationId xmlns:a16="http://schemas.microsoft.com/office/drawing/2014/main" id="{FFE99130-B54B-D877-4684-B753FBB1BA90}"/>
+              </a:ext>
+            </a:extLst>
+          </p:cNvPr>
+          <p:cNvSpPr txBox="1"/>
+          <p:nvPr/>
+        </p:nvSpPr>
+        <p:spPr>
+          <a:xfrm>
+            <a:off x="7825946" y="4950348"/>
+            <a:ext cx="1723549" cy="276999"/>
+          </a:xfrm>
+          <a:prstGeom prst="rect">
+            <a:avLst/>
+          </a:prstGeom>
+          <a:noFill/>
+        </p:spPr>
+        <p:txBody>
+          <a:bodyPr wrap="none" rtlCol="0">
+            <a:spAutoFit/>
+          </a:bodyPr>
+          <a:lstStyle/>
+          <a:p>
+            <a:r>
+              <a:rPr lang="zh-TW" altLang="en-US" sz="1200" b="1" dirty="0">
+                <a:latin typeface="標楷體" panose="03000509000000000000" pitchFamily="65" charset="-120"/>
+                <a:ea typeface="標楷體" panose="03000509000000000000" pitchFamily="65" charset="-120"/>
+              </a:rPr>
+              <a:t>根據分析結果進行說明</a:t>
+            </a:r>
+            <a:endParaRPr lang="en-US" altLang="zh-TW" sz="1200" b="1" dirty="0">
+              <a:latin typeface="標楷體" panose="03000509000000000000" pitchFamily="65" charset="-120"/>
+              <a:ea typeface="標楷體" panose="03000509000000000000" pitchFamily="65" charset="-120"/>
+            </a:endParaRPr>
+          </a:p>
+        </p:txBody>
+      </p:sp>
+      <p:sp>
+        <p:nvSpPr>
+          <p:cNvPr id="12" name="文字方塊 11">
+            <a:extLst>
+              <a:ext uri="{FF2B5EF4-FFF2-40B4-BE49-F238E27FC236}">
+                <a16:creationId xmlns:a16="http://schemas.microsoft.com/office/drawing/2014/main" id="{D1BDDFCF-D6E5-4808-4921-8C5AADB23E7D}"/>
+              </a:ext>
+            </a:extLst>
+          </p:cNvPr>
+          <p:cNvSpPr txBox="1"/>
+          <p:nvPr/>
+        </p:nvSpPr>
+        <p:spPr>
+          <a:xfrm>
+            <a:off x="7825946" y="5517885"/>
+            <a:ext cx="1710725" cy="307777"/>
+          </a:xfrm>
+          <a:prstGeom prst="rect">
+            <a:avLst/>
+          </a:prstGeom>
+          <a:noFill/>
+        </p:spPr>
+        <p:txBody>
+          <a:bodyPr wrap="none" rtlCol="0">
+            <a:spAutoFit/>
+          </a:bodyPr>
+          <a:lstStyle/>
+          <a:p>
+            <a:r>
+              <a:rPr lang="en-US" altLang="zh-TW" sz="1400" b="1" dirty="0">
+                <a:solidFill>
+                  <a:srgbClr val="00B050"/>
+                </a:solidFill>
+                <a:latin typeface="標楷體" panose="03000509000000000000" pitchFamily="65" charset="-120"/>
+                <a:ea typeface="標楷體" panose="03000509000000000000" pitchFamily="65" charset="-120"/>
+              </a:rPr>
+              <a:t>Agent 4: </a:t>
+            </a:r>
+            <a:r>
+              <a:rPr lang="zh-TW" altLang="en-US" sz="1400" b="1" dirty="0">
+                <a:solidFill>
+                  <a:srgbClr val="00B050"/>
+                </a:solidFill>
+                <a:latin typeface="標楷體" panose="03000509000000000000" pitchFamily="65" charset="-120"/>
+                <a:ea typeface="標楷體" panose="03000509000000000000" pitchFamily="65" charset="-120"/>
+              </a:rPr>
+              <a:t>發送通知</a:t>
+            </a:r>
+            <a:endParaRPr lang="en-US" altLang="zh-TW" sz="1400" b="1" dirty="0">
+              <a:solidFill>
+                <a:srgbClr val="00B050"/>
+              </a:solidFill>
+              <a:latin typeface="標楷體" panose="03000509000000000000" pitchFamily="65" charset="-120"/>
+              <a:ea typeface="標楷體" panose="03000509000000000000" pitchFamily="65" charset="-120"/>
+            </a:endParaRPr>
+          </a:p>
+        </p:txBody>
+      </p:sp>
+      <p:sp>
+        <p:nvSpPr>
+          <p:cNvPr id="14" name="文字方塊 13">
+            <a:extLst>
+              <a:ext uri="{FF2B5EF4-FFF2-40B4-BE49-F238E27FC236}">
+                <a16:creationId xmlns:a16="http://schemas.microsoft.com/office/drawing/2014/main" id="{58AACF0F-F974-BB66-1B2E-8B980676D42E}"/>
+              </a:ext>
+            </a:extLst>
+          </p:cNvPr>
+          <p:cNvSpPr txBox="1"/>
+          <p:nvPr/>
+        </p:nvSpPr>
+        <p:spPr>
+          <a:xfrm>
+            <a:off x="7825946" y="5771041"/>
+            <a:ext cx="2262158" cy="276999"/>
+          </a:xfrm>
+          <a:prstGeom prst="rect">
+            <a:avLst/>
+          </a:prstGeom>
+          <a:noFill/>
+        </p:spPr>
+        <p:txBody>
+          <a:bodyPr wrap="none" rtlCol="0">
+            <a:spAutoFit/>
+          </a:bodyPr>
+          <a:lstStyle/>
+          <a:p>
+            <a:r>
+              <a:rPr lang="zh-TW" altLang="en-US" sz="1200" b="1" dirty="0">
+                <a:latin typeface="標楷體" panose="03000509000000000000" pitchFamily="65" charset="-120"/>
+                <a:ea typeface="標楷體" panose="03000509000000000000" pitchFamily="65" charset="-120"/>
+              </a:rPr>
+              <a:t>透過 </a:t>
+            </a:r>
+            <a:r>
+              <a:rPr lang="en-US" altLang="zh-TW" sz="1200" b="1" dirty="0">
+                <a:latin typeface="標楷體" panose="03000509000000000000" pitchFamily="65" charset="-120"/>
+                <a:ea typeface="標楷體" panose="03000509000000000000" pitchFamily="65" charset="-120"/>
+              </a:rPr>
+              <a:t>Mail/Teams</a:t>
+            </a:r>
+            <a:r>
+              <a:rPr lang="zh-TW" altLang="en-US" sz="1200" b="1" dirty="0">
+                <a:latin typeface="標楷體" panose="03000509000000000000" pitchFamily="65" charset="-120"/>
+                <a:ea typeface="標楷體" panose="03000509000000000000" pitchFamily="65" charset="-120"/>
+              </a:rPr>
+              <a:t>訊息通知長官</a:t>
+            </a:r>
+            <a:endParaRPr lang="en-US" altLang="zh-TW" sz="1200" b="1" dirty="0">
+              <a:latin typeface="標楷體" panose="03000509000000000000" pitchFamily="65" charset="-120"/>
+              <a:ea typeface="標楷體" panose="03000509000000000000" pitchFamily="65" charset="-120"/>
+            </a:endParaRPr>
+          </a:p>
+        </p:txBody>
+      </p:sp>
+      <p:sp>
+        <p:nvSpPr>
+          <p:cNvPr id="15" name="文字方塊 14">
+            <a:extLst>
+              <a:ext uri="{FF2B5EF4-FFF2-40B4-BE49-F238E27FC236}">
+                <a16:creationId xmlns:a16="http://schemas.microsoft.com/office/drawing/2014/main" id="{66B0E807-6F48-2836-A268-1EC2B4E15371}"/>
+              </a:ext>
+            </a:extLst>
+          </p:cNvPr>
+          <p:cNvSpPr txBox="1"/>
+          <p:nvPr/>
+        </p:nvSpPr>
+        <p:spPr>
+          <a:xfrm>
+            <a:off x="4669700" y="4981117"/>
+            <a:ext cx="1340432" cy="307777"/>
+          </a:xfrm>
+          <a:prstGeom prst="rect">
+            <a:avLst/>
+          </a:prstGeom>
+          <a:noFill/>
+        </p:spPr>
+        <p:txBody>
+          <a:bodyPr wrap="none" rtlCol="0">
+            <a:spAutoFit/>
+          </a:bodyPr>
+          <a:lstStyle/>
+          <a:p>
+            <a:r>
+              <a:rPr lang="zh-TW" altLang="en-US" sz="1400" b="1" dirty="0">
+                <a:latin typeface="標楷體" panose="03000509000000000000" pitchFamily="65" charset="-120"/>
+                <a:ea typeface="標楷體" panose="03000509000000000000" pitchFamily="65" charset="-120"/>
+              </a:rPr>
+              <a:t>總</a:t>
+            </a:r>
+            <a:r>
+              <a:rPr lang="en-US" altLang="zh-TW" sz="1400" b="1" dirty="0">
+                <a:latin typeface="標楷體" panose="03000509000000000000" pitchFamily="65" charset="-120"/>
+                <a:ea typeface="標楷體" panose="03000509000000000000" pitchFamily="65" charset="-120"/>
+              </a:rPr>
+              <a:t>/</a:t>
+            </a:r>
+            <a:r>
+              <a:rPr lang="zh-TW" altLang="en-US" sz="1400" b="1" dirty="0">
+                <a:latin typeface="標楷體" panose="03000509000000000000" pitchFamily="65" charset="-120"/>
+                <a:ea typeface="標楷體" panose="03000509000000000000" pitchFamily="65" charset="-120"/>
+              </a:rPr>
+              <a:t>分公司長官</a:t>
+            </a:r>
+          </a:p>
+        </p:txBody>
+      </p:sp>
+      <p:grpSp>
+        <p:nvGrpSpPr>
+          <p:cNvPr id="52" name="群組 51">
+            <a:extLst>
+              <a:ext uri="{FF2B5EF4-FFF2-40B4-BE49-F238E27FC236}">
+                <a16:creationId xmlns:a16="http://schemas.microsoft.com/office/drawing/2014/main" id="{F663F41E-8CEE-5C5C-87C9-2E5EE034CB8D}"/>
+              </a:ext>
+            </a:extLst>
+          </p:cNvPr>
+          <p:cNvGrpSpPr/>
+          <p:nvPr/>
+        </p:nvGrpSpPr>
+        <p:grpSpPr>
+          <a:xfrm>
+            <a:off x="5782449" y="4427282"/>
+            <a:ext cx="648000" cy="187553"/>
+            <a:chOff x="5894116" y="4687577"/>
+            <a:chExt cx="864000" cy="187553"/>
+          </a:xfrm>
+        </p:grpSpPr>
+        <p:cxnSp>
+          <p:nvCxnSpPr>
+            <p:cNvPr id="18" name="直線單箭頭接點 17">
+              <a:extLst>
+                <a:ext uri="{FF2B5EF4-FFF2-40B4-BE49-F238E27FC236}">
+                  <a16:creationId xmlns:a16="http://schemas.microsoft.com/office/drawing/2014/main" id="{1C151A17-BC17-5576-66E3-848EE0953EC8}"/>
+                </a:ext>
+              </a:extLst>
+            </p:cNvPr>
+            <p:cNvCxnSpPr>
+              <a:cxnSpLocks/>
+            </p:cNvCxnSpPr>
+            <p:nvPr/>
+          </p:nvCxnSpPr>
+          <p:spPr>
+            <a:xfrm>
+              <a:off x="5894116" y="4687577"/>
+              <a:ext cx="864000" cy="0"/>
+            </a:xfrm>
+            <a:prstGeom prst="straightConnector1">
+              <a:avLst/>
+            </a:prstGeom>
+            <a:ln>
+              <a:solidFill>
+                <a:schemeClr val="tx1"/>
+              </a:solidFill>
+              <a:headEnd type="none" w="med" len="med"/>
+              <a:tailEnd type="arrow" w="med" len="med"/>
+            </a:ln>
+          </p:spPr>
+          <p:style>
+            <a:lnRef idx="2">
+              <a:schemeClr val="accent1"/>
+            </a:lnRef>
+            <a:fillRef idx="0">
+              <a:schemeClr val="accent1"/>
+            </a:fillRef>
+            <a:effectRef idx="1">
+              <a:schemeClr val="accent1"/>
+            </a:effectRef>
+            <a:fontRef idx="minor">
+              <a:schemeClr val="tx1"/>
+            </a:fontRef>
+          </p:style>
+        </p:cxnSp>
+        <p:cxnSp>
+          <p:nvCxnSpPr>
+            <p:cNvPr id="19" name="直線單箭頭接點 18">
+              <a:extLst>
+                <a:ext uri="{FF2B5EF4-FFF2-40B4-BE49-F238E27FC236}">
+                  <a16:creationId xmlns:a16="http://schemas.microsoft.com/office/drawing/2014/main" id="{497A909E-0BE2-22B1-64E8-E0E04409D424}"/>
+                </a:ext>
+              </a:extLst>
+            </p:cNvPr>
+            <p:cNvCxnSpPr>
+              <a:cxnSpLocks/>
+            </p:cNvCxnSpPr>
+            <p:nvPr/>
+          </p:nvCxnSpPr>
+          <p:spPr>
+            <a:xfrm>
+              <a:off x="5894116" y="4875130"/>
+              <a:ext cx="864000" cy="0"/>
+            </a:xfrm>
+            <a:prstGeom prst="straightConnector1">
+              <a:avLst/>
+            </a:prstGeom>
+            <a:ln>
+              <a:solidFill>
+                <a:schemeClr val="tx1"/>
+              </a:solidFill>
+              <a:headEnd type="arrow" w="med" len="med"/>
+              <a:tailEnd type="none" w="med" len="med"/>
+            </a:ln>
+          </p:spPr>
+          <p:style>
+            <a:lnRef idx="2">
+              <a:schemeClr val="accent1"/>
+            </a:lnRef>
+            <a:fillRef idx="0">
+              <a:schemeClr val="accent1"/>
+            </a:fillRef>
+            <a:effectRef idx="1">
+              <a:schemeClr val="accent1"/>
+            </a:effectRef>
+            <a:fontRef idx="minor">
+              <a:schemeClr val="tx1"/>
+            </a:fontRef>
+          </p:style>
+        </p:cxnSp>
+      </p:grpSp>
+      <p:cxnSp>
+        <p:nvCxnSpPr>
+          <p:cNvPr id="22" name="直線接點 24">
+            <a:extLst>
+              <a:ext uri="{FF2B5EF4-FFF2-40B4-BE49-F238E27FC236}">
+                <a16:creationId xmlns:a16="http://schemas.microsoft.com/office/drawing/2014/main" id="{36E15834-DDDD-B12A-6E94-19FF59137412}"/>
+              </a:ext>
+            </a:extLst>
+          </p:cNvPr>
+          <p:cNvCxnSpPr>
+            <a:cxnSpLocks/>
+            <a:stCxn id="26" idx="3"/>
+            <a:endCxn id="3" idx="1"/>
+          </p:cNvCxnSpPr>
+          <p:nvPr/>
+        </p:nvCxnSpPr>
+        <p:spPr>
+          <a:xfrm flipV="1">
+            <a:off x="7250982" y="3078801"/>
+            <a:ext cx="574964" cy="1386554"/>
+          </a:xfrm>
+          <a:prstGeom prst="curvedConnector3">
+            <a:avLst>
+              <a:gd name="adj1" fmla="val 50000"/>
+            </a:avLst>
+          </a:prstGeom>
+          <a:ln>
+            <a:solidFill>
+              <a:schemeClr val="tx1"/>
+            </a:solidFill>
+          </a:ln>
+        </p:spPr>
+        <p:style>
+          <a:lnRef idx="2">
+            <a:schemeClr val="accent1"/>
+          </a:lnRef>
+          <a:fillRef idx="0">
+            <a:schemeClr val="accent1"/>
+          </a:fillRef>
+          <a:effectRef idx="1">
+            <a:schemeClr val="accent1"/>
+          </a:effectRef>
+          <a:fontRef idx="minor">
+            <a:schemeClr val="tx1"/>
+          </a:fontRef>
+        </p:style>
+      </p:cxnSp>
+      <p:cxnSp>
+        <p:nvCxnSpPr>
+          <p:cNvPr id="23" name="直線接點 24">
+            <a:extLst>
+              <a:ext uri="{FF2B5EF4-FFF2-40B4-BE49-F238E27FC236}">
+                <a16:creationId xmlns:a16="http://schemas.microsoft.com/office/drawing/2014/main" id="{12BDCEC9-04A0-84FC-0A89-1F1CC13103E9}"/>
+              </a:ext>
+            </a:extLst>
+          </p:cNvPr>
+          <p:cNvCxnSpPr>
+            <a:cxnSpLocks/>
+            <a:stCxn id="26" idx="3"/>
+            <a:endCxn id="7" idx="1"/>
+          </p:cNvCxnSpPr>
+          <p:nvPr/>
+        </p:nvCxnSpPr>
+        <p:spPr>
+          <a:xfrm flipV="1">
+            <a:off x="7250982" y="3976154"/>
+            <a:ext cx="574964" cy="489201"/>
+          </a:xfrm>
+          <a:prstGeom prst="curvedConnector3">
+            <a:avLst>
+              <a:gd name="adj1" fmla="val 50000"/>
+            </a:avLst>
+          </a:prstGeom>
+          <a:ln>
+            <a:solidFill>
+              <a:schemeClr val="tx1"/>
+            </a:solidFill>
+          </a:ln>
+        </p:spPr>
+        <p:style>
+          <a:lnRef idx="2">
+            <a:schemeClr val="accent1"/>
+          </a:lnRef>
+          <a:fillRef idx="0">
+            <a:schemeClr val="accent1"/>
+          </a:fillRef>
+          <a:effectRef idx="1">
+            <a:schemeClr val="accent1"/>
+          </a:effectRef>
+          <a:fontRef idx="minor">
+            <a:schemeClr val="tx1"/>
+          </a:fontRef>
+        </p:style>
+      </p:cxnSp>
+      <p:cxnSp>
+        <p:nvCxnSpPr>
+          <p:cNvPr id="24" name="直線接點 24">
+            <a:extLst>
+              <a:ext uri="{FF2B5EF4-FFF2-40B4-BE49-F238E27FC236}">
+                <a16:creationId xmlns:a16="http://schemas.microsoft.com/office/drawing/2014/main" id="{0E591F53-E334-2059-6E7B-0CED445D0601}"/>
+              </a:ext>
+            </a:extLst>
+          </p:cNvPr>
+          <p:cNvCxnSpPr>
+            <a:cxnSpLocks/>
+            <a:stCxn id="26" idx="3"/>
+            <a:endCxn id="10" idx="1"/>
+          </p:cNvCxnSpPr>
+          <p:nvPr/>
+        </p:nvCxnSpPr>
+        <p:spPr>
+          <a:xfrm>
+            <a:off x="7250982" y="4465355"/>
+            <a:ext cx="574964" cy="408152"/>
+          </a:xfrm>
+          <a:prstGeom prst="curvedConnector3">
+            <a:avLst>
+              <a:gd name="adj1" fmla="val 50000"/>
+            </a:avLst>
+          </a:prstGeom>
+          <a:ln>
+            <a:solidFill>
+              <a:schemeClr val="tx1"/>
+            </a:solidFill>
+          </a:ln>
+        </p:spPr>
+        <p:style>
+          <a:lnRef idx="2">
+            <a:schemeClr val="accent1"/>
+          </a:lnRef>
+          <a:fillRef idx="0">
+            <a:schemeClr val="accent1"/>
+          </a:fillRef>
+          <a:effectRef idx="1">
+            <a:schemeClr val="accent1"/>
+          </a:effectRef>
+          <a:fontRef idx="minor">
+            <a:schemeClr val="tx1"/>
+          </a:fontRef>
+        </p:style>
+      </p:cxnSp>
+      <p:cxnSp>
+        <p:nvCxnSpPr>
+          <p:cNvPr id="25" name="直線接點 24">
+            <a:extLst>
+              <a:ext uri="{FF2B5EF4-FFF2-40B4-BE49-F238E27FC236}">
+                <a16:creationId xmlns:a16="http://schemas.microsoft.com/office/drawing/2014/main" id="{08D7E589-299D-9DEF-77EA-7ED01398B2B8}"/>
+              </a:ext>
+            </a:extLst>
+          </p:cNvPr>
+          <p:cNvCxnSpPr>
+            <a:cxnSpLocks/>
+            <a:stCxn id="26" idx="3"/>
+            <a:endCxn id="12" idx="1"/>
+          </p:cNvCxnSpPr>
+          <p:nvPr/>
+        </p:nvCxnSpPr>
+        <p:spPr>
+          <a:xfrm>
+            <a:off x="7250982" y="4465355"/>
+            <a:ext cx="574964" cy="1206419"/>
+          </a:xfrm>
+          <a:prstGeom prst="curvedConnector3">
+            <a:avLst>
+              <a:gd name="adj1" fmla="val 50000"/>
+            </a:avLst>
+          </a:prstGeom>
+          <a:ln>
+            <a:solidFill>
+              <a:schemeClr val="tx1"/>
+            </a:solidFill>
+          </a:ln>
+        </p:spPr>
+        <p:style>
+          <a:lnRef idx="2">
+            <a:schemeClr val="accent1"/>
+          </a:lnRef>
+          <a:fillRef idx="0">
+            <a:schemeClr val="accent1"/>
+          </a:fillRef>
+          <a:effectRef idx="1">
+            <a:schemeClr val="accent1"/>
+          </a:effectRef>
+          <a:fontRef idx="minor">
+            <a:schemeClr val="tx1"/>
+          </a:fontRef>
+        </p:style>
+      </p:cxnSp>
+      <p:pic>
+        <p:nvPicPr>
+          <p:cNvPr id="26" name="Picture 8" descr="Search in sidebar query">
+            <a:extLst>
+              <a:ext uri="{FF2B5EF4-FFF2-40B4-BE49-F238E27FC236}">
+                <a16:creationId xmlns:a16="http://schemas.microsoft.com/office/drawing/2014/main" id="{C387E13B-429A-7BE1-73CE-F1B2DF83E1BC}"/>
+              </a:ext>
+            </a:extLst>
+          </p:cNvPr>
+          <p:cNvPicPr>
+            <a:picLocks noChangeAspect="1" noChangeArrowheads="1"/>
+          </p:cNvPicPr>
+          <p:nvPr/>
+        </p:nvPicPr>
+        <p:blipFill>
+          <a:blip r:embed="rId4">
+            <a:extLst>
+              <a:ext uri="{28A0092B-C50C-407E-A947-70E740481C1C}">
+                <a14:useLocalDpi xmlns:a14="http://schemas.microsoft.com/office/drawing/2010/main" val="0"/>
+              </a:ext>
+            </a:extLst>
+          </a:blip>
+          <a:srcRect/>
+          <a:stretch>
+            <a:fillRect/>
+          </a:stretch>
+        </p:blipFill>
+        <p:spPr bwMode="auto">
+          <a:xfrm>
+            <a:off x="6494982" y="4087355"/>
+            <a:ext cx="756000" cy="756000"/>
+          </a:xfrm>
+          <a:prstGeom prst="rect">
+            <a:avLst/>
+          </a:prstGeom>
+          <a:noFill/>
+          <a:extLst>
+            <a:ext uri="{909E8E84-426E-40DD-AFC4-6F175D3DCCD1}">
+              <a14:hiddenFill xmlns:a14="http://schemas.microsoft.com/office/drawing/2010/main">
+                <a:solidFill>
+                  <a:srgbClr val="FFFFFF"/>
+                </a:solidFill>
+              </a14:hiddenFill>
+            </a:ext>
+          </a:extLst>
+        </p:spPr>
+      </p:pic>
+      <p:grpSp>
+        <p:nvGrpSpPr>
+          <p:cNvPr id="61" name="群組 60">
+            <a:extLst>
+              <a:ext uri="{FF2B5EF4-FFF2-40B4-BE49-F238E27FC236}">
+                <a16:creationId xmlns:a16="http://schemas.microsoft.com/office/drawing/2014/main" id="{3A5690C9-A52C-438F-0DC1-14F17EC36F6C}"/>
+              </a:ext>
+            </a:extLst>
+          </p:cNvPr>
+          <p:cNvGrpSpPr/>
+          <p:nvPr/>
+        </p:nvGrpSpPr>
+        <p:grpSpPr>
+          <a:xfrm>
+            <a:off x="9813084" y="2983272"/>
+            <a:ext cx="1827532" cy="194040"/>
+            <a:chOff x="7928080" y="3702141"/>
+            <a:chExt cx="1827532" cy="194040"/>
+          </a:xfrm>
+        </p:grpSpPr>
+        <p:sp>
+          <p:nvSpPr>
+            <p:cNvPr id="27" name="矩形: 圓角 26">
+              <a:extLst>
+                <a:ext uri="{FF2B5EF4-FFF2-40B4-BE49-F238E27FC236}">
+                  <a16:creationId xmlns:a16="http://schemas.microsoft.com/office/drawing/2014/main" id="{64392C91-9C6C-424C-5922-2BDA1F72B069}"/>
+                </a:ext>
+              </a:extLst>
+            </p:cNvPr>
+            <p:cNvSpPr/>
+            <p:nvPr/>
+          </p:nvSpPr>
+          <p:spPr>
+            <a:xfrm>
+              <a:off x="8407897" y="3702141"/>
+              <a:ext cx="388080" cy="194040"/>
+            </a:xfrm>
+            <a:prstGeom prst="roundRect">
+              <a:avLst/>
+            </a:prstGeom>
+            <a:noFill/>
+            <a:ln w="6350">
+              <a:solidFill>
+                <a:schemeClr val="bg1">
+                  <a:lumMod val="50000"/>
+                </a:schemeClr>
+              </a:solidFill>
+            </a:ln>
+          </p:spPr>
+          <p:style>
+            <a:lnRef idx="2">
+              <a:schemeClr val="accent1">
+                <a:shade val="15000"/>
+              </a:schemeClr>
+            </a:lnRef>
+            <a:fillRef idx="1">
+              <a:schemeClr val="accent1"/>
+            </a:fillRef>
+            <a:effectRef idx="0">
+              <a:schemeClr val="accent1"/>
+            </a:effectRef>
+            <a:fontRef idx="minor">
+              <a:schemeClr val="lt1"/>
+            </a:fontRef>
+          </p:style>
+          <p:txBody>
+            <a:bodyPr wrap="none" rtlCol="0" anchor="ctr">
+              <a:noAutofit/>
+            </a:bodyPr>
+            <a:lstStyle/>
+            <a:p>
+              <a:pPr algn="ctr"/>
+              <a:r>
+                <a:rPr lang="zh-TW" altLang="en-US" sz="1100" dirty="0">
+                  <a:solidFill>
+                    <a:schemeClr val="tx1"/>
+                  </a:solidFill>
+                  <a:latin typeface="標楷體" panose="03000509000000000000" pitchFamily="65" charset="-120"/>
+                  <a:ea typeface="標楷體" panose="03000509000000000000" pitchFamily="65" charset="-120"/>
+                </a:rPr>
+                <a:t>圖片</a:t>
+              </a:r>
+            </a:p>
+          </p:txBody>
+        </p:sp>
+        <p:sp>
+          <p:nvSpPr>
+            <p:cNvPr id="28" name="矩形: 圓角 27">
+              <a:extLst>
+                <a:ext uri="{FF2B5EF4-FFF2-40B4-BE49-F238E27FC236}">
+                  <a16:creationId xmlns:a16="http://schemas.microsoft.com/office/drawing/2014/main" id="{EADE4943-68D5-818B-2663-6914473A66EB}"/>
+                </a:ext>
+              </a:extLst>
+            </p:cNvPr>
+            <p:cNvSpPr/>
+            <p:nvPr/>
+          </p:nvSpPr>
+          <p:spPr>
+            <a:xfrm>
+              <a:off x="7928080" y="3702141"/>
+              <a:ext cx="388080" cy="194040"/>
+            </a:xfrm>
+            <a:prstGeom prst="roundRect">
+              <a:avLst/>
+            </a:prstGeom>
+            <a:noFill/>
+            <a:ln w="6350">
+              <a:solidFill>
+                <a:schemeClr val="bg1">
+                  <a:lumMod val="50000"/>
+                </a:schemeClr>
+              </a:solidFill>
+            </a:ln>
+          </p:spPr>
+          <p:style>
+            <a:lnRef idx="2">
+              <a:schemeClr val="accent1">
+                <a:shade val="15000"/>
+              </a:schemeClr>
+            </a:lnRef>
+            <a:fillRef idx="1">
+              <a:schemeClr val="accent1"/>
+            </a:fillRef>
+            <a:effectRef idx="0">
+              <a:schemeClr val="accent1"/>
+            </a:effectRef>
+            <a:fontRef idx="minor">
+              <a:schemeClr val="lt1"/>
+            </a:fontRef>
+          </p:style>
+          <p:txBody>
+            <a:bodyPr wrap="none" rtlCol="0" anchor="ctr">
+              <a:noAutofit/>
+            </a:bodyPr>
+            <a:lstStyle/>
+            <a:p>
+              <a:pPr algn="ctr"/>
+              <a:r>
+                <a:rPr lang="zh-TW" altLang="en-US" sz="1100" dirty="0">
+                  <a:solidFill>
+                    <a:schemeClr val="tx1"/>
+                  </a:solidFill>
+                  <a:latin typeface="標楷體" panose="03000509000000000000" pitchFamily="65" charset="-120"/>
+                  <a:ea typeface="標楷體" panose="03000509000000000000" pitchFamily="65" charset="-120"/>
+                </a:rPr>
+                <a:t>文字</a:t>
+              </a:r>
+            </a:p>
+          </p:txBody>
+        </p:sp>
+        <p:sp>
+          <p:nvSpPr>
+            <p:cNvPr id="29" name="矩形: 圓角 28">
+              <a:extLst>
+                <a:ext uri="{FF2B5EF4-FFF2-40B4-BE49-F238E27FC236}">
+                  <a16:creationId xmlns:a16="http://schemas.microsoft.com/office/drawing/2014/main" id="{63444223-F19C-2F33-6826-CA29133E388B}"/>
+                </a:ext>
+              </a:extLst>
+            </p:cNvPr>
+            <p:cNvSpPr/>
+            <p:nvPr/>
+          </p:nvSpPr>
+          <p:spPr>
+            <a:xfrm>
+              <a:off x="8887714" y="3702141"/>
+              <a:ext cx="388080" cy="194040"/>
+            </a:xfrm>
+            <a:prstGeom prst="roundRect">
+              <a:avLst/>
+            </a:prstGeom>
+            <a:noFill/>
+            <a:ln w="6350">
+              <a:solidFill>
+                <a:schemeClr val="bg1">
+                  <a:lumMod val="50000"/>
+                </a:schemeClr>
+              </a:solidFill>
+            </a:ln>
+          </p:spPr>
+          <p:style>
+            <a:lnRef idx="2">
+              <a:schemeClr val="accent1">
+                <a:shade val="15000"/>
+              </a:schemeClr>
+            </a:lnRef>
+            <a:fillRef idx="1">
+              <a:schemeClr val="accent1"/>
+            </a:fillRef>
+            <a:effectRef idx="0">
+              <a:schemeClr val="accent1"/>
+            </a:effectRef>
+            <a:fontRef idx="minor">
+              <a:schemeClr val="lt1"/>
+            </a:fontRef>
+          </p:style>
+          <p:txBody>
+            <a:bodyPr wrap="none" rtlCol="0" anchor="ctr">
+              <a:noAutofit/>
+            </a:bodyPr>
+            <a:lstStyle/>
+            <a:p>
+              <a:pPr algn="ctr"/>
+              <a:r>
+                <a:rPr lang="zh-TW" altLang="en-US" sz="1100" dirty="0">
+                  <a:solidFill>
+                    <a:schemeClr val="tx1"/>
+                  </a:solidFill>
+                  <a:latin typeface="標楷體" panose="03000509000000000000" pitchFamily="65" charset="-120"/>
+                  <a:ea typeface="標楷體" panose="03000509000000000000" pitchFamily="65" charset="-120"/>
+                </a:rPr>
+                <a:t>音檔</a:t>
+              </a:r>
+            </a:p>
+          </p:txBody>
+        </p:sp>
+        <p:sp>
+          <p:nvSpPr>
+            <p:cNvPr id="30" name="矩形: 圓角 29">
+              <a:extLst>
+                <a:ext uri="{FF2B5EF4-FFF2-40B4-BE49-F238E27FC236}">
+                  <a16:creationId xmlns:a16="http://schemas.microsoft.com/office/drawing/2014/main" id="{A70E9B0D-2C6E-0D03-FC8F-99E27798F3A7}"/>
+                </a:ext>
+              </a:extLst>
+            </p:cNvPr>
+            <p:cNvSpPr/>
+            <p:nvPr/>
+          </p:nvSpPr>
+          <p:spPr>
+            <a:xfrm>
+              <a:off x="9367532" y="3702141"/>
+              <a:ext cx="388080" cy="194040"/>
+            </a:xfrm>
+            <a:prstGeom prst="roundRect">
+              <a:avLst/>
+            </a:prstGeom>
+            <a:noFill/>
+            <a:ln w="6350">
+              <a:solidFill>
+                <a:schemeClr val="bg1">
+                  <a:lumMod val="50000"/>
+                </a:schemeClr>
+              </a:solidFill>
+            </a:ln>
+          </p:spPr>
+          <p:style>
+            <a:lnRef idx="2">
+              <a:schemeClr val="accent1">
+                <a:shade val="15000"/>
+              </a:schemeClr>
+            </a:lnRef>
+            <a:fillRef idx="1">
+              <a:schemeClr val="accent1"/>
+            </a:fillRef>
+            <a:effectRef idx="0">
+              <a:schemeClr val="accent1"/>
+            </a:effectRef>
+            <a:fontRef idx="minor">
+              <a:schemeClr val="lt1"/>
+            </a:fontRef>
+          </p:style>
+          <p:txBody>
+            <a:bodyPr wrap="none" rtlCol="0" anchor="ctr">
+              <a:noAutofit/>
+            </a:bodyPr>
+            <a:lstStyle/>
+            <a:p>
+              <a:pPr algn="ctr"/>
+              <a:r>
+                <a:rPr lang="zh-TW" altLang="en-US" sz="1100" dirty="0">
+                  <a:solidFill>
+                    <a:schemeClr val="tx1"/>
+                  </a:solidFill>
+                  <a:latin typeface="標楷體" panose="03000509000000000000" pitchFamily="65" charset="-120"/>
+                  <a:ea typeface="標楷體" panose="03000509000000000000" pitchFamily="65" charset="-120"/>
+                </a:rPr>
+                <a:t>影片</a:t>
+              </a:r>
+            </a:p>
+          </p:txBody>
+        </p:sp>
+      </p:grpSp>
+      <p:grpSp>
+        <p:nvGrpSpPr>
+          <p:cNvPr id="62" name="群組 61">
+            <a:extLst>
+              <a:ext uri="{FF2B5EF4-FFF2-40B4-BE49-F238E27FC236}">
+                <a16:creationId xmlns:a16="http://schemas.microsoft.com/office/drawing/2014/main" id="{6DEB2A51-0D30-4C15-9D4D-424B9F6E01D3}"/>
+              </a:ext>
+            </a:extLst>
+          </p:cNvPr>
+          <p:cNvGrpSpPr/>
+          <p:nvPr/>
+        </p:nvGrpSpPr>
+        <p:grpSpPr>
+          <a:xfrm>
+            <a:off x="9960893" y="3880625"/>
+            <a:ext cx="1679723" cy="194040"/>
+            <a:chOff x="9967004" y="4131063"/>
+            <a:chExt cx="1679723" cy="194040"/>
+          </a:xfrm>
+        </p:grpSpPr>
+        <p:sp>
+          <p:nvSpPr>
+            <p:cNvPr id="31" name="矩形: 圓角 30">
+              <a:extLst>
+                <a:ext uri="{FF2B5EF4-FFF2-40B4-BE49-F238E27FC236}">
+                  <a16:creationId xmlns:a16="http://schemas.microsoft.com/office/drawing/2014/main" id="{7AC5C363-6300-25A7-433D-5C7B23D93BF6}"/>
+                </a:ext>
+              </a:extLst>
+            </p:cNvPr>
+            <p:cNvSpPr/>
+            <p:nvPr/>
+          </p:nvSpPr>
+          <p:spPr>
+            <a:xfrm>
+              <a:off x="10416480" y="4131063"/>
+              <a:ext cx="540389" cy="194040"/>
+            </a:xfrm>
+            <a:prstGeom prst="roundRect">
+              <a:avLst/>
+            </a:prstGeom>
+            <a:noFill/>
+            <a:ln w="6350">
+              <a:solidFill>
+                <a:schemeClr val="tx1">
+                  <a:lumMod val="50000"/>
+                  <a:lumOff val="50000"/>
+                </a:schemeClr>
+              </a:solidFill>
+            </a:ln>
+          </p:spPr>
+          <p:style>
+            <a:lnRef idx="2">
+              <a:schemeClr val="accent1">
+                <a:shade val="15000"/>
+              </a:schemeClr>
+            </a:lnRef>
+            <a:fillRef idx="1">
+              <a:schemeClr val="accent1"/>
+            </a:fillRef>
+            <a:effectRef idx="0">
+              <a:schemeClr val="accent1"/>
+            </a:effectRef>
+            <a:fontRef idx="minor">
+              <a:schemeClr val="lt1"/>
+            </a:fontRef>
+          </p:style>
+          <p:txBody>
+            <a:bodyPr wrap="none" rtlCol="0" anchor="ctr">
+              <a:noAutofit/>
+            </a:bodyPr>
+            <a:lstStyle/>
+            <a:p>
+              <a:pPr algn="ctr"/>
+              <a:r>
+                <a:rPr lang="en-US" altLang="zh-TW" sz="1100" dirty="0">
+                  <a:solidFill>
+                    <a:schemeClr val="tx1"/>
+                  </a:solidFill>
+                  <a:latin typeface="標楷體" panose="03000509000000000000" pitchFamily="65" charset="-120"/>
+                  <a:ea typeface="標楷體" panose="03000509000000000000" pitchFamily="65" charset="-120"/>
+                </a:rPr>
+                <a:t>python</a:t>
+              </a:r>
+              <a:endParaRPr lang="zh-TW" altLang="en-US" sz="1100" dirty="0">
+                <a:solidFill>
+                  <a:schemeClr val="tx1"/>
+                </a:solidFill>
+                <a:latin typeface="標楷體" panose="03000509000000000000" pitchFamily="65" charset="-120"/>
+                <a:ea typeface="標楷體" panose="03000509000000000000" pitchFamily="65" charset="-120"/>
+              </a:endParaRPr>
+            </a:p>
+          </p:txBody>
+        </p:sp>
+        <p:sp>
+          <p:nvSpPr>
+            <p:cNvPr id="32" name="矩形: 圓角 31">
+              <a:extLst>
+                <a:ext uri="{FF2B5EF4-FFF2-40B4-BE49-F238E27FC236}">
+                  <a16:creationId xmlns:a16="http://schemas.microsoft.com/office/drawing/2014/main" id="{BD910F0C-592E-5F48-4B97-B4AD920DF956}"/>
+                </a:ext>
+              </a:extLst>
+            </p:cNvPr>
+            <p:cNvSpPr/>
+            <p:nvPr/>
+          </p:nvSpPr>
+          <p:spPr>
+            <a:xfrm>
+              <a:off x="9967004" y="4131063"/>
+              <a:ext cx="388080" cy="194040"/>
+            </a:xfrm>
+            <a:prstGeom prst="roundRect">
+              <a:avLst/>
+            </a:prstGeom>
+            <a:noFill/>
+            <a:ln w="6350">
+              <a:solidFill>
+                <a:schemeClr val="tx1">
+                  <a:lumMod val="50000"/>
+                  <a:lumOff val="50000"/>
+                </a:schemeClr>
+              </a:solidFill>
+            </a:ln>
+          </p:spPr>
+          <p:style>
+            <a:lnRef idx="2">
+              <a:schemeClr val="accent1">
+                <a:shade val="15000"/>
+              </a:schemeClr>
+            </a:lnRef>
+            <a:fillRef idx="1">
+              <a:schemeClr val="accent1"/>
+            </a:fillRef>
+            <a:effectRef idx="0">
+              <a:schemeClr val="accent1"/>
+            </a:effectRef>
+            <a:fontRef idx="minor">
+              <a:schemeClr val="lt1"/>
+            </a:fontRef>
+          </p:style>
+          <p:txBody>
+            <a:bodyPr wrap="none" rtlCol="0" anchor="ctr">
+              <a:noAutofit/>
+            </a:bodyPr>
+            <a:lstStyle/>
+            <a:p>
+              <a:pPr algn="ctr"/>
+              <a:r>
+                <a:rPr lang="en-US" altLang="zh-TW" sz="1100" dirty="0">
+                  <a:solidFill>
+                    <a:schemeClr val="tx1"/>
+                  </a:solidFill>
+                  <a:latin typeface="標楷體" panose="03000509000000000000" pitchFamily="65" charset="-120"/>
+                  <a:ea typeface="標楷體" panose="03000509000000000000" pitchFamily="65" charset="-120"/>
+                </a:rPr>
+                <a:t>SQL</a:t>
+              </a:r>
+              <a:endParaRPr lang="zh-TW" altLang="en-US" sz="1100" dirty="0">
+                <a:solidFill>
+                  <a:schemeClr val="tx1"/>
+                </a:solidFill>
+                <a:latin typeface="標楷體" panose="03000509000000000000" pitchFamily="65" charset="-120"/>
+                <a:ea typeface="標楷體" panose="03000509000000000000" pitchFamily="65" charset="-120"/>
+              </a:endParaRPr>
+            </a:p>
+          </p:txBody>
+        </p:sp>
+        <p:sp>
+          <p:nvSpPr>
+            <p:cNvPr id="36" name="矩形: 圓角 35">
+              <a:extLst>
+                <a:ext uri="{FF2B5EF4-FFF2-40B4-BE49-F238E27FC236}">
+                  <a16:creationId xmlns:a16="http://schemas.microsoft.com/office/drawing/2014/main" id="{D4006BEE-2D83-CB34-488D-FEF3EF29BB37}"/>
+                </a:ext>
+              </a:extLst>
+            </p:cNvPr>
+            <p:cNvSpPr/>
+            <p:nvPr/>
+          </p:nvSpPr>
+          <p:spPr>
+            <a:xfrm>
+              <a:off x="11033785" y="4131063"/>
+              <a:ext cx="612942" cy="194040"/>
+            </a:xfrm>
+            <a:prstGeom prst="roundRect">
+              <a:avLst/>
+            </a:prstGeom>
+            <a:noFill/>
+            <a:ln w="6350">
+              <a:solidFill>
+                <a:schemeClr val="tx1">
+                  <a:lumMod val="50000"/>
+                  <a:lumOff val="50000"/>
+                </a:schemeClr>
+              </a:solidFill>
+            </a:ln>
+          </p:spPr>
+          <p:style>
+            <a:lnRef idx="2">
+              <a:schemeClr val="accent1">
+                <a:shade val="15000"/>
+              </a:schemeClr>
+            </a:lnRef>
+            <a:fillRef idx="1">
+              <a:schemeClr val="accent1"/>
+            </a:fillRef>
+            <a:effectRef idx="0">
+              <a:schemeClr val="accent1"/>
+            </a:effectRef>
+            <a:fontRef idx="minor">
+              <a:schemeClr val="lt1"/>
+            </a:fontRef>
+          </p:style>
+          <p:txBody>
+            <a:bodyPr wrap="none" rtlCol="0" anchor="ctr">
+              <a:noAutofit/>
+            </a:bodyPr>
+            <a:lstStyle/>
+            <a:p>
+              <a:pPr algn="ctr"/>
+              <a:r>
+                <a:rPr lang="zh-TW" altLang="en-US" sz="1100" dirty="0">
+                  <a:solidFill>
+                    <a:schemeClr val="tx1"/>
+                  </a:solidFill>
+                  <a:latin typeface="標楷體" panose="03000509000000000000" pitchFamily="65" charset="-120"/>
+                  <a:ea typeface="標楷體" panose="03000509000000000000" pitchFamily="65" charset="-120"/>
+                </a:rPr>
+                <a:t>網路爬蟲</a:t>
+              </a:r>
+            </a:p>
+          </p:txBody>
+        </p:sp>
+      </p:grpSp>
+      <p:sp>
+        <p:nvSpPr>
+          <p:cNvPr id="37" name="矩形: 圓角 36">
+            <a:extLst>
+              <a:ext uri="{FF2B5EF4-FFF2-40B4-BE49-F238E27FC236}">
+                <a16:creationId xmlns:a16="http://schemas.microsoft.com/office/drawing/2014/main" id="{35F3E641-A14D-B17F-22B5-D96DDB11256B}"/>
+              </a:ext>
+            </a:extLst>
+          </p:cNvPr>
+          <p:cNvSpPr/>
+          <p:nvPr/>
+        </p:nvSpPr>
+        <p:spPr>
+          <a:xfrm>
+            <a:off x="9810272" y="4759891"/>
+            <a:ext cx="628674" cy="194040"/>
+          </a:xfrm>
+          <a:prstGeom prst="roundRect">
+            <a:avLst/>
+          </a:prstGeom>
+          <a:noFill/>
+          <a:ln w="6350">
+            <a:solidFill>
+              <a:schemeClr val="tx1">
+                <a:lumMod val="50000"/>
+                <a:lumOff val="50000"/>
+              </a:schemeClr>
+            </a:solidFill>
+          </a:ln>
+        </p:spPr>
+        <p:style>
+          <a:lnRef idx="2">
+            <a:schemeClr val="accent1">
+              <a:shade val="15000"/>
+            </a:schemeClr>
+          </a:lnRef>
+          <a:fillRef idx="1">
+            <a:schemeClr val="accent1"/>
+          </a:fillRef>
+          <a:effectRef idx="0">
+            <a:schemeClr val="accent1"/>
+          </a:effectRef>
+          <a:fontRef idx="minor">
+            <a:schemeClr val="lt1"/>
+          </a:fontRef>
+        </p:style>
+        <p:txBody>
+          <a:bodyPr wrap="none" rtlCol="0" anchor="ctr">
+            <a:noAutofit/>
+          </a:bodyPr>
+          <a:lstStyle/>
+          <a:p>
+            <a:pPr algn="ctr"/>
+            <a:r>
+              <a:rPr lang="zh-TW" altLang="en-US" sz="1100" dirty="0">
+                <a:solidFill>
+                  <a:schemeClr val="tx1"/>
+                </a:solidFill>
+                <a:latin typeface="標楷體" panose="03000509000000000000" pitchFamily="65" charset="-120"/>
+                <a:ea typeface="標楷體" panose="03000509000000000000" pitchFamily="65" charset="-120"/>
+              </a:rPr>
+              <a:t>文本生成</a:t>
+            </a:r>
+          </a:p>
+        </p:txBody>
+      </p:sp>
+      <p:grpSp>
+        <p:nvGrpSpPr>
+          <p:cNvPr id="51" name="群組 50">
+            <a:extLst>
+              <a:ext uri="{FF2B5EF4-FFF2-40B4-BE49-F238E27FC236}">
+                <a16:creationId xmlns:a16="http://schemas.microsoft.com/office/drawing/2014/main" id="{71D23FC0-2367-5C49-2B2E-D7664803D94A}"/>
+              </a:ext>
+            </a:extLst>
+          </p:cNvPr>
+          <p:cNvGrpSpPr/>
+          <p:nvPr/>
+        </p:nvGrpSpPr>
+        <p:grpSpPr>
+          <a:xfrm>
+            <a:off x="9462948" y="5574074"/>
+            <a:ext cx="2177668" cy="194040"/>
+            <a:chOff x="8383305" y="6418993"/>
+            <a:chExt cx="2177668" cy="194040"/>
+          </a:xfrm>
+        </p:grpSpPr>
+        <p:sp>
+          <p:nvSpPr>
+            <p:cNvPr id="38" name="矩形: 圓角 37">
+              <a:extLst>
+                <a:ext uri="{FF2B5EF4-FFF2-40B4-BE49-F238E27FC236}">
+                  <a16:creationId xmlns:a16="http://schemas.microsoft.com/office/drawing/2014/main" id="{CD2FE346-3CA9-234D-8027-F57F89A038F3}"/>
+                </a:ext>
+              </a:extLst>
+            </p:cNvPr>
+            <p:cNvSpPr/>
+            <p:nvPr/>
+          </p:nvSpPr>
+          <p:spPr>
+            <a:xfrm>
+              <a:off x="8383305" y="6418993"/>
+              <a:ext cx="405209" cy="194040"/>
+            </a:xfrm>
+            <a:prstGeom prst="roundRect">
+              <a:avLst/>
+            </a:prstGeom>
+            <a:noFill/>
+            <a:ln w="6350">
+              <a:solidFill>
+                <a:schemeClr val="tx1">
+                  <a:lumMod val="50000"/>
+                  <a:lumOff val="50000"/>
+                </a:schemeClr>
+              </a:solidFill>
+            </a:ln>
+          </p:spPr>
+          <p:style>
+            <a:lnRef idx="2">
+              <a:schemeClr val="accent1">
+                <a:shade val="15000"/>
+              </a:schemeClr>
+            </a:lnRef>
+            <a:fillRef idx="1">
+              <a:schemeClr val="accent1"/>
+            </a:fillRef>
+            <a:effectRef idx="0">
+              <a:schemeClr val="accent1"/>
+            </a:effectRef>
+            <a:fontRef idx="minor">
+              <a:schemeClr val="lt1"/>
+            </a:fontRef>
+          </p:style>
+          <p:txBody>
+            <a:bodyPr wrap="none" rtlCol="0" anchor="ctr">
+              <a:noAutofit/>
+            </a:bodyPr>
+            <a:lstStyle/>
+            <a:p>
+              <a:pPr algn="ctr"/>
+              <a:r>
+                <a:rPr lang="en-US" altLang="zh-TW" sz="1100" dirty="0">
+                  <a:solidFill>
+                    <a:schemeClr val="tx1"/>
+                  </a:solidFill>
+                  <a:latin typeface="標楷體" panose="03000509000000000000" pitchFamily="65" charset="-120"/>
+                  <a:ea typeface="標楷體" panose="03000509000000000000" pitchFamily="65" charset="-120"/>
+                </a:rPr>
+                <a:t>Mail</a:t>
+              </a:r>
+              <a:endParaRPr lang="zh-TW" altLang="en-US" sz="1100" dirty="0">
+                <a:solidFill>
+                  <a:schemeClr val="tx1"/>
+                </a:solidFill>
+                <a:latin typeface="標楷體" panose="03000509000000000000" pitchFamily="65" charset="-120"/>
+                <a:ea typeface="標楷體" panose="03000509000000000000" pitchFamily="65" charset="-120"/>
+              </a:endParaRPr>
+            </a:p>
+          </p:txBody>
+        </p:sp>
+        <p:sp>
+          <p:nvSpPr>
+            <p:cNvPr id="40" name="矩形: 圓角 39">
+              <a:extLst>
+                <a:ext uri="{FF2B5EF4-FFF2-40B4-BE49-F238E27FC236}">
+                  <a16:creationId xmlns:a16="http://schemas.microsoft.com/office/drawing/2014/main" id="{3425FD06-133E-BAAD-E3E1-B1C886A7E4A7}"/>
+                </a:ext>
+              </a:extLst>
+            </p:cNvPr>
+            <p:cNvSpPr/>
+            <p:nvPr/>
+          </p:nvSpPr>
+          <p:spPr>
+            <a:xfrm>
+              <a:off x="8870903" y="6418993"/>
+              <a:ext cx="494640" cy="194040"/>
+            </a:xfrm>
+            <a:prstGeom prst="roundRect">
+              <a:avLst/>
+            </a:prstGeom>
+            <a:noFill/>
+            <a:ln w="6350">
+              <a:solidFill>
+                <a:schemeClr val="tx1">
+                  <a:lumMod val="50000"/>
+                  <a:lumOff val="50000"/>
+                </a:schemeClr>
+              </a:solidFill>
+            </a:ln>
+          </p:spPr>
+          <p:style>
+            <a:lnRef idx="2">
+              <a:schemeClr val="accent1">
+                <a:shade val="15000"/>
+              </a:schemeClr>
+            </a:lnRef>
+            <a:fillRef idx="1">
+              <a:schemeClr val="accent1"/>
+            </a:fillRef>
+            <a:effectRef idx="0">
+              <a:schemeClr val="accent1"/>
+            </a:effectRef>
+            <a:fontRef idx="minor">
+              <a:schemeClr val="lt1"/>
+            </a:fontRef>
+          </p:style>
+          <p:txBody>
+            <a:bodyPr wrap="none" rtlCol="0" anchor="ctr">
+              <a:noAutofit/>
+            </a:bodyPr>
+            <a:lstStyle/>
+            <a:p>
+              <a:pPr algn="ctr"/>
+              <a:r>
+                <a:rPr lang="en-US" altLang="zh-TW" sz="1100" dirty="0">
+                  <a:solidFill>
+                    <a:schemeClr val="tx1"/>
+                  </a:solidFill>
+                  <a:latin typeface="標楷體" panose="03000509000000000000" pitchFamily="65" charset="-120"/>
+                  <a:ea typeface="標楷體" panose="03000509000000000000" pitchFamily="65" charset="-120"/>
+                </a:rPr>
+                <a:t>Teams</a:t>
+              </a:r>
+              <a:endParaRPr lang="zh-TW" altLang="en-US" sz="1100" dirty="0">
+                <a:solidFill>
+                  <a:schemeClr val="tx1"/>
+                </a:solidFill>
+                <a:latin typeface="標楷體" panose="03000509000000000000" pitchFamily="65" charset="-120"/>
+                <a:ea typeface="標楷體" panose="03000509000000000000" pitchFamily="65" charset="-120"/>
+              </a:endParaRPr>
+            </a:p>
+          </p:txBody>
+        </p:sp>
+        <p:sp>
+          <p:nvSpPr>
+            <p:cNvPr id="42" name="矩形: 圓角 41">
+              <a:extLst>
+                <a:ext uri="{FF2B5EF4-FFF2-40B4-BE49-F238E27FC236}">
+                  <a16:creationId xmlns:a16="http://schemas.microsoft.com/office/drawing/2014/main" id="{4A52EEA2-C8A7-D901-1BF2-F58C770B09E8}"/>
+                </a:ext>
+              </a:extLst>
+            </p:cNvPr>
+            <p:cNvSpPr/>
+            <p:nvPr/>
+          </p:nvSpPr>
+          <p:spPr>
+            <a:xfrm>
+              <a:off x="9447932" y="6418993"/>
+              <a:ext cx="376902" cy="194040"/>
+            </a:xfrm>
+            <a:prstGeom prst="roundRect">
+              <a:avLst/>
+            </a:prstGeom>
+            <a:noFill/>
+            <a:ln w="6350">
+              <a:solidFill>
+                <a:schemeClr val="tx1">
+                  <a:lumMod val="50000"/>
+                  <a:lumOff val="50000"/>
+                </a:schemeClr>
+              </a:solidFill>
+            </a:ln>
+          </p:spPr>
+          <p:style>
+            <a:lnRef idx="2">
+              <a:schemeClr val="accent1">
+                <a:shade val="15000"/>
+              </a:schemeClr>
+            </a:lnRef>
+            <a:fillRef idx="1">
+              <a:schemeClr val="accent1"/>
+            </a:fillRef>
+            <a:effectRef idx="0">
+              <a:schemeClr val="accent1"/>
+            </a:effectRef>
+            <a:fontRef idx="minor">
+              <a:schemeClr val="lt1"/>
+            </a:fontRef>
+          </p:style>
+          <p:txBody>
+            <a:bodyPr wrap="none" rtlCol="0" anchor="ctr">
+              <a:noAutofit/>
+            </a:bodyPr>
+            <a:lstStyle/>
+            <a:p>
+              <a:pPr algn="ctr"/>
+              <a:r>
+                <a:rPr lang="en-US" altLang="zh-TW" sz="1100" dirty="0">
+                  <a:solidFill>
+                    <a:schemeClr val="tx1"/>
+                  </a:solidFill>
+                  <a:latin typeface="標楷體" panose="03000509000000000000" pitchFamily="65" charset="-120"/>
+                  <a:ea typeface="標楷體" panose="03000509000000000000" pitchFamily="65" charset="-120"/>
+                </a:rPr>
+                <a:t>Line</a:t>
+              </a:r>
+              <a:endParaRPr lang="zh-TW" altLang="en-US" sz="1100" dirty="0">
+                <a:solidFill>
+                  <a:schemeClr val="tx1"/>
+                </a:solidFill>
+                <a:latin typeface="標楷體" panose="03000509000000000000" pitchFamily="65" charset="-120"/>
+                <a:ea typeface="標楷體" panose="03000509000000000000" pitchFamily="65" charset="-120"/>
+              </a:endParaRPr>
+            </a:p>
+          </p:txBody>
+        </p:sp>
+        <p:sp>
+          <p:nvSpPr>
+            <p:cNvPr id="43" name="矩形: 圓角 42">
+              <a:extLst>
+                <a:ext uri="{FF2B5EF4-FFF2-40B4-BE49-F238E27FC236}">
+                  <a16:creationId xmlns:a16="http://schemas.microsoft.com/office/drawing/2014/main" id="{F3F63792-7483-FE8F-9E3F-D646461C8AB7}"/>
+                </a:ext>
+              </a:extLst>
+            </p:cNvPr>
+            <p:cNvSpPr/>
+            <p:nvPr/>
+          </p:nvSpPr>
+          <p:spPr>
+            <a:xfrm>
+              <a:off x="9907223" y="6418993"/>
+              <a:ext cx="653750" cy="194040"/>
+            </a:xfrm>
+            <a:prstGeom prst="roundRect">
+              <a:avLst/>
+            </a:prstGeom>
+            <a:noFill/>
+            <a:ln w="6350">
+              <a:solidFill>
+                <a:schemeClr val="tx1">
+                  <a:lumMod val="50000"/>
+                  <a:lumOff val="50000"/>
+                </a:schemeClr>
+              </a:solidFill>
+            </a:ln>
+          </p:spPr>
+          <p:style>
+            <a:lnRef idx="2">
+              <a:schemeClr val="accent1">
+                <a:shade val="15000"/>
+              </a:schemeClr>
+            </a:lnRef>
+            <a:fillRef idx="1">
+              <a:schemeClr val="accent1"/>
+            </a:fillRef>
+            <a:effectRef idx="0">
+              <a:schemeClr val="accent1"/>
+            </a:effectRef>
+            <a:fontRef idx="minor">
+              <a:schemeClr val="lt1"/>
+            </a:fontRef>
+          </p:style>
+          <p:txBody>
+            <a:bodyPr wrap="none" rtlCol="0" anchor="ctr">
+              <a:noAutofit/>
+            </a:bodyPr>
+            <a:lstStyle/>
+            <a:p>
+              <a:pPr algn="ctr"/>
+              <a:r>
+                <a:rPr lang="en-US" altLang="zh-TW" sz="1100" dirty="0">
+                  <a:solidFill>
+                    <a:schemeClr val="tx1"/>
+                  </a:solidFill>
+                  <a:latin typeface="標楷體" panose="03000509000000000000" pitchFamily="65" charset="-120"/>
+                  <a:ea typeface="標楷體" panose="03000509000000000000" pitchFamily="65" charset="-120"/>
+                </a:rPr>
+                <a:t>Telegram</a:t>
+              </a:r>
+              <a:endParaRPr lang="zh-TW" altLang="en-US" sz="1100" dirty="0">
+                <a:solidFill>
+                  <a:schemeClr val="tx1"/>
+                </a:solidFill>
+                <a:latin typeface="標楷體" panose="03000509000000000000" pitchFamily="65" charset="-120"/>
+                <a:ea typeface="標楷體" panose="03000509000000000000" pitchFamily="65" charset="-120"/>
+              </a:endParaRPr>
+            </a:p>
+          </p:txBody>
+        </p:sp>
+      </p:grpSp>
+      <p:sp>
+        <p:nvSpPr>
+          <p:cNvPr id="16" name="文字方塊 15">
+            <a:extLst>
+              <a:ext uri="{FF2B5EF4-FFF2-40B4-BE49-F238E27FC236}">
+                <a16:creationId xmlns:a16="http://schemas.microsoft.com/office/drawing/2014/main" id="{44912CB8-C54E-90ED-7B1D-16760E297DE0}"/>
+              </a:ext>
+            </a:extLst>
+          </p:cNvPr>
+          <p:cNvSpPr txBox="1"/>
+          <p:nvPr/>
+        </p:nvSpPr>
+        <p:spPr>
+          <a:xfrm>
+            <a:off x="6227159" y="4827229"/>
+            <a:ext cx="1303883" cy="461665"/>
+          </a:xfrm>
+          <a:prstGeom prst="rect">
+            <a:avLst/>
+          </a:prstGeom>
+          <a:noFill/>
+        </p:spPr>
+        <p:txBody>
+          <a:bodyPr wrap="none" rtlCol="0">
+            <a:spAutoFit/>
+          </a:bodyPr>
+          <a:lstStyle/>
+          <a:p>
+            <a:pPr algn="ctr"/>
+            <a:r>
+              <a:rPr lang="en-US" altLang="zh-TW" sz="1200" b="1" dirty="0">
+                <a:latin typeface="標楷體" panose="03000509000000000000" pitchFamily="65" charset="-120"/>
+                <a:ea typeface="標楷體" panose="03000509000000000000" pitchFamily="65" charset="-120"/>
+              </a:rPr>
+              <a:t>AI</a:t>
+            </a:r>
+            <a:r>
+              <a:rPr lang="zh-TW" altLang="en-US" sz="1200" b="1" dirty="0">
+                <a:latin typeface="標楷體" panose="03000509000000000000" pitchFamily="65" charset="-120"/>
+                <a:ea typeface="標楷體" panose="03000509000000000000" pitchFamily="65" charset="-120"/>
+              </a:rPr>
+              <a:t> </a:t>
+            </a:r>
+            <a:r>
+              <a:rPr lang="en-US" altLang="zh-TW" sz="1200" b="1" dirty="0">
+                <a:latin typeface="標楷體" panose="03000509000000000000" pitchFamily="65" charset="-120"/>
+                <a:ea typeface="標楷體" panose="03000509000000000000" pitchFamily="65" charset="-120"/>
+              </a:rPr>
+              <a:t>Agent</a:t>
+            </a:r>
+          </a:p>
+          <a:p>
+            <a:pPr algn="ctr"/>
+            <a:r>
+              <a:rPr lang="en-US" altLang="zh-TW" sz="1200" b="1" dirty="0">
+                <a:latin typeface="標楷體" panose="03000509000000000000" pitchFamily="65" charset="-120"/>
+                <a:ea typeface="標楷體" panose="03000509000000000000" pitchFamily="65" charset="-120"/>
+              </a:rPr>
+              <a:t>(Master Agent)</a:t>
+            </a:r>
+            <a:endParaRPr lang="zh-TW" altLang="en-US" sz="1200" b="1" dirty="0">
+              <a:latin typeface="標楷體" panose="03000509000000000000" pitchFamily="65" charset="-120"/>
+              <a:ea typeface="標楷體" panose="03000509000000000000" pitchFamily="65" charset="-120"/>
+            </a:endParaRPr>
+          </a:p>
+        </p:txBody>
+      </p:sp>
+      <p:sp>
+        <p:nvSpPr>
+          <p:cNvPr id="46" name="文字方塊 45">
+            <a:extLst>
+              <a:ext uri="{FF2B5EF4-FFF2-40B4-BE49-F238E27FC236}">
+                <a16:creationId xmlns:a16="http://schemas.microsoft.com/office/drawing/2014/main" id="{06754FAE-4BB4-8AE0-5EE3-DD7BEA77A299}"/>
+              </a:ext>
+            </a:extLst>
+          </p:cNvPr>
+          <p:cNvSpPr txBox="1"/>
+          <p:nvPr/>
+        </p:nvSpPr>
+        <p:spPr>
+          <a:xfrm>
+            <a:off x="6135619" y="1700808"/>
+            <a:ext cx="5210745" cy="461665"/>
+          </a:xfrm>
+          <a:prstGeom prst="rect">
+            <a:avLst/>
+          </a:prstGeom>
+          <a:noFill/>
+        </p:spPr>
+        <p:txBody>
+          <a:bodyPr wrap="square" rtlCol="0">
+            <a:spAutoFit/>
+          </a:bodyPr>
+          <a:lstStyle/>
+          <a:p>
+            <a:pPr marL="342900" indent="-342900">
+              <a:buAutoNum type="arabicPeriod"/>
+            </a:pPr>
+            <a:r>
+              <a:rPr lang="zh-TW" altLang="en-US" sz="1200" b="1" dirty="0">
+                <a:solidFill>
+                  <a:schemeClr val="tx1"/>
+                </a:solidFill>
+                <a:latin typeface="標楷體" panose="03000509000000000000" pitchFamily="65" charset="-120"/>
+                <a:ea typeface="標楷體" panose="03000509000000000000" pitchFamily="65" charset="-120"/>
+              </a:rPr>
+              <a:t>相同功能的</a:t>
+            </a:r>
+            <a:r>
+              <a:rPr lang="en-US" altLang="zh-TW" sz="1200" b="1" dirty="0">
+                <a:solidFill>
+                  <a:schemeClr val="tx1"/>
+                </a:solidFill>
+                <a:latin typeface="標楷體" panose="03000509000000000000" pitchFamily="65" charset="-120"/>
+                <a:ea typeface="標楷體" panose="03000509000000000000" pitchFamily="65" charset="-120"/>
+              </a:rPr>
+              <a:t>Agent</a:t>
+            </a:r>
+            <a:r>
+              <a:rPr lang="zh-TW" altLang="en-US" sz="1200" b="1" dirty="0">
+                <a:solidFill>
+                  <a:schemeClr val="tx1"/>
+                </a:solidFill>
+                <a:latin typeface="標楷體" panose="03000509000000000000" pitchFamily="65" charset="-120"/>
+                <a:ea typeface="標楷體" panose="03000509000000000000" pitchFamily="65" charset="-120"/>
+              </a:rPr>
+              <a:t>不需重複開發</a:t>
+            </a:r>
+            <a:endParaRPr lang="en-US" altLang="zh-TW" sz="1200" b="1" dirty="0">
+              <a:solidFill>
+                <a:schemeClr val="tx1"/>
+              </a:solidFill>
+              <a:latin typeface="標楷體" panose="03000509000000000000" pitchFamily="65" charset="-120"/>
+              <a:ea typeface="標楷體" panose="03000509000000000000" pitchFamily="65" charset="-120"/>
+            </a:endParaRPr>
+          </a:p>
+          <a:p>
+            <a:pPr marL="342900" indent="-342900">
+              <a:buAutoNum type="arabicPeriod"/>
+            </a:pPr>
+            <a:r>
+              <a:rPr lang="zh-TW" altLang="en-US" sz="1200" b="1" dirty="0">
+                <a:solidFill>
+                  <a:schemeClr val="tx1"/>
+                </a:solidFill>
+                <a:latin typeface="標楷體" panose="03000509000000000000" pitchFamily="65" charset="-120"/>
+                <a:ea typeface="標楷體" panose="03000509000000000000" pitchFamily="65" charset="-120"/>
+              </a:rPr>
+              <a:t>處理複雜指令，但尚未有相應的</a:t>
+            </a:r>
+            <a:r>
+              <a:rPr lang="en-US" altLang="zh-TW" sz="1200" b="1" dirty="0">
+                <a:solidFill>
+                  <a:schemeClr val="tx1"/>
+                </a:solidFill>
+                <a:latin typeface="標楷體" panose="03000509000000000000" pitchFamily="65" charset="-120"/>
+                <a:ea typeface="標楷體" panose="03000509000000000000" pitchFamily="65" charset="-120"/>
+              </a:rPr>
+              <a:t>Agent</a:t>
+            </a:r>
+            <a:r>
+              <a:rPr lang="zh-TW" altLang="en-US" sz="1200" b="1" dirty="0">
+                <a:solidFill>
+                  <a:schemeClr val="tx1"/>
+                </a:solidFill>
+                <a:latin typeface="標楷體" panose="03000509000000000000" pitchFamily="65" charset="-120"/>
+                <a:ea typeface="標楷體" panose="03000509000000000000" pitchFamily="65" charset="-120"/>
+              </a:rPr>
+              <a:t>，</a:t>
+            </a:r>
+            <a:r>
+              <a:rPr lang="en-US" altLang="zh-TW" sz="1200" b="1" dirty="0">
+                <a:solidFill>
+                  <a:schemeClr val="tx1"/>
+                </a:solidFill>
+                <a:latin typeface="標楷體" panose="03000509000000000000" pitchFamily="65" charset="-120"/>
+                <a:ea typeface="標楷體" panose="03000509000000000000" pitchFamily="65" charset="-120"/>
+              </a:rPr>
+              <a:t>Agent</a:t>
+            </a:r>
+            <a:r>
+              <a:rPr lang="zh-TW" altLang="en-US" sz="1200" b="1" dirty="0">
+                <a:solidFill>
+                  <a:schemeClr val="tx1"/>
+                </a:solidFill>
+                <a:latin typeface="標楷體" panose="03000509000000000000" pitchFamily="65" charset="-120"/>
+                <a:ea typeface="標楷體" panose="03000509000000000000" pitchFamily="65" charset="-120"/>
+              </a:rPr>
+              <a:t>可自由擴充</a:t>
+            </a:r>
+          </a:p>
+        </p:txBody>
+      </p:sp>
+      <p:grpSp>
+        <p:nvGrpSpPr>
+          <p:cNvPr id="50" name="群組 49">
+            <a:extLst>
+              <a:ext uri="{FF2B5EF4-FFF2-40B4-BE49-F238E27FC236}">
+                <a16:creationId xmlns:a16="http://schemas.microsoft.com/office/drawing/2014/main" id="{BEEA8A28-A11E-42C6-B900-CB509C448C0E}"/>
+              </a:ext>
+            </a:extLst>
+          </p:cNvPr>
+          <p:cNvGrpSpPr/>
+          <p:nvPr/>
+        </p:nvGrpSpPr>
+        <p:grpSpPr>
+          <a:xfrm>
+            <a:off x="4807015" y="3153314"/>
+            <a:ext cx="1657654" cy="930885"/>
+            <a:chOff x="4807015" y="3413609"/>
+            <a:chExt cx="1657654" cy="930885"/>
+          </a:xfrm>
+        </p:grpSpPr>
+        <p:sp>
+          <p:nvSpPr>
+            <p:cNvPr id="47" name="語音泡泡: 圓角矩形 46">
+              <a:extLst>
+                <a:ext uri="{FF2B5EF4-FFF2-40B4-BE49-F238E27FC236}">
+                  <a16:creationId xmlns:a16="http://schemas.microsoft.com/office/drawing/2014/main" id="{33A296C1-F0C7-25AB-A290-FAEB57524826}"/>
+                </a:ext>
+              </a:extLst>
+            </p:cNvPr>
+            <p:cNvSpPr/>
+            <p:nvPr/>
+          </p:nvSpPr>
+          <p:spPr bwMode="auto">
+            <a:xfrm>
+              <a:off x="4821025" y="3413609"/>
+              <a:ext cx="1629635" cy="930885"/>
+            </a:xfrm>
+            <a:custGeom>
+              <a:avLst/>
+              <a:gdLst>
+                <a:gd name="connsiteX0" fmla="*/ 0 w 1845659"/>
+                <a:gd name="connsiteY0" fmla="*/ 126003 h 756000"/>
+                <a:gd name="connsiteX1" fmla="*/ 126003 w 1845659"/>
+                <a:gd name="connsiteY1" fmla="*/ 0 h 756000"/>
+                <a:gd name="connsiteX2" fmla="*/ 307610 w 1845659"/>
+                <a:gd name="connsiteY2" fmla="*/ 0 h 756000"/>
+                <a:gd name="connsiteX3" fmla="*/ 307610 w 1845659"/>
+                <a:gd name="connsiteY3" fmla="*/ 0 h 756000"/>
+                <a:gd name="connsiteX4" fmla="*/ 769025 w 1845659"/>
+                <a:gd name="connsiteY4" fmla="*/ 0 h 756000"/>
+                <a:gd name="connsiteX5" fmla="*/ 1719656 w 1845659"/>
+                <a:gd name="connsiteY5" fmla="*/ 0 h 756000"/>
+                <a:gd name="connsiteX6" fmla="*/ 1845659 w 1845659"/>
+                <a:gd name="connsiteY6" fmla="*/ 126003 h 756000"/>
+                <a:gd name="connsiteX7" fmla="*/ 1845659 w 1845659"/>
+                <a:gd name="connsiteY7" fmla="*/ 441000 h 756000"/>
+                <a:gd name="connsiteX8" fmla="*/ 1845659 w 1845659"/>
+                <a:gd name="connsiteY8" fmla="*/ 441000 h 756000"/>
+                <a:gd name="connsiteX9" fmla="*/ 1845659 w 1845659"/>
+                <a:gd name="connsiteY9" fmla="*/ 630000 h 756000"/>
+                <a:gd name="connsiteX10" fmla="*/ 1845659 w 1845659"/>
+                <a:gd name="connsiteY10" fmla="*/ 629997 h 756000"/>
+                <a:gd name="connsiteX11" fmla="*/ 1719656 w 1845659"/>
+                <a:gd name="connsiteY11" fmla="*/ 756000 h 756000"/>
+                <a:gd name="connsiteX12" fmla="*/ 769025 w 1845659"/>
+                <a:gd name="connsiteY12" fmla="*/ 756000 h 756000"/>
+                <a:gd name="connsiteX13" fmla="*/ 588562 w 1845659"/>
+                <a:gd name="connsiteY13" fmla="*/ 930885 h 756000"/>
+                <a:gd name="connsiteX14" fmla="*/ 307610 w 1845659"/>
+                <a:gd name="connsiteY14" fmla="*/ 756000 h 756000"/>
+                <a:gd name="connsiteX15" fmla="*/ 126003 w 1845659"/>
+                <a:gd name="connsiteY15" fmla="*/ 756000 h 756000"/>
+                <a:gd name="connsiteX16" fmla="*/ 0 w 1845659"/>
+                <a:gd name="connsiteY16" fmla="*/ 629997 h 756000"/>
+                <a:gd name="connsiteX17" fmla="*/ 0 w 1845659"/>
+                <a:gd name="connsiteY17" fmla="*/ 630000 h 756000"/>
+                <a:gd name="connsiteX18" fmla="*/ 0 w 1845659"/>
+                <a:gd name="connsiteY18" fmla="*/ 441000 h 756000"/>
+                <a:gd name="connsiteX19" fmla="*/ 0 w 1845659"/>
+                <a:gd name="connsiteY19" fmla="*/ 441000 h 756000"/>
+                <a:gd name="connsiteX20" fmla="*/ 0 w 1845659"/>
+                <a:gd name="connsiteY20" fmla="*/ 126003 h 756000"/>
+                <a:gd name="connsiteX0" fmla="*/ 0 w 1845659"/>
+                <a:gd name="connsiteY0" fmla="*/ 126003 h 930885"/>
+                <a:gd name="connsiteX1" fmla="*/ 126003 w 1845659"/>
+                <a:gd name="connsiteY1" fmla="*/ 0 h 930885"/>
+                <a:gd name="connsiteX2" fmla="*/ 307610 w 1845659"/>
+                <a:gd name="connsiteY2" fmla="*/ 0 h 930885"/>
+                <a:gd name="connsiteX3" fmla="*/ 307610 w 1845659"/>
+                <a:gd name="connsiteY3" fmla="*/ 0 h 930885"/>
+                <a:gd name="connsiteX4" fmla="*/ 769025 w 1845659"/>
+                <a:gd name="connsiteY4" fmla="*/ 0 h 930885"/>
+                <a:gd name="connsiteX5" fmla="*/ 1719656 w 1845659"/>
+                <a:gd name="connsiteY5" fmla="*/ 0 h 930885"/>
+                <a:gd name="connsiteX6" fmla="*/ 1845659 w 1845659"/>
+                <a:gd name="connsiteY6" fmla="*/ 126003 h 930885"/>
+                <a:gd name="connsiteX7" fmla="*/ 1845659 w 1845659"/>
+                <a:gd name="connsiteY7" fmla="*/ 441000 h 930885"/>
+                <a:gd name="connsiteX8" fmla="*/ 1845659 w 1845659"/>
+                <a:gd name="connsiteY8" fmla="*/ 441000 h 930885"/>
+                <a:gd name="connsiteX9" fmla="*/ 1845659 w 1845659"/>
+                <a:gd name="connsiteY9" fmla="*/ 630000 h 930885"/>
+                <a:gd name="connsiteX10" fmla="*/ 1845659 w 1845659"/>
+                <a:gd name="connsiteY10" fmla="*/ 629997 h 930885"/>
+                <a:gd name="connsiteX11" fmla="*/ 1719656 w 1845659"/>
+                <a:gd name="connsiteY11" fmla="*/ 756000 h 930885"/>
+                <a:gd name="connsiteX12" fmla="*/ 769025 w 1845659"/>
+                <a:gd name="connsiteY12" fmla="*/ 756000 h 930885"/>
+                <a:gd name="connsiteX13" fmla="*/ 588562 w 1845659"/>
+                <a:gd name="connsiteY13" fmla="*/ 930885 h 930885"/>
+                <a:gd name="connsiteX14" fmla="*/ 408094 w 1845659"/>
+                <a:gd name="connsiteY14" fmla="*/ 745952 h 930885"/>
+                <a:gd name="connsiteX15" fmla="*/ 126003 w 1845659"/>
+                <a:gd name="connsiteY15" fmla="*/ 756000 h 930885"/>
+                <a:gd name="connsiteX16" fmla="*/ 0 w 1845659"/>
+                <a:gd name="connsiteY16" fmla="*/ 629997 h 930885"/>
+                <a:gd name="connsiteX17" fmla="*/ 0 w 1845659"/>
+                <a:gd name="connsiteY17" fmla="*/ 630000 h 930885"/>
+                <a:gd name="connsiteX18" fmla="*/ 0 w 1845659"/>
+                <a:gd name="connsiteY18" fmla="*/ 441000 h 930885"/>
+                <a:gd name="connsiteX19" fmla="*/ 0 w 1845659"/>
+                <a:gd name="connsiteY19" fmla="*/ 441000 h 930885"/>
+                <a:gd name="connsiteX20" fmla="*/ 0 w 1845659"/>
+                <a:gd name="connsiteY20" fmla="*/ 126003 h 930885"/>
+                <a:gd name="connsiteX0" fmla="*/ 0 w 1845659"/>
+                <a:gd name="connsiteY0" fmla="*/ 126003 h 930885"/>
+                <a:gd name="connsiteX1" fmla="*/ 126003 w 1845659"/>
+                <a:gd name="connsiteY1" fmla="*/ 0 h 930885"/>
+                <a:gd name="connsiteX2" fmla="*/ 307610 w 1845659"/>
+                <a:gd name="connsiteY2" fmla="*/ 0 h 930885"/>
+                <a:gd name="connsiteX3" fmla="*/ 307610 w 1845659"/>
+                <a:gd name="connsiteY3" fmla="*/ 0 h 930885"/>
+                <a:gd name="connsiteX4" fmla="*/ 769025 w 1845659"/>
+                <a:gd name="connsiteY4" fmla="*/ 0 h 930885"/>
+                <a:gd name="connsiteX5" fmla="*/ 1719656 w 1845659"/>
+                <a:gd name="connsiteY5" fmla="*/ 0 h 930885"/>
+                <a:gd name="connsiteX6" fmla="*/ 1845659 w 1845659"/>
+                <a:gd name="connsiteY6" fmla="*/ 126003 h 930885"/>
+                <a:gd name="connsiteX7" fmla="*/ 1845659 w 1845659"/>
+                <a:gd name="connsiteY7" fmla="*/ 441000 h 930885"/>
+                <a:gd name="connsiteX8" fmla="*/ 1845659 w 1845659"/>
+                <a:gd name="connsiteY8" fmla="*/ 441000 h 930885"/>
+                <a:gd name="connsiteX9" fmla="*/ 1845659 w 1845659"/>
+                <a:gd name="connsiteY9" fmla="*/ 630000 h 930885"/>
+                <a:gd name="connsiteX10" fmla="*/ 1845659 w 1845659"/>
+                <a:gd name="connsiteY10" fmla="*/ 629997 h 930885"/>
+                <a:gd name="connsiteX11" fmla="*/ 1719656 w 1845659"/>
+                <a:gd name="connsiteY11" fmla="*/ 756000 h 930885"/>
+                <a:gd name="connsiteX12" fmla="*/ 618300 w 1845659"/>
+                <a:gd name="connsiteY12" fmla="*/ 766049 h 930885"/>
+                <a:gd name="connsiteX13" fmla="*/ 588562 w 1845659"/>
+                <a:gd name="connsiteY13" fmla="*/ 930885 h 930885"/>
+                <a:gd name="connsiteX14" fmla="*/ 408094 w 1845659"/>
+                <a:gd name="connsiteY14" fmla="*/ 745952 h 930885"/>
+                <a:gd name="connsiteX15" fmla="*/ 126003 w 1845659"/>
+                <a:gd name="connsiteY15" fmla="*/ 756000 h 930885"/>
+                <a:gd name="connsiteX16" fmla="*/ 0 w 1845659"/>
+                <a:gd name="connsiteY16" fmla="*/ 629997 h 930885"/>
+                <a:gd name="connsiteX17" fmla="*/ 0 w 1845659"/>
+                <a:gd name="connsiteY17" fmla="*/ 630000 h 930885"/>
+                <a:gd name="connsiteX18" fmla="*/ 0 w 1845659"/>
+                <a:gd name="connsiteY18" fmla="*/ 441000 h 930885"/>
+                <a:gd name="connsiteX19" fmla="*/ 0 w 1845659"/>
+                <a:gd name="connsiteY19" fmla="*/ 441000 h 930885"/>
+                <a:gd name="connsiteX20" fmla="*/ 0 w 1845659"/>
+                <a:gd name="connsiteY20" fmla="*/ 126003 h 930885"/>
+                <a:gd name="connsiteX0" fmla="*/ 0 w 1845659"/>
+                <a:gd name="connsiteY0" fmla="*/ 126003 h 930885"/>
+                <a:gd name="connsiteX1" fmla="*/ 126003 w 1845659"/>
+                <a:gd name="connsiteY1" fmla="*/ 0 h 930885"/>
+                <a:gd name="connsiteX2" fmla="*/ 307610 w 1845659"/>
+                <a:gd name="connsiteY2" fmla="*/ 0 h 930885"/>
+                <a:gd name="connsiteX3" fmla="*/ 307610 w 1845659"/>
+                <a:gd name="connsiteY3" fmla="*/ 0 h 930885"/>
+                <a:gd name="connsiteX4" fmla="*/ 769025 w 1845659"/>
+                <a:gd name="connsiteY4" fmla="*/ 0 h 930885"/>
+                <a:gd name="connsiteX5" fmla="*/ 1719656 w 1845659"/>
+                <a:gd name="connsiteY5" fmla="*/ 0 h 930885"/>
+                <a:gd name="connsiteX6" fmla="*/ 1845659 w 1845659"/>
+                <a:gd name="connsiteY6" fmla="*/ 126003 h 930885"/>
+                <a:gd name="connsiteX7" fmla="*/ 1845659 w 1845659"/>
+                <a:gd name="connsiteY7" fmla="*/ 441000 h 930885"/>
+                <a:gd name="connsiteX8" fmla="*/ 1845659 w 1845659"/>
+                <a:gd name="connsiteY8" fmla="*/ 441000 h 930885"/>
+                <a:gd name="connsiteX9" fmla="*/ 1845659 w 1845659"/>
+                <a:gd name="connsiteY9" fmla="*/ 630000 h 930885"/>
+                <a:gd name="connsiteX10" fmla="*/ 1845659 w 1845659"/>
+                <a:gd name="connsiteY10" fmla="*/ 629997 h 930885"/>
+                <a:gd name="connsiteX11" fmla="*/ 1719656 w 1845659"/>
+                <a:gd name="connsiteY11" fmla="*/ 756000 h 930885"/>
+                <a:gd name="connsiteX12" fmla="*/ 618300 w 1845659"/>
+                <a:gd name="connsiteY12" fmla="*/ 766049 h 930885"/>
+                <a:gd name="connsiteX13" fmla="*/ 548369 w 1845659"/>
+                <a:gd name="connsiteY13" fmla="*/ 930885 h 930885"/>
+                <a:gd name="connsiteX14" fmla="*/ 408094 w 1845659"/>
+                <a:gd name="connsiteY14" fmla="*/ 745952 h 930885"/>
+                <a:gd name="connsiteX15" fmla="*/ 126003 w 1845659"/>
+                <a:gd name="connsiteY15" fmla="*/ 756000 h 930885"/>
+                <a:gd name="connsiteX16" fmla="*/ 0 w 1845659"/>
+                <a:gd name="connsiteY16" fmla="*/ 629997 h 930885"/>
+                <a:gd name="connsiteX17" fmla="*/ 0 w 1845659"/>
+                <a:gd name="connsiteY17" fmla="*/ 630000 h 930885"/>
+                <a:gd name="connsiteX18" fmla="*/ 0 w 1845659"/>
+                <a:gd name="connsiteY18" fmla="*/ 441000 h 930885"/>
+                <a:gd name="connsiteX19" fmla="*/ 0 w 1845659"/>
+                <a:gd name="connsiteY19" fmla="*/ 441000 h 930885"/>
+                <a:gd name="connsiteX20" fmla="*/ 0 w 1845659"/>
+                <a:gd name="connsiteY20" fmla="*/ 126003 h 930885"/>
+                <a:gd name="connsiteX0" fmla="*/ 0 w 1845659"/>
+                <a:gd name="connsiteY0" fmla="*/ 126003 h 930885"/>
+                <a:gd name="connsiteX1" fmla="*/ 126003 w 1845659"/>
+                <a:gd name="connsiteY1" fmla="*/ 0 h 930885"/>
+                <a:gd name="connsiteX2" fmla="*/ 307610 w 1845659"/>
+                <a:gd name="connsiteY2" fmla="*/ 0 h 930885"/>
+                <a:gd name="connsiteX3" fmla="*/ 307610 w 1845659"/>
+                <a:gd name="connsiteY3" fmla="*/ 0 h 930885"/>
+                <a:gd name="connsiteX4" fmla="*/ 769025 w 1845659"/>
+                <a:gd name="connsiteY4" fmla="*/ 0 h 930885"/>
+                <a:gd name="connsiteX5" fmla="*/ 1719656 w 1845659"/>
+                <a:gd name="connsiteY5" fmla="*/ 0 h 930885"/>
+                <a:gd name="connsiteX6" fmla="*/ 1845659 w 1845659"/>
+                <a:gd name="connsiteY6" fmla="*/ 126003 h 930885"/>
+                <a:gd name="connsiteX7" fmla="*/ 1845659 w 1845659"/>
+                <a:gd name="connsiteY7" fmla="*/ 441000 h 930885"/>
+                <a:gd name="connsiteX8" fmla="*/ 1845659 w 1845659"/>
+                <a:gd name="connsiteY8" fmla="*/ 441000 h 930885"/>
+                <a:gd name="connsiteX9" fmla="*/ 1845659 w 1845659"/>
+                <a:gd name="connsiteY9" fmla="*/ 630000 h 930885"/>
+                <a:gd name="connsiteX10" fmla="*/ 1845659 w 1845659"/>
+                <a:gd name="connsiteY10" fmla="*/ 629997 h 930885"/>
+                <a:gd name="connsiteX11" fmla="*/ 1719656 w 1845659"/>
+                <a:gd name="connsiteY11" fmla="*/ 756000 h 930885"/>
+                <a:gd name="connsiteX12" fmla="*/ 618300 w 1845659"/>
+                <a:gd name="connsiteY12" fmla="*/ 766049 h 930885"/>
+                <a:gd name="connsiteX13" fmla="*/ 508175 w 1845659"/>
+                <a:gd name="connsiteY13" fmla="*/ 930885 h 930885"/>
+                <a:gd name="connsiteX14" fmla="*/ 408094 w 1845659"/>
+                <a:gd name="connsiteY14" fmla="*/ 745952 h 930885"/>
+                <a:gd name="connsiteX15" fmla="*/ 126003 w 1845659"/>
+                <a:gd name="connsiteY15" fmla="*/ 756000 h 930885"/>
+                <a:gd name="connsiteX16" fmla="*/ 0 w 1845659"/>
+                <a:gd name="connsiteY16" fmla="*/ 629997 h 930885"/>
+                <a:gd name="connsiteX17" fmla="*/ 0 w 1845659"/>
+                <a:gd name="connsiteY17" fmla="*/ 630000 h 930885"/>
+                <a:gd name="connsiteX18" fmla="*/ 0 w 1845659"/>
+                <a:gd name="connsiteY18" fmla="*/ 441000 h 930885"/>
+                <a:gd name="connsiteX19" fmla="*/ 0 w 1845659"/>
+                <a:gd name="connsiteY19" fmla="*/ 441000 h 930885"/>
+                <a:gd name="connsiteX20" fmla="*/ 0 w 1845659"/>
+                <a:gd name="connsiteY20" fmla="*/ 126003 h 930885"/>
+              </a:gdLst>
+              <a:ahLst/>
+              <a:cxnLst>
+                <a:cxn ang="0">
+                  <a:pos x="connsiteX0" y="connsiteY0"/>
+                </a:cxn>
+                <a:cxn ang="0">
+                  <a:pos x="connsiteX1" y="connsiteY1"/>
+                </a:cxn>
+                <a:cxn ang="0">
+                  <a:pos x="connsiteX2" y="connsiteY2"/>
+                </a:cxn>
+                <a:cxn ang="0">
+                  <a:pos x="connsiteX3" y="connsiteY3"/>
+                </a:cxn>
+                <a:cxn ang="0">
+                  <a:pos x="connsiteX4" y="connsiteY4"/>
+                </a:cxn>
+                <a:cxn ang="0">
+                  <a:pos x="connsiteX5" y="connsiteY5"/>
+                </a:cxn>
+                <a:cxn ang="0">
+                  <a:pos x="connsiteX6" y="connsiteY6"/>
+                </a:cxn>
+                <a:cxn ang="0">
+                  <a:pos x="connsiteX7" y="connsiteY7"/>
+                </a:cxn>
+                <a:cxn ang="0">
+                  <a:pos x="connsiteX8" y="connsiteY8"/>
+                </a:cxn>
+                <a:cxn ang="0">
+                  <a:pos x="connsiteX9" y="connsiteY9"/>
+                </a:cxn>
+                <a:cxn ang="0">
+                  <a:pos x="connsiteX10" y="connsiteY10"/>
+                </a:cxn>
+                <a:cxn ang="0">
+                  <a:pos x="connsiteX11" y="connsiteY11"/>
+                </a:cxn>
+                <a:cxn ang="0">
+                  <a:pos x="connsiteX12" y="connsiteY12"/>
+                </a:cxn>
+                <a:cxn ang="0">
+                  <a:pos x="connsiteX13" y="connsiteY13"/>
+                </a:cxn>
+                <a:cxn ang="0">
+                  <a:pos x="connsiteX14" y="connsiteY14"/>
+                </a:cxn>
+                <a:cxn ang="0">
+                  <a:pos x="connsiteX15" y="connsiteY15"/>
+                </a:cxn>
+                <a:cxn ang="0">
+                  <a:pos x="connsiteX16" y="connsiteY16"/>
+                </a:cxn>
+                <a:cxn ang="0">
+                  <a:pos x="connsiteX17" y="connsiteY17"/>
+                </a:cxn>
+                <a:cxn ang="0">
+                  <a:pos x="connsiteX18" y="connsiteY18"/>
+                </a:cxn>
+                <a:cxn ang="0">
+                  <a:pos x="connsiteX19" y="connsiteY19"/>
+                </a:cxn>
+                <a:cxn ang="0">
+                  <a:pos x="connsiteX20" y="connsiteY20"/>
+                </a:cxn>
+              </a:cxnLst>
+              <a:rect l="l" t="t" r="r" b="b"/>
+              <a:pathLst>
+                <a:path w="1845659" h="930885">
+                  <a:moveTo>
+                    <a:pt x="0" y="126003"/>
+                  </a:moveTo>
+                  <a:cubicBezTo>
+                    <a:pt x="0" y="56413"/>
+                    <a:pt x="56413" y="0"/>
+                    <a:pt x="126003" y="0"/>
+                  </a:cubicBezTo>
+                  <a:lnTo>
+                    <a:pt x="307610" y="0"/>
+                  </a:lnTo>
+                  <a:lnTo>
+                    <a:pt x="307610" y="0"/>
+                  </a:lnTo>
+                  <a:lnTo>
+                    <a:pt x="769025" y="0"/>
+                  </a:lnTo>
+                  <a:lnTo>
+                    <a:pt x="1719656" y="0"/>
+                  </a:lnTo>
+                  <a:cubicBezTo>
+                    <a:pt x="1789246" y="0"/>
+                    <a:pt x="1845659" y="56413"/>
+                    <a:pt x="1845659" y="126003"/>
+                  </a:cubicBezTo>
+                  <a:lnTo>
+                    <a:pt x="1845659" y="441000"/>
+                  </a:lnTo>
+                  <a:lnTo>
+                    <a:pt x="1845659" y="441000"/>
+                  </a:lnTo>
+                  <a:lnTo>
+                    <a:pt x="1845659" y="630000"/>
+                  </a:lnTo>
+                  <a:lnTo>
+                    <a:pt x="1845659" y="629997"/>
+                  </a:lnTo>
+                  <a:cubicBezTo>
+                    <a:pt x="1845659" y="699587"/>
+                    <a:pt x="1789246" y="756000"/>
+                    <a:pt x="1719656" y="756000"/>
+                  </a:cubicBezTo>
+                  <a:lnTo>
+                    <a:pt x="618300" y="766049"/>
+                  </a:lnTo>
+                  <a:lnTo>
+                    <a:pt x="508175" y="930885"/>
+                  </a:lnTo>
+                  <a:lnTo>
+                    <a:pt x="408094" y="745952"/>
+                  </a:lnTo>
+                  <a:cubicBezTo>
+                    <a:pt x="347558" y="745952"/>
+                    <a:pt x="186539" y="756000"/>
+                    <a:pt x="126003" y="756000"/>
+                  </a:cubicBezTo>
+                  <a:cubicBezTo>
+                    <a:pt x="56413" y="756000"/>
+                    <a:pt x="0" y="699587"/>
+                    <a:pt x="0" y="629997"/>
+                  </a:cubicBezTo>
+                  <a:lnTo>
+                    <a:pt x="0" y="630000"/>
+                  </a:lnTo>
+                  <a:lnTo>
+                    <a:pt x="0" y="441000"/>
+                  </a:lnTo>
+                  <a:lnTo>
+                    <a:pt x="0" y="441000"/>
+                  </a:lnTo>
+                  <a:lnTo>
+                    <a:pt x="0" y="126003"/>
+                  </a:lnTo>
+                  <a:close/>
+                </a:path>
+              </a:pathLst>
+            </a:custGeom>
+            <a:noFill/>
+            <a:ln w="9525" cap="flat" cmpd="sng" algn="ctr">
+              <a:solidFill>
+                <a:schemeClr val="tx1"/>
+              </a:solidFill>
+              <a:prstDash val="solid"/>
+              <a:round/>
+              <a:headEnd type="none" w="med" len="med"/>
+              <a:tailEnd type="none" w="med" len="med"/>
+            </a:ln>
+            <a:effectLst/>
+            <a:extLst>
+              <a:ext uri="{909E8E84-426E-40DD-AFC4-6F175D3DCCD1}">
+                <a14:hiddenFill xmlns:a14="http://schemas.microsoft.com/office/drawing/2010/main">
+                  <a:solidFill>
+                    <a:schemeClr val="accent1"/>
+                  </a:solidFill>
+                </a14:hiddenFill>
+              </a:ext>
+              <a:ext uri="{AF507438-7753-43E0-B8FC-AC1667EBCBE1}">
+                <a14:hiddenEffects xmlns:a14="http://schemas.microsoft.com/office/drawing/2010/main">
+                  <a:effectLst>
+                    <a:outerShdw dist="35921" dir="2700000" algn="ctr" rotWithShape="0">
+                      <a:schemeClr val="bg2"/>
+                    </a:outerShdw>
+                  </a:effectLst>
+                </a14:hiddenEffects>
+              </a:ext>
+            </a:extLst>
+          </p:spPr>
+          <p:txBody>
+            <a:bodyPr vert="horz" wrap="square" lIns="0" tIns="0" rIns="0" bIns="0" numCol="1" rtlCol="0" anchor="t" anchorCtr="0" compatLnSpc="1">
+              <a:prstTxWarp prst="textNoShape">
+                <a:avLst/>
+              </a:prstTxWarp>
+              <a:spAutoFit/>
+            </a:bodyPr>
+            <a:lstStyle/>
+            <a:p>
+              <a:pPr marL="292100" marR="0" indent="-292100" algn="just" defTabSz="914400" rtl="0" eaLnBrk="1" fontAlgn="base" latinLnBrk="0" hangingPunct="1">
+                <a:lnSpc>
+                  <a:spcPct val="110000"/>
+                </a:lnSpc>
+                <a:spcBef>
+                  <a:spcPct val="50000"/>
+                </a:spcBef>
+                <a:spcAft>
+                  <a:spcPct val="0"/>
+                </a:spcAft>
+                <a:buClr>
+                  <a:srgbClr val="D56C2A"/>
+                </a:buClr>
+                <a:buSzPct val="90000"/>
+                <a:buFontTx/>
+                <a:buNone/>
+                <a:tabLst/>
+              </a:pPr>
+              <a:endParaRPr kumimoji="1" lang="zh-TW" altLang="en-US" sz="1600" b="0" i="0" u="none" strike="noStrike" cap="none" normalizeH="0" baseline="0">
+                <a:ln>
+                  <a:noFill/>
+                </a:ln>
+                <a:solidFill>
+                  <a:srgbClr val="737373"/>
+                </a:solidFill>
+                <a:effectLst/>
+                <a:latin typeface="Frutiger 47LightCn" pitchFamily="34" charset="0"/>
+                <a:ea typeface="文鼎新細黑" pitchFamily="49" charset="-120"/>
+              </a:endParaRPr>
+            </a:p>
+          </p:txBody>
+        </p:sp>
+        <p:sp>
+          <p:nvSpPr>
+            <p:cNvPr id="49" name="文字方塊 48">
+              <a:extLst>
+                <a:ext uri="{FF2B5EF4-FFF2-40B4-BE49-F238E27FC236}">
+                  <a16:creationId xmlns:a16="http://schemas.microsoft.com/office/drawing/2014/main" id="{C1DBA55A-CE18-6FD9-9D17-8D259F4EAE19}"/>
+                </a:ext>
+              </a:extLst>
+            </p:cNvPr>
+            <p:cNvSpPr txBox="1"/>
+            <p:nvPr/>
+          </p:nvSpPr>
+          <p:spPr>
+            <a:xfrm>
+              <a:off x="4807015" y="3479240"/>
+              <a:ext cx="1657654" cy="646331"/>
+            </a:xfrm>
+            <a:prstGeom prst="rect">
+              <a:avLst/>
+            </a:prstGeom>
+            <a:noFill/>
+          </p:spPr>
+          <p:txBody>
+            <a:bodyPr wrap="square">
+              <a:spAutoFit/>
+            </a:bodyPr>
+            <a:lstStyle/>
+            <a:p>
+              <a:pPr algn="just"/>
+              <a:r>
+                <a:rPr lang="zh-TW" altLang="en-US" sz="1200" b="1" dirty="0">
+                  <a:solidFill>
+                    <a:schemeClr val="tx1"/>
+                  </a:solidFill>
+                  <a:latin typeface="標楷體" panose="03000509000000000000" pitchFamily="65" charset="-120"/>
+                  <a:ea typeface="標楷體" panose="03000509000000000000" pitchFamily="65" charset="-120"/>
+                </a:rPr>
+                <a:t>幫我檢視</a:t>
+              </a:r>
+              <a:r>
+                <a:rPr lang="en-US" altLang="zh-TW" sz="1200" b="1" dirty="0">
+                  <a:solidFill>
+                    <a:schemeClr val="tx1"/>
+                  </a:solidFill>
+                  <a:latin typeface="標楷體" panose="03000509000000000000" pitchFamily="65" charset="-120"/>
+                  <a:ea typeface="標楷體" panose="03000509000000000000" pitchFamily="65" charset="-120"/>
+                </a:rPr>
+                <a:t>XX</a:t>
+              </a:r>
+              <a:r>
+                <a:rPr lang="zh-TW" altLang="en-US" sz="1200" b="1" dirty="0">
+                  <a:solidFill>
+                    <a:schemeClr val="tx1"/>
+                  </a:solidFill>
+                  <a:latin typeface="標楷體" panose="03000509000000000000" pitchFamily="65" charset="-120"/>
+                  <a:ea typeface="標楷體" panose="03000509000000000000" pitchFamily="65" charset="-120"/>
+                </a:rPr>
+                <a:t>分公司的營業員，本周新開發的客戶數量</a:t>
+              </a:r>
+              <a:r>
+                <a:rPr lang="en-US" altLang="zh-TW" sz="1200" b="1" dirty="0">
+                  <a:solidFill>
+                    <a:schemeClr val="tx1"/>
+                  </a:solidFill>
+                  <a:latin typeface="標楷體" panose="03000509000000000000" pitchFamily="65" charset="-120"/>
+                  <a:ea typeface="標楷體" panose="03000509000000000000" pitchFamily="65" charset="-120"/>
+                </a:rPr>
+                <a:t>?</a:t>
+              </a:r>
+              <a:endParaRPr lang="zh-TW" altLang="en-US" sz="1200" b="1" dirty="0">
+                <a:solidFill>
+                  <a:schemeClr val="tx1"/>
+                </a:solidFill>
+                <a:latin typeface="標楷體" panose="03000509000000000000" pitchFamily="65" charset="-120"/>
+                <a:ea typeface="標楷體" panose="03000509000000000000" pitchFamily="65" charset="-120"/>
+              </a:endParaRPr>
+            </a:p>
+          </p:txBody>
+        </p:sp>
+      </p:grpSp>
+      <p:sp>
+        <p:nvSpPr>
+          <p:cNvPr id="64" name="文字方塊 63">
+            <a:extLst>
+              <a:ext uri="{FF2B5EF4-FFF2-40B4-BE49-F238E27FC236}">
+                <a16:creationId xmlns:a16="http://schemas.microsoft.com/office/drawing/2014/main" id="{21F987A5-1072-95EE-4EF8-CBE8F9FA17AA}"/>
+              </a:ext>
+            </a:extLst>
+          </p:cNvPr>
+          <p:cNvSpPr txBox="1"/>
+          <p:nvPr/>
+        </p:nvSpPr>
+        <p:spPr>
+          <a:xfrm>
+            <a:off x="4595859" y="2362086"/>
+            <a:ext cx="1488114" cy="374571"/>
+          </a:xfrm>
+          <a:prstGeom prst="roundRect">
+            <a:avLst/>
+          </a:prstGeom>
+          <a:solidFill>
+            <a:schemeClr val="bg1">
+              <a:lumMod val="95000"/>
+            </a:schemeClr>
+          </a:solidFill>
+          <a:ln>
+            <a:solidFill>
+              <a:schemeClr val="tx1"/>
+            </a:solidFill>
+          </a:ln>
+        </p:spPr>
+        <p:txBody>
+          <a:bodyPr wrap="square" lIns="72000" rIns="144000" rtlCol="0">
+            <a:spAutoFit/>
+          </a:bodyPr>
+          <a:lstStyle/>
+          <a:p>
+            <a:pPr algn="ctr">
+              <a:spcAft>
+                <a:spcPts val="300"/>
+              </a:spcAft>
+            </a:pPr>
+            <a:r>
+              <a:rPr lang="zh-TW" altLang="en-US" dirty="0">
+                <a:solidFill>
+                  <a:schemeClr val="tx1"/>
+                </a:solidFill>
+                <a:latin typeface="標楷體" panose="03000509000000000000" pitchFamily="65" charset="-120"/>
+                <a:ea typeface="標楷體" panose="03000509000000000000" pitchFamily="65" charset="-120"/>
+              </a:rPr>
+              <a:t>老闆</a:t>
+            </a:r>
+          </a:p>
+        </p:txBody>
+      </p:sp>
+    </p:spTree>
+    <p:extLst>
+      <p:ext uri="{BB962C8B-B14F-4D97-AF65-F5344CB8AC3E}">
+        <p14:creationId xmlns:p14="http://schemas.microsoft.com/office/powerpoint/2010/main" val="2553950078"/>
+      </p:ext>
+    </p:extLst>
+  </p:cSld>
+  <p:clrMapOvr>
+    <a:masterClrMapping/>
+  </p:clrMapOvr>
+</p:sld>
+</file>
+
 <file path=ppt/slides/slide2.xml><?xml version="1.0" encoding="utf-8"?>
 <p:sld xmlns:a="http://schemas.openxmlformats.org/drawingml/2006/main" xmlns:r="http://schemas.openxmlformats.org/officeDocument/2006/relationships" xmlns:p="http://schemas.openxmlformats.org/presentationml/2006/main">
   <p:cSld>
@@ -14901,3183 +17750,6 @@
       </p:grpSpPr>
       <p:sp>
         <p:nvSpPr>
-          <p:cNvPr id="5" name="標題 4">
-            <a:extLst>
-              <a:ext uri="{FF2B5EF4-FFF2-40B4-BE49-F238E27FC236}">
-                <a16:creationId xmlns:a16="http://schemas.microsoft.com/office/drawing/2014/main" id="{8A68066B-29D1-F280-939B-0B015CC074A0}"/>
-              </a:ext>
-            </a:extLst>
-          </p:cNvPr>
-          <p:cNvSpPr>
-            <a:spLocks noGrp="1"/>
-          </p:cNvSpPr>
-          <p:nvPr>
-            <p:ph type="title"/>
-          </p:nvPr>
-        </p:nvSpPr>
-        <p:spPr/>
-        <p:txBody>
-          <a:bodyPr>
-            <a:normAutofit/>
-          </a:bodyPr>
-          <a:lstStyle/>
-          <a:p>
-            <a:r>
-              <a:rPr lang="en-US" altLang="zh-TW" dirty="0"/>
-              <a:t>AI</a:t>
-            </a:r>
-            <a:r>
-              <a:rPr lang="zh-TW" altLang="en-US" dirty="0"/>
-              <a:t> </a:t>
-            </a:r>
-            <a:r>
-              <a:rPr lang="en-US" altLang="zh-TW" dirty="0"/>
-              <a:t>Agent</a:t>
-            </a:r>
-            <a:r>
-              <a:rPr lang="zh-TW" altLang="en-US" dirty="0"/>
-              <a:t>是什麼</a:t>
-            </a:r>
-            <a:r>
-              <a:rPr lang="en-US" altLang="zh-TW" dirty="0"/>
-              <a:t>?</a:t>
-            </a:r>
-            <a:endParaRPr lang="zh-TW" altLang="en-US" dirty="0"/>
-          </a:p>
-        </p:txBody>
-      </p:sp>
-      <p:sp>
-        <p:nvSpPr>
-          <p:cNvPr id="4" name="投影片編號版面配置區 3">
-            <a:extLst>
-              <a:ext uri="{FF2B5EF4-FFF2-40B4-BE49-F238E27FC236}">
-                <a16:creationId xmlns:a16="http://schemas.microsoft.com/office/drawing/2014/main" id="{C6E9C4A2-C9E2-AA5D-7A6F-E3711D1FA79B}"/>
-              </a:ext>
-            </a:extLst>
-          </p:cNvPr>
-          <p:cNvSpPr>
-            <a:spLocks noGrp="1"/>
-          </p:cNvSpPr>
-          <p:nvPr>
-            <p:ph type="sldNum" sz="quarter" idx="4"/>
-          </p:nvPr>
-        </p:nvSpPr>
-        <p:spPr/>
-        <p:txBody>
-          <a:bodyPr/>
-          <a:lstStyle/>
-          <a:p>
-            <a:fld id="{5724A70F-1A80-4FFC-9EFC-544BA2D42D70}" type="slidenum">
-              <a:rPr lang="zh-TW" altLang="en-US" smtClean="0"/>
-              <a:pPr/>
-              <a:t>20</a:t>
-            </a:fld>
-            <a:endParaRPr lang="zh-TW" altLang="en-US" dirty="0"/>
-          </a:p>
-        </p:txBody>
-      </p:sp>
-      <p:sp>
-        <p:nvSpPr>
-          <p:cNvPr id="44" name="文字方塊 43">
-            <a:extLst>
-              <a:ext uri="{FF2B5EF4-FFF2-40B4-BE49-F238E27FC236}">
-                <a16:creationId xmlns:a16="http://schemas.microsoft.com/office/drawing/2014/main" id="{26649709-FB83-4D9D-BAC1-1ED078961D6A}"/>
-              </a:ext>
-            </a:extLst>
-          </p:cNvPr>
-          <p:cNvSpPr txBox="1"/>
-          <p:nvPr/>
-        </p:nvSpPr>
-        <p:spPr>
-          <a:xfrm>
-            <a:off x="12432704" y="203886"/>
-            <a:ext cx="2350599" cy="2192728"/>
-          </a:xfrm>
-          <a:prstGeom prst="roundRect">
-            <a:avLst/>
-          </a:prstGeom>
-          <a:noFill/>
-          <a:ln>
-            <a:solidFill>
-              <a:schemeClr val="tx1"/>
-            </a:solidFill>
-          </a:ln>
-        </p:spPr>
-        <p:txBody>
-          <a:bodyPr wrap="square" lIns="72000" rIns="144000" rtlCol="0">
-            <a:spAutoFit/>
-          </a:bodyPr>
-          <a:lstStyle/>
-          <a:p>
-            <a:pPr>
-              <a:lnSpc>
-                <a:spcPct val="130000"/>
-              </a:lnSpc>
-              <a:spcAft>
-                <a:spcPts val="300"/>
-              </a:spcAft>
-            </a:pPr>
-            <a:r>
-              <a:rPr lang="en-US" altLang="zh-TW" dirty="0">
-                <a:solidFill>
-                  <a:schemeClr val="tx1"/>
-                </a:solidFill>
-                <a:latin typeface="標楷體" panose="03000509000000000000" pitchFamily="65" charset="-120"/>
-                <a:ea typeface="標楷體" panose="03000509000000000000" pitchFamily="65" charset="-120"/>
-              </a:rPr>
-              <a:t>AI</a:t>
-            </a:r>
-            <a:r>
-              <a:rPr lang="zh-TW" altLang="en-US" dirty="0">
-                <a:solidFill>
-                  <a:schemeClr val="tx1"/>
-                </a:solidFill>
-                <a:latin typeface="標楷體" panose="03000509000000000000" pitchFamily="65" charset="-120"/>
-                <a:ea typeface="標楷體" panose="03000509000000000000" pitchFamily="65" charset="-120"/>
-              </a:rPr>
-              <a:t> </a:t>
-            </a:r>
-            <a:r>
-              <a:rPr lang="en-US" altLang="zh-TW" dirty="0">
-                <a:solidFill>
-                  <a:schemeClr val="tx1"/>
-                </a:solidFill>
-                <a:latin typeface="標楷體" panose="03000509000000000000" pitchFamily="65" charset="-120"/>
-                <a:ea typeface="標楷體" panose="03000509000000000000" pitchFamily="65" charset="-120"/>
-              </a:rPr>
-              <a:t>Agent</a:t>
-            </a:r>
-            <a:r>
-              <a:rPr lang="zh-TW" altLang="en-US" dirty="0">
-                <a:solidFill>
-                  <a:schemeClr val="tx1"/>
-                </a:solidFill>
-                <a:latin typeface="標楷體" panose="03000509000000000000" pitchFamily="65" charset="-120"/>
-                <a:ea typeface="標楷體" panose="03000509000000000000" pitchFamily="65" charset="-120"/>
-              </a:rPr>
-              <a:t>：</a:t>
-            </a:r>
-            <a:br>
-              <a:rPr lang="en-US" altLang="zh-TW" dirty="0">
-                <a:solidFill>
-                  <a:schemeClr val="tx1"/>
-                </a:solidFill>
-                <a:latin typeface="標楷體" panose="03000509000000000000" pitchFamily="65" charset="-120"/>
-                <a:ea typeface="標楷體" panose="03000509000000000000" pitchFamily="65" charset="-120"/>
-              </a:rPr>
-            </a:br>
-            <a:r>
-              <a:rPr lang="zh-TW" altLang="en-US" dirty="0">
-                <a:solidFill>
-                  <a:schemeClr val="tx1"/>
-                </a:solidFill>
-                <a:latin typeface="標楷體" panose="03000509000000000000" pitchFamily="65" charset="-120"/>
-                <a:ea typeface="標楷體" panose="03000509000000000000" pitchFamily="65" charset="-120"/>
-              </a:rPr>
-              <a:t>像是</a:t>
-            </a:r>
-            <a:r>
-              <a:rPr lang="zh-TW" altLang="en-US" b="1" u="sng" dirty="0">
-                <a:solidFill>
-                  <a:schemeClr val="tx1"/>
-                </a:solidFill>
-                <a:latin typeface="標楷體" panose="03000509000000000000" pitchFamily="65" charset="-120"/>
-                <a:ea typeface="標楷體" panose="03000509000000000000" pitchFamily="65" charset="-120"/>
-              </a:rPr>
-              <a:t>任務小幫手</a:t>
-            </a:r>
-            <a:r>
-              <a:rPr lang="en-US" altLang="zh-TW" b="1" u="sng" dirty="0">
-                <a:solidFill>
-                  <a:schemeClr val="tx1"/>
-                </a:solidFill>
-                <a:latin typeface="標楷體" panose="03000509000000000000" pitchFamily="65" charset="-120"/>
-                <a:ea typeface="標楷體" panose="03000509000000000000" pitchFamily="65" charset="-120"/>
-              </a:rPr>
-              <a:t>(</a:t>
-            </a:r>
-            <a:r>
-              <a:rPr lang="zh-TW" altLang="en-US" b="1" u="sng" dirty="0">
-                <a:solidFill>
-                  <a:schemeClr val="tx1"/>
-                </a:solidFill>
-                <a:latin typeface="標楷體" panose="03000509000000000000" pitchFamily="65" charset="-120"/>
-                <a:ea typeface="標楷體" panose="03000509000000000000" pitchFamily="65" charset="-120"/>
-              </a:rPr>
-              <a:t>執行者</a:t>
-            </a:r>
-            <a:r>
-              <a:rPr lang="en-US" altLang="zh-TW" b="1" u="sng" dirty="0">
-                <a:solidFill>
-                  <a:schemeClr val="tx1"/>
-                </a:solidFill>
-                <a:latin typeface="標楷體" panose="03000509000000000000" pitchFamily="65" charset="-120"/>
-                <a:ea typeface="標楷體" panose="03000509000000000000" pitchFamily="65" charset="-120"/>
-              </a:rPr>
-              <a:t>)</a:t>
-            </a:r>
-            <a:r>
-              <a:rPr lang="zh-TW" altLang="en-US" dirty="0">
-                <a:solidFill>
-                  <a:schemeClr val="tx1"/>
-                </a:solidFill>
-                <a:latin typeface="標楷體" panose="03000509000000000000" pitchFamily="65" charset="-120"/>
-                <a:ea typeface="標楷體" panose="03000509000000000000" pitchFamily="65" charset="-120"/>
-              </a:rPr>
-              <a:t>，能夠依據使用者下達的指令，運用</a:t>
-            </a:r>
-            <a:r>
-              <a:rPr lang="en-US" altLang="zh-TW" dirty="0">
-                <a:solidFill>
-                  <a:schemeClr val="tx1"/>
-                </a:solidFill>
-                <a:latin typeface="標楷體" panose="03000509000000000000" pitchFamily="65" charset="-120"/>
-                <a:ea typeface="標楷體" panose="03000509000000000000" pitchFamily="65" charset="-120"/>
-              </a:rPr>
-              <a:t>Agent</a:t>
-            </a:r>
-            <a:r>
-              <a:rPr lang="zh-TW" altLang="en-US" dirty="0">
-                <a:solidFill>
-                  <a:schemeClr val="tx1"/>
-                </a:solidFill>
-                <a:latin typeface="標楷體" panose="03000509000000000000" pitchFamily="65" charset="-120"/>
-                <a:ea typeface="標楷體" panose="03000509000000000000" pitchFamily="65" charset="-120"/>
-              </a:rPr>
-              <a:t>模型的思考能力，導引使用者完成任務</a:t>
-            </a:r>
-          </a:p>
-        </p:txBody>
-      </p:sp>
-      <p:pic>
-        <p:nvPicPr>
-          <p:cNvPr id="6" name="圖片 5">
-            <a:extLst>
-              <a:ext uri="{FF2B5EF4-FFF2-40B4-BE49-F238E27FC236}">
-                <a16:creationId xmlns:a16="http://schemas.microsoft.com/office/drawing/2014/main" id="{4D9F67CB-D93F-F8EA-B40A-61260DFC154A}"/>
-              </a:ext>
-            </a:extLst>
-          </p:cNvPr>
-          <p:cNvPicPr>
-            <a:picLocks noChangeAspect="1"/>
-          </p:cNvPicPr>
-          <p:nvPr/>
-        </p:nvPicPr>
-        <p:blipFill>
-          <a:blip r:embed="rId2"/>
-          <a:stretch>
-            <a:fillRect/>
-          </a:stretch>
-        </p:blipFill>
-        <p:spPr>
-          <a:xfrm>
-            <a:off x="885254" y="2931245"/>
-            <a:ext cx="3565073" cy="1533604"/>
-          </a:xfrm>
-          <a:prstGeom prst="rect">
-            <a:avLst/>
-          </a:prstGeom>
-        </p:spPr>
-      </p:pic>
-      <p:sp>
-        <p:nvSpPr>
-          <p:cNvPr id="13" name="文字方塊 12">
-            <a:extLst>
-              <a:ext uri="{FF2B5EF4-FFF2-40B4-BE49-F238E27FC236}">
-                <a16:creationId xmlns:a16="http://schemas.microsoft.com/office/drawing/2014/main" id="{BB2D9258-AFA9-6F25-904C-08B92F4DA8AD}"/>
-              </a:ext>
-            </a:extLst>
-          </p:cNvPr>
-          <p:cNvSpPr txBox="1"/>
-          <p:nvPr/>
-        </p:nvSpPr>
-        <p:spPr>
-          <a:xfrm>
-            <a:off x="885254" y="1706577"/>
-            <a:ext cx="1476000" cy="374571"/>
-          </a:xfrm>
-          <a:prstGeom prst="roundRect">
-            <a:avLst/>
-          </a:prstGeom>
-          <a:solidFill>
-            <a:srgbClr val="06529C"/>
-          </a:solidFill>
-          <a:ln>
-            <a:noFill/>
-          </a:ln>
-        </p:spPr>
-        <p:txBody>
-          <a:bodyPr wrap="square" lIns="72000" rIns="144000" rtlCol="0">
-            <a:spAutoFit/>
-          </a:bodyPr>
-          <a:lstStyle/>
-          <a:p>
-            <a:pPr algn="ctr">
-              <a:spcAft>
-                <a:spcPts val="300"/>
-              </a:spcAft>
-            </a:pPr>
-            <a:r>
-              <a:rPr lang="zh-TW" altLang="en-US" dirty="0">
-                <a:solidFill>
-                  <a:schemeClr val="bg1"/>
-                </a:solidFill>
-                <a:latin typeface="標楷體" panose="03000509000000000000" pitchFamily="65" charset="-120"/>
-                <a:ea typeface="標楷體" panose="03000509000000000000" pitchFamily="65" charset="-120"/>
-              </a:rPr>
-              <a:t>生成式</a:t>
-            </a:r>
-            <a:r>
-              <a:rPr lang="en-US" altLang="zh-TW" dirty="0">
-                <a:solidFill>
-                  <a:schemeClr val="bg1"/>
-                </a:solidFill>
-                <a:latin typeface="標楷體" panose="03000509000000000000" pitchFamily="65" charset="-120"/>
-                <a:ea typeface="標楷體" panose="03000509000000000000" pitchFamily="65" charset="-120"/>
-              </a:rPr>
-              <a:t>AI</a:t>
-            </a:r>
-            <a:r>
-              <a:rPr lang="zh-TW" altLang="en-US" dirty="0">
-                <a:solidFill>
-                  <a:schemeClr val="bg1"/>
-                </a:solidFill>
-                <a:latin typeface="標楷體" panose="03000509000000000000" pitchFamily="65" charset="-120"/>
-                <a:ea typeface="標楷體" panose="03000509000000000000" pitchFamily="65" charset="-120"/>
-              </a:rPr>
-              <a:t>架構</a:t>
-            </a:r>
-          </a:p>
-        </p:txBody>
-      </p:sp>
-      <p:sp>
-        <p:nvSpPr>
-          <p:cNvPr id="33" name="文字方塊 32">
-            <a:extLst>
-              <a:ext uri="{FF2B5EF4-FFF2-40B4-BE49-F238E27FC236}">
-                <a16:creationId xmlns:a16="http://schemas.microsoft.com/office/drawing/2014/main" id="{1B1CC31F-0F60-3325-2A49-922A591D1076}"/>
-              </a:ext>
-            </a:extLst>
-          </p:cNvPr>
-          <p:cNvSpPr txBox="1"/>
-          <p:nvPr/>
-        </p:nvSpPr>
-        <p:spPr>
-          <a:xfrm>
-            <a:off x="4589856" y="1706577"/>
-            <a:ext cx="1476000" cy="374571"/>
-          </a:xfrm>
-          <a:prstGeom prst="roundRect">
-            <a:avLst/>
-          </a:prstGeom>
-          <a:solidFill>
-            <a:schemeClr val="tx1"/>
-          </a:solidFill>
-          <a:ln>
-            <a:noFill/>
-          </a:ln>
-        </p:spPr>
-        <p:txBody>
-          <a:bodyPr wrap="square" lIns="72000" rIns="144000" rtlCol="0">
-            <a:spAutoFit/>
-          </a:bodyPr>
-          <a:lstStyle/>
-          <a:p>
-            <a:pPr algn="ctr">
-              <a:spcAft>
-                <a:spcPts val="300"/>
-              </a:spcAft>
-            </a:pPr>
-            <a:r>
-              <a:rPr lang="en-US" altLang="zh-TW" dirty="0">
-                <a:solidFill>
-                  <a:schemeClr val="bg1"/>
-                </a:solidFill>
-                <a:latin typeface="標楷體" panose="03000509000000000000" pitchFamily="65" charset="-120"/>
-                <a:ea typeface="標楷體" panose="03000509000000000000" pitchFamily="65" charset="-120"/>
-              </a:rPr>
-              <a:t>AI</a:t>
-            </a:r>
-            <a:r>
-              <a:rPr lang="zh-TW" altLang="en-US" dirty="0">
-                <a:solidFill>
-                  <a:schemeClr val="bg1"/>
-                </a:solidFill>
-                <a:latin typeface="標楷體" panose="03000509000000000000" pitchFamily="65" charset="-120"/>
-                <a:ea typeface="標楷體" panose="03000509000000000000" pitchFamily="65" charset="-120"/>
-              </a:rPr>
-              <a:t> </a:t>
-            </a:r>
-            <a:r>
-              <a:rPr lang="en-US" altLang="zh-TW" dirty="0">
-                <a:solidFill>
-                  <a:schemeClr val="bg1"/>
-                </a:solidFill>
-                <a:latin typeface="標楷體" panose="03000509000000000000" pitchFamily="65" charset="-120"/>
-                <a:ea typeface="標楷體" panose="03000509000000000000" pitchFamily="65" charset="-120"/>
-              </a:rPr>
-              <a:t>Agent</a:t>
-            </a:r>
-            <a:r>
-              <a:rPr lang="zh-TW" altLang="en-US" dirty="0">
-                <a:solidFill>
-                  <a:schemeClr val="bg1"/>
-                </a:solidFill>
-                <a:latin typeface="標楷體" panose="03000509000000000000" pitchFamily="65" charset="-120"/>
-                <a:ea typeface="標楷體" panose="03000509000000000000" pitchFamily="65" charset="-120"/>
-              </a:rPr>
-              <a:t>架構</a:t>
-            </a:r>
-          </a:p>
-        </p:txBody>
-      </p:sp>
-      <p:sp>
-        <p:nvSpPr>
-          <p:cNvPr id="34" name="文字方塊 33">
-            <a:extLst>
-              <a:ext uri="{FF2B5EF4-FFF2-40B4-BE49-F238E27FC236}">
-                <a16:creationId xmlns:a16="http://schemas.microsoft.com/office/drawing/2014/main" id="{605BFF24-8357-308A-8AA1-37885A7DAA3C}"/>
-              </a:ext>
-            </a:extLst>
-          </p:cNvPr>
-          <p:cNvSpPr txBox="1"/>
-          <p:nvPr/>
-        </p:nvSpPr>
-        <p:spPr>
-          <a:xfrm>
-            <a:off x="6408883" y="2362086"/>
-            <a:ext cx="1092154" cy="374571"/>
-          </a:xfrm>
-          <a:prstGeom prst="roundRect">
-            <a:avLst/>
-          </a:prstGeom>
-          <a:solidFill>
-            <a:schemeClr val="bg1">
-              <a:lumMod val="95000"/>
-            </a:schemeClr>
-          </a:solidFill>
-          <a:ln>
-            <a:solidFill>
-              <a:schemeClr val="tx1"/>
-            </a:solidFill>
-          </a:ln>
-        </p:spPr>
-        <p:txBody>
-          <a:bodyPr wrap="square" lIns="72000" rIns="144000" rtlCol="0">
-            <a:spAutoFit/>
-          </a:bodyPr>
-          <a:lstStyle/>
-          <a:p>
-            <a:pPr algn="ctr">
-              <a:spcAft>
-                <a:spcPts val="300"/>
-              </a:spcAft>
-            </a:pPr>
-            <a:r>
-              <a:rPr lang="zh-TW" altLang="en-US" dirty="0">
-                <a:solidFill>
-                  <a:schemeClr val="tx1"/>
-                </a:solidFill>
-                <a:latin typeface="標楷體" panose="03000509000000000000" pitchFamily="65" charset="-120"/>
-                <a:ea typeface="標楷體" panose="03000509000000000000" pitchFamily="65" charset="-120"/>
-              </a:rPr>
-              <a:t>決策中樞</a:t>
-            </a:r>
-          </a:p>
-        </p:txBody>
-      </p:sp>
-      <p:sp>
-        <p:nvSpPr>
-          <p:cNvPr id="35" name="文字方塊 34">
-            <a:extLst>
-              <a:ext uri="{FF2B5EF4-FFF2-40B4-BE49-F238E27FC236}">
-                <a16:creationId xmlns:a16="http://schemas.microsoft.com/office/drawing/2014/main" id="{BE13C0C5-D34F-DD37-31DA-6D3AA92C9ABC}"/>
-              </a:ext>
-            </a:extLst>
-          </p:cNvPr>
-          <p:cNvSpPr txBox="1"/>
-          <p:nvPr/>
-        </p:nvSpPr>
-        <p:spPr>
-          <a:xfrm>
-            <a:off x="7825946" y="2348880"/>
-            <a:ext cx="3814670" cy="374571"/>
-          </a:xfrm>
-          <a:prstGeom prst="roundRect">
-            <a:avLst/>
-          </a:prstGeom>
-          <a:solidFill>
-            <a:schemeClr val="bg1">
-              <a:lumMod val="95000"/>
-            </a:schemeClr>
-          </a:solidFill>
-          <a:ln>
-            <a:solidFill>
-              <a:schemeClr val="tx1"/>
-            </a:solidFill>
-          </a:ln>
-        </p:spPr>
-        <p:txBody>
-          <a:bodyPr wrap="square" lIns="72000" rIns="144000" rtlCol="0">
-            <a:spAutoFit/>
-          </a:bodyPr>
-          <a:lstStyle/>
-          <a:p>
-            <a:pPr algn="ctr">
-              <a:spcAft>
-                <a:spcPts val="300"/>
-              </a:spcAft>
-            </a:pPr>
-            <a:r>
-              <a:rPr lang="zh-TW" altLang="en-US" dirty="0">
-                <a:solidFill>
-                  <a:schemeClr val="tx1"/>
-                </a:solidFill>
-                <a:latin typeface="標楷體" panose="03000509000000000000" pitchFamily="65" charset="-120"/>
-                <a:ea typeface="標楷體" panose="03000509000000000000" pitchFamily="65" charset="-120"/>
-              </a:rPr>
-              <a:t>執行單位</a:t>
-            </a:r>
-          </a:p>
-        </p:txBody>
-      </p:sp>
-      <p:cxnSp>
-        <p:nvCxnSpPr>
-          <p:cNvPr id="39" name="直線接點 38">
-            <a:extLst>
-              <a:ext uri="{FF2B5EF4-FFF2-40B4-BE49-F238E27FC236}">
-                <a16:creationId xmlns:a16="http://schemas.microsoft.com/office/drawing/2014/main" id="{255180E2-9804-47A4-4B60-8DA4B225956C}"/>
-              </a:ext>
-            </a:extLst>
-          </p:cNvPr>
-          <p:cNvCxnSpPr/>
-          <p:nvPr/>
-        </p:nvCxnSpPr>
-        <p:spPr bwMode="auto">
-          <a:xfrm>
-            <a:off x="4511675" y="1628800"/>
-            <a:ext cx="8417" cy="4392128"/>
-          </a:xfrm>
-          <a:prstGeom prst="line">
-            <a:avLst/>
-          </a:prstGeom>
-          <a:noFill/>
-          <a:ln w="9525" cap="flat" cmpd="sng" algn="ctr">
-            <a:solidFill>
-              <a:schemeClr val="tx1"/>
-            </a:solidFill>
-            <a:prstDash val="solid"/>
-            <a:round/>
-            <a:headEnd type="none" w="med" len="med"/>
-            <a:tailEnd type="none" w="med" len="med"/>
-          </a:ln>
-          <a:effectLst/>
-          <a:extLst>
-            <a:ext uri="{909E8E84-426E-40DD-AFC4-6F175D3DCCD1}">
-              <a14:hiddenFill xmlns:a14="http://schemas.microsoft.com/office/drawing/2010/main">
-                <a:solidFill>
-                  <a:schemeClr val="accent1"/>
-                </a:solidFill>
-              </a14:hiddenFill>
-            </a:ext>
-            <a:ext uri="{AF507438-7753-43E0-B8FC-AC1667EBCBE1}">
-              <a14:hiddenEffects xmlns:a14="http://schemas.microsoft.com/office/drawing/2010/main">
-                <a:effectLst>
-                  <a:outerShdw dist="35921" dir="2700000" algn="ctr" rotWithShape="0">
-                    <a:schemeClr val="bg2"/>
-                  </a:outerShdw>
-                </a:effectLst>
-              </a14:hiddenEffects>
-            </a:ext>
-          </a:extLst>
-        </p:spPr>
-      </p:cxnSp>
-      <p:pic>
-        <p:nvPicPr>
-          <p:cNvPr id="2" name="Picture 2" descr="Search in sidebar query">
-            <a:extLst>
-              <a:ext uri="{FF2B5EF4-FFF2-40B4-BE49-F238E27FC236}">
-                <a16:creationId xmlns:a16="http://schemas.microsoft.com/office/drawing/2014/main" id="{84BFF06C-5725-B898-4981-AD38B7256EF2}"/>
-              </a:ext>
-            </a:extLst>
-          </p:cNvPr>
-          <p:cNvPicPr>
-            <a:picLocks noChangeAspect="1" noChangeArrowheads="1"/>
-          </p:cNvPicPr>
-          <p:nvPr/>
-        </p:nvPicPr>
-        <p:blipFill>
-          <a:blip r:embed="rId3">
-            <a:extLst>
-              <a:ext uri="{28A0092B-C50C-407E-A947-70E740481C1C}">
-                <a14:useLocalDpi xmlns:a14="http://schemas.microsoft.com/office/drawing/2010/main" val="0"/>
-              </a:ext>
-            </a:extLst>
-          </a:blip>
-          <a:srcRect/>
-          <a:stretch>
-            <a:fillRect/>
-          </a:stretch>
-        </p:blipFill>
-        <p:spPr bwMode="auto">
-          <a:xfrm>
-            <a:off x="4961916" y="4087355"/>
-            <a:ext cx="756000" cy="756000"/>
-          </a:xfrm>
-          <a:prstGeom prst="rect">
-            <a:avLst/>
-          </a:prstGeom>
-          <a:noFill/>
-          <a:extLst>
-            <a:ext uri="{909E8E84-426E-40DD-AFC4-6F175D3DCCD1}">
-              <a14:hiddenFill xmlns:a14="http://schemas.microsoft.com/office/drawing/2010/main">
-                <a:solidFill>
-                  <a:srgbClr val="FFFFFF"/>
-                </a:solidFill>
-              </a14:hiddenFill>
-            </a:ext>
-          </a:extLst>
-        </p:spPr>
-      </p:pic>
-      <p:sp>
-        <p:nvSpPr>
-          <p:cNvPr id="3" name="文字方塊 2">
-            <a:extLst>
-              <a:ext uri="{FF2B5EF4-FFF2-40B4-BE49-F238E27FC236}">
-                <a16:creationId xmlns:a16="http://schemas.microsoft.com/office/drawing/2014/main" id="{52E83D7A-45EC-20E3-F6BF-0DAD934F64FC}"/>
-              </a:ext>
-            </a:extLst>
-          </p:cNvPr>
-          <p:cNvSpPr txBox="1"/>
-          <p:nvPr/>
-        </p:nvSpPr>
-        <p:spPr>
-          <a:xfrm>
-            <a:off x="7825946" y="2924912"/>
-            <a:ext cx="2069797" cy="307777"/>
-          </a:xfrm>
-          <a:prstGeom prst="rect">
-            <a:avLst/>
-          </a:prstGeom>
-          <a:noFill/>
-        </p:spPr>
-        <p:txBody>
-          <a:bodyPr wrap="none" rtlCol="0">
-            <a:spAutoFit/>
-          </a:bodyPr>
-          <a:lstStyle/>
-          <a:p>
-            <a:r>
-              <a:rPr lang="en-US" altLang="zh-TW" sz="1400" b="1" dirty="0">
-                <a:solidFill>
-                  <a:srgbClr val="00B050"/>
-                </a:solidFill>
-                <a:latin typeface="標楷體" panose="03000509000000000000" pitchFamily="65" charset="-120"/>
-                <a:ea typeface="標楷體" panose="03000509000000000000" pitchFamily="65" charset="-120"/>
-              </a:rPr>
-              <a:t>Agent 1: </a:t>
-            </a:r>
-            <a:r>
-              <a:rPr lang="zh-TW" altLang="en-US" sz="1400" b="1" dirty="0">
-                <a:solidFill>
-                  <a:srgbClr val="00B050"/>
-                </a:solidFill>
-                <a:latin typeface="標楷體" panose="03000509000000000000" pitchFamily="65" charset="-120"/>
-                <a:ea typeface="標楷體" panose="03000509000000000000" pitchFamily="65" charset="-120"/>
-              </a:rPr>
-              <a:t>分析業務需求</a:t>
-            </a:r>
-          </a:p>
-        </p:txBody>
-      </p:sp>
-      <p:sp>
-        <p:nvSpPr>
-          <p:cNvPr id="7" name="文字方塊 6">
-            <a:extLst>
-              <a:ext uri="{FF2B5EF4-FFF2-40B4-BE49-F238E27FC236}">
-                <a16:creationId xmlns:a16="http://schemas.microsoft.com/office/drawing/2014/main" id="{B6490B12-F67E-C460-D0E8-6CAD9BE483B4}"/>
-              </a:ext>
-            </a:extLst>
-          </p:cNvPr>
-          <p:cNvSpPr txBox="1"/>
-          <p:nvPr/>
-        </p:nvSpPr>
-        <p:spPr>
-          <a:xfrm>
-            <a:off x="7825946" y="3822265"/>
-            <a:ext cx="2249334" cy="307777"/>
-          </a:xfrm>
-          <a:prstGeom prst="rect">
-            <a:avLst/>
-          </a:prstGeom>
-          <a:noFill/>
-        </p:spPr>
-        <p:txBody>
-          <a:bodyPr wrap="none" rtlCol="0">
-            <a:spAutoFit/>
-          </a:bodyPr>
-          <a:lstStyle/>
-          <a:p>
-            <a:r>
-              <a:rPr lang="en-US" altLang="zh-TW" sz="1400" b="1" dirty="0">
-                <a:solidFill>
-                  <a:srgbClr val="00B050"/>
-                </a:solidFill>
-                <a:latin typeface="標楷體" panose="03000509000000000000" pitchFamily="65" charset="-120"/>
-                <a:ea typeface="標楷體" panose="03000509000000000000" pitchFamily="65" charset="-120"/>
-              </a:rPr>
-              <a:t>Agent 2: </a:t>
-            </a:r>
-            <a:r>
-              <a:rPr lang="zh-TW" altLang="en-US" sz="1400" b="1" dirty="0">
-                <a:solidFill>
-                  <a:srgbClr val="00B050"/>
-                </a:solidFill>
-                <a:latin typeface="標楷體" panose="03000509000000000000" pitchFamily="65" charset="-120"/>
-                <a:ea typeface="標楷體" panose="03000509000000000000" pitchFamily="65" charset="-120"/>
-              </a:rPr>
-              <a:t>檢索內外部資料</a:t>
-            </a:r>
-          </a:p>
-        </p:txBody>
-      </p:sp>
-      <p:sp>
-        <p:nvSpPr>
-          <p:cNvPr id="8" name="文字方塊 7">
-            <a:extLst>
-              <a:ext uri="{FF2B5EF4-FFF2-40B4-BE49-F238E27FC236}">
-                <a16:creationId xmlns:a16="http://schemas.microsoft.com/office/drawing/2014/main" id="{EB114656-C5A1-417E-CC29-8CD4C729D468}"/>
-              </a:ext>
-            </a:extLst>
-          </p:cNvPr>
-          <p:cNvSpPr txBox="1"/>
-          <p:nvPr/>
-        </p:nvSpPr>
-        <p:spPr>
-          <a:xfrm>
-            <a:off x="7825946" y="3163362"/>
-            <a:ext cx="2321469" cy="276999"/>
-          </a:xfrm>
-          <a:prstGeom prst="rect">
-            <a:avLst/>
-          </a:prstGeom>
-          <a:noFill/>
-        </p:spPr>
-        <p:txBody>
-          <a:bodyPr wrap="none" rtlCol="0">
-            <a:spAutoFit/>
-          </a:bodyPr>
-          <a:lstStyle/>
-          <a:p>
-            <a:r>
-              <a:rPr lang="zh-TW" altLang="en-US" sz="1200" b="1" dirty="0">
-                <a:latin typeface="標楷體" panose="03000509000000000000" pitchFamily="65" charset="-120"/>
-                <a:ea typeface="標楷體" panose="03000509000000000000" pitchFamily="65" charset="-120"/>
-              </a:rPr>
-              <a:t>理解使用者問題</a:t>
-            </a:r>
-            <a:r>
-              <a:rPr lang="en-US" altLang="zh-TW" sz="1200" b="1" dirty="0">
-                <a:latin typeface="標楷體" panose="03000509000000000000" pitchFamily="65" charset="-120"/>
-                <a:ea typeface="標楷體" panose="03000509000000000000" pitchFamily="65" charset="-120"/>
-              </a:rPr>
-              <a:t>&amp;</a:t>
-            </a:r>
-            <a:r>
-              <a:rPr lang="zh-TW" altLang="en-US" sz="1200" b="1" dirty="0">
-                <a:latin typeface="標楷體" panose="03000509000000000000" pitchFamily="65" charset="-120"/>
-                <a:ea typeface="標楷體" panose="03000509000000000000" pitchFamily="65" charset="-120"/>
-              </a:rPr>
-              <a:t>分析業務需求</a:t>
-            </a:r>
-            <a:endParaRPr lang="en-US" altLang="zh-TW" sz="1200" b="1" dirty="0">
-              <a:latin typeface="標楷體" panose="03000509000000000000" pitchFamily="65" charset="-120"/>
-              <a:ea typeface="標楷體" panose="03000509000000000000" pitchFamily="65" charset="-120"/>
-            </a:endParaRPr>
-          </a:p>
-        </p:txBody>
-      </p:sp>
-      <p:sp>
-        <p:nvSpPr>
-          <p:cNvPr id="9" name="文字方塊 8">
-            <a:extLst>
-              <a:ext uri="{FF2B5EF4-FFF2-40B4-BE49-F238E27FC236}">
-                <a16:creationId xmlns:a16="http://schemas.microsoft.com/office/drawing/2014/main" id="{D7F51D41-0F17-7706-2B12-B58459C561CC}"/>
-              </a:ext>
-            </a:extLst>
-          </p:cNvPr>
-          <p:cNvSpPr txBox="1"/>
-          <p:nvPr/>
-        </p:nvSpPr>
-        <p:spPr>
-          <a:xfrm>
-            <a:off x="7825946" y="4045867"/>
-            <a:ext cx="2492990" cy="461665"/>
-          </a:xfrm>
-          <a:prstGeom prst="rect">
-            <a:avLst/>
-          </a:prstGeom>
-          <a:noFill/>
-        </p:spPr>
-        <p:txBody>
-          <a:bodyPr wrap="none" rtlCol="0">
-            <a:spAutoFit/>
-          </a:bodyPr>
-          <a:lstStyle/>
-          <a:p>
-            <a:r>
-              <a:rPr lang="zh-TW" altLang="en-US" sz="1200" b="1" dirty="0">
-                <a:latin typeface="標楷體" panose="03000509000000000000" pitchFamily="65" charset="-120"/>
-                <a:ea typeface="標楷體" panose="03000509000000000000" pitchFamily="65" charset="-120"/>
-              </a:rPr>
-              <a:t>根據業務需求至資料庫檢索資料</a:t>
-            </a:r>
-            <a:endParaRPr lang="en-US" altLang="zh-TW" sz="1200" b="1" dirty="0">
-              <a:latin typeface="標楷體" panose="03000509000000000000" pitchFamily="65" charset="-120"/>
-              <a:ea typeface="標楷體" panose="03000509000000000000" pitchFamily="65" charset="-120"/>
-            </a:endParaRPr>
-          </a:p>
-          <a:p>
-            <a:r>
-              <a:rPr lang="zh-TW" altLang="en-US" sz="1200" b="1" dirty="0">
-                <a:latin typeface="標楷體" panose="03000509000000000000" pitchFamily="65" charset="-120"/>
-                <a:ea typeface="標楷體" panose="03000509000000000000" pitchFamily="65" charset="-120"/>
-              </a:rPr>
-              <a:t>對資料進行整理加工產出統計報表</a:t>
-            </a:r>
-            <a:endParaRPr lang="en-US" altLang="zh-TW" sz="1200" b="1" dirty="0">
-              <a:latin typeface="標楷體" panose="03000509000000000000" pitchFamily="65" charset="-120"/>
-              <a:ea typeface="標楷體" panose="03000509000000000000" pitchFamily="65" charset="-120"/>
-            </a:endParaRPr>
-          </a:p>
-        </p:txBody>
-      </p:sp>
-      <p:sp>
-        <p:nvSpPr>
-          <p:cNvPr id="10" name="文字方塊 9">
-            <a:extLst>
-              <a:ext uri="{FF2B5EF4-FFF2-40B4-BE49-F238E27FC236}">
-                <a16:creationId xmlns:a16="http://schemas.microsoft.com/office/drawing/2014/main" id="{39BA4204-2B66-6DE4-EFEF-5CB68467535F}"/>
-              </a:ext>
-            </a:extLst>
-          </p:cNvPr>
-          <p:cNvSpPr txBox="1"/>
-          <p:nvPr/>
-        </p:nvSpPr>
-        <p:spPr>
-          <a:xfrm>
-            <a:off x="7825946" y="4719618"/>
-            <a:ext cx="2069797" cy="307777"/>
-          </a:xfrm>
-          <a:prstGeom prst="rect">
-            <a:avLst/>
-          </a:prstGeom>
-          <a:noFill/>
-        </p:spPr>
-        <p:txBody>
-          <a:bodyPr wrap="none" rtlCol="0">
-            <a:spAutoFit/>
-          </a:bodyPr>
-          <a:lstStyle/>
-          <a:p>
-            <a:r>
-              <a:rPr lang="en-US" altLang="zh-TW" sz="1400" b="1" dirty="0">
-                <a:solidFill>
-                  <a:srgbClr val="00B050"/>
-                </a:solidFill>
-                <a:latin typeface="標楷體" panose="03000509000000000000" pitchFamily="65" charset="-120"/>
-                <a:ea typeface="標楷體" panose="03000509000000000000" pitchFamily="65" charset="-120"/>
-              </a:rPr>
-              <a:t>Agent 3: </a:t>
-            </a:r>
-            <a:r>
-              <a:rPr lang="zh-TW" altLang="en-US" sz="1400" b="1" dirty="0">
-                <a:solidFill>
-                  <a:srgbClr val="00B050"/>
-                </a:solidFill>
-                <a:latin typeface="標楷體" panose="03000509000000000000" pitchFamily="65" charset="-120"/>
-                <a:ea typeface="標楷體" panose="03000509000000000000" pitchFamily="65" charset="-120"/>
-              </a:rPr>
-              <a:t>說明分析結果</a:t>
-            </a:r>
-          </a:p>
-        </p:txBody>
-      </p:sp>
-      <p:sp>
-        <p:nvSpPr>
-          <p:cNvPr id="11" name="文字方塊 10">
-            <a:extLst>
-              <a:ext uri="{FF2B5EF4-FFF2-40B4-BE49-F238E27FC236}">
-                <a16:creationId xmlns:a16="http://schemas.microsoft.com/office/drawing/2014/main" id="{FFE99130-B54B-D877-4684-B753FBB1BA90}"/>
-              </a:ext>
-            </a:extLst>
-          </p:cNvPr>
-          <p:cNvSpPr txBox="1"/>
-          <p:nvPr/>
-        </p:nvSpPr>
-        <p:spPr>
-          <a:xfrm>
-            <a:off x="7825946" y="4950348"/>
-            <a:ext cx="1723549" cy="276999"/>
-          </a:xfrm>
-          <a:prstGeom prst="rect">
-            <a:avLst/>
-          </a:prstGeom>
-          <a:noFill/>
-        </p:spPr>
-        <p:txBody>
-          <a:bodyPr wrap="none" rtlCol="0">
-            <a:spAutoFit/>
-          </a:bodyPr>
-          <a:lstStyle/>
-          <a:p>
-            <a:r>
-              <a:rPr lang="zh-TW" altLang="en-US" sz="1200" b="1" dirty="0">
-                <a:latin typeface="標楷體" panose="03000509000000000000" pitchFamily="65" charset="-120"/>
-                <a:ea typeface="標楷體" panose="03000509000000000000" pitchFamily="65" charset="-120"/>
-              </a:rPr>
-              <a:t>根據分析結果進行說明</a:t>
-            </a:r>
-            <a:endParaRPr lang="en-US" altLang="zh-TW" sz="1200" b="1" dirty="0">
-              <a:latin typeface="標楷體" panose="03000509000000000000" pitchFamily="65" charset="-120"/>
-              <a:ea typeface="標楷體" panose="03000509000000000000" pitchFamily="65" charset="-120"/>
-            </a:endParaRPr>
-          </a:p>
-        </p:txBody>
-      </p:sp>
-      <p:sp>
-        <p:nvSpPr>
-          <p:cNvPr id="12" name="文字方塊 11">
-            <a:extLst>
-              <a:ext uri="{FF2B5EF4-FFF2-40B4-BE49-F238E27FC236}">
-                <a16:creationId xmlns:a16="http://schemas.microsoft.com/office/drawing/2014/main" id="{D1BDDFCF-D6E5-4808-4921-8C5AADB23E7D}"/>
-              </a:ext>
-            </a:extLst>
-          </p:cNvPr>
-          <p:cNvSpPr txBox="1"/>
-          <p:nvPr/>
-        </p:nvSpPr>
-        <p:spPr>
-          <a:xfrm>
-            <a:off x="7825946" y="5517885"/>
-            <a:ext cx="1710725" cy="307777"/>
-          </a:xfrm>
-          <a:prstGeom prst="rect">
-            <a:avLst/>
-          </a:prstGeom>
-          <a:noFill/>
-        </p:spPr>
-        <p:txBody>
-          <a:bodyPr wrap="none" rtlCol="0">
-            <a:spAutoFit/>
-          </a:bodyPr>
-          <a:lstStyle/>
-          <a:p>
-            <a:r>
-              <a:rPr lang="en-US" altLang="zh-TW" sz="1400" b="1" dirty="0">
-                <a:solidFill>
-                  <a:srgbClr val="00B050"/>
-                </a:solidFill>
-                <a:latin typeface="標楷體" panose="03000509000000000000" pitchFamily="65" charset="-120"/>
-                <a:ea typeface="標楷體" panose="03000509000000000000" pitchFamily="65" charset="-120"/>
-              </a:rPr>
-              <a:t>Agent 4: </a:t>
-            </a:r>
-            <a:r>
-              <a:rPr lang="zh-TW" altLang="en-US" sz="1400" b="1" dirty="0">
-                <a:solidFill>
-                  <a:srgbClr val="00B050"/>
-                </a:solidFill>
-                <a:latin typeface="標楷體" panose="03000509000000000000" pitchFamily="65" charset="-120"/>
-                <a:ea typeface="標楷體" panose="03000509000000000000" pitchFamily="65" charset="-120"/>
-              </a:rPr>
-              <a:t>發送通知</a:t>
-            </a:r>
-            <a:endParaRPr lang="en-US" altLang="zh-TW" sz="1400" b="1" dirty="0">
-              <a:solidFill>
-                <a:srgbClr val="00B050"/>
-              </a:solidFill>
-              <a:latin typeface="標楷體" panose="03000509000000000000" pitchFamily="65" charset="-120"/>
-              <a:ea typeface="標楷體" panose="03000509000000000000" pitchFamily="65" charset="-120"/>
-            </a:endParaRPr>
-          </a:p>
-        </p:txBody>
-      </p:sp>
-      <p:sp>
-        <p:nvSpPr>
-          <p:cNvPr id="14" name="文字方塊 13">
-            <a:extLst>
-              <a:ext uri="{FF2B5EF4-FFF2-40B4-BE49-F238E27FC236}">
-                <a16:creationId xmlns:a16="http://schemas.microsoft.com/office/drawing/2014/main" id="{58AACF0F-F974-BB66-1B2E-8B980676D42E}"/>
-              </a:ext>
-            </a:extLst>
-          </p:cNvPr>
-          <p:cNvSpPr txBox="1"/>
-          <p:nvPr/>
-        </p:nvSpPr>
-        <p:spPr>
-          <a:xfrm>
-            <a:off x="7825946" y="5771041"/>
-            <a:ext cx="2262158" cy="276999"/>
-          </a:xfrm>
-          <a:prstGeom prst="rect">
-            <a:avLst/>
-          </a:prstGeom>
-          <a:noFill/>
-        </p:spPr>
-        <p:txBody>
-          <a:bodyPr wrap="none" rtlCol="0">
-            <a:spAutoFit/>
-          </a:bodyPr>
-          <a:lstStyle/>
-          <a:p>
-            <a:r>
-              <a:rPr lang="zh-TW" altLang="en-US" sz="1200" b="1" dirty="0">
-                <a:latin typeface="標楷體" panose="03000509000000000000" pitchFamily="65" charset="-120"/>
-                <a:ea typeface="標楷體" panose="03000509000000000000" pitchFamily="65" charset="-120"/>
-              </a:rPr>
-              <a:t>透過 </a:t>
-            </a:r>
-            <a:r>
-              <a:rPr lang="en-US" altLang="zh-TW" sz="1200" b="1" dirty="0">
-                <a:latin typeface="標楷體" panose="03000509000000000000" pitchFamily="65" charset="-120"/>
-                <a:ea typeface="標楷體" panose="03000509000000000000" pitchFamily="65" charset="-120"/>
-              </a:rPr>
-              <a:t>Mail/Teams</a:t>
-            </a:r>
-            <a:r>
-              <a:rPr lang="zh-TW" altLang="en-US" sz="1200" b="1" dirty="0">
-                <a:latin typeface="標楷體" panose="03000509000000000000" pitchFamily="65" charset="-120"/>
-                <a:ea typeface="標楷體" panose="03000509000000000000" pitchFamily="65" charset="-120"/>
-              </a:rPr>
-              <a:t>訊息通知長官</a:t>
-            </a:r>
-            <a:endParaRPr lang="en-US" altLang="zh-TW" sz="1200" b="1" dirty="0">
-              <a:latin typeface="標楷體" panose="03000509000000000000" pitchFamily="65" charset="-120"/>
-              <a:ea typeface="標楷體" panose="03000509000000000000" pitchFamily="65" charset="-120"/>
-            </a:endParaRPr>
-          </a:p>
-        </p:txBody>
-      </p:sp>
-      <p:sp>
-        <p:nvSpPr>
-          <p:cNvPr id="15" name="文字方塊 14">
-            <a:extLst>
-              <a:ext uri="{FF2B5EF4-FFF2-40B4-BE49-F238E27FC236}">
-                <a16:creationId xmlns:a16="http://schemas.microsoft.com/office/drawing/2014/main" id="{66B0E807-6F48-2836-A268-1EC2B4E15371}"/>
-              </a:ext>
-            </a:extLst>
-          </p:cNvPr>
-          <p:cNvSpPr txBox="1"/>
-          <p:nvPr/>
-        </p:nvSpPr>
-        <p:spPr>
-          <a:xfrm>
-            <a:off x="4669700" y="4981117"/>
-            <a:ext cx="1340432" cy="307777"/>
-          </a:xfrm>
-          <a:prstGeom prst="rect">
-            <a:avLst/>
-          </a:prstGeom>
-          <a:noFill/>
-        </p:spPr>
-        <p:txBody>
-          <a:bodyPr wrap="none" rtlCol="0">
-            <a:spAutoFit/>
-          </a:bodyPr>
-          <a:lstStyle/>
-          <a:p>
-            <a:r>
-              <a:rPr lang="zh-TW" altLang="en-US" sz="1400" b="1" dirty="0">
-                <a:latin typeface="標楷體" panose="03000509000000000000" pitchFamily="65" charset="-120"/>
-                <a:ea typeface="標楷體" panose="03000509000000000000" pitchFamily="65" charset="-120"/>
-              </a:rPr>
-              <a:t>總</a:t>
-            </a:r>
-            <a:r>
-              <a:rPr lang="en-US" altLang="zh-TW" sz="1400" b="1" dirty="0">
-                <a:latin typeface="標楷體" panose="03000509000000000000" pitchFamily="65" charset="-120"/>
-                <a:ea typeface="標楷體" panose="03000509000000000000" pitchFamily="65" charset="-120"/>
-              </a:rPr>
-              <a:t>/</a:t>
-            </a:r>
-            <a:r>
-              <a:rPr lang="zh-TW" altLang="en-US" sz="1400" b="1" dirty="0">
-                <a:latin typeface="標楷體" panose="03000509000000000000" pitchFamily="65" charset="-120"/>
-                <a:ea typeface="標楷體" panose="03000509000000000000" pitchFamily="65" charset="-120"/>
-              </a:rPr>
-              <a:t>分公司長官</a:t>
-            </a:r>
-          </a:p>
-        </p:txBody>
-      </p:sp>
-      <p:grpSp>
-        <p:nvGrpSpPr>
-          <p:cNvPr id="52" name="群組 51">
-            <a:extLst>
-              <a:ext uri="{FF2B5EF4-FFF2-40B4-BE49-F238E27FC236}">
-                <a16:creationId xmlns:a16="http://schemas.microsoft.com/office/drawing/2014/main" id="{F663F41E-8CEE-5C5C-87C9-2E5EE034CB8D}"/>
-              </a:ext>
-            </a:extLst>
-          </p:cNvPr>
-          <p:cNvGrpSpPr/>
-          <p:nvPr/>
-        </p:nvGrpSpPr>
-        <p:grpSpPr>
-          <a:xfrm>
-            <a:off x="5782449" y="4427282"/>
-            <a:ext cx="648000" cy="187553"/>
-            <a:chOff x="5894116" y="4687577"/>
-            <a:chExt cx="864000" cy="187553"/>
-          </a:xfrm>
-        </p:grpSpPr>
-        <p:cxnSp>
-          <p:nvCxnSpPr>
-            <p:cNvPr id="18" name="直線單箭頭接點 17">
-              <a:extLst>
-                <a:ext uri="{FF2B5EF4-FFF2-40B4-BE49-F238E27FC236}">
-                  <a16:creationId xmlns:a16="http://schemas.microsoft.com/office/drawing/2014/main" id="{1C151A17-BC17-5576-66E3-848EE0953EC8}"/>
-                </a:ext>
-              </a:extLst>
-            </p:cNvPr>
-            <p:cNvCxnSpPr>
-              <a:cxnSpLocks/>
-            </p:cNvCxnSpPr>
-            <p:nvPr/>
-          </p:nvCxnSpPr>
-          <p:spPr>
-            <a:xfrm>
-              <a:off x="5894116" y="4687577"/>
-              <a:ext cx="864000" cy="0"/>
-            </a:xfrm>
-            <a:prstGeom prst="straightConnector1">
-              <a:avLst/>
-            </a:prstGeom>
-            <a:ln>
-              <a:solidFill>
-                <a:schemeClr val="tx1"/>
-              </a:solidFill>
-              <a:headEnd type="none" w="med" len="med"/>
-              <a:tailEnd type="arrow" w="med" len="med"/>
-            </a:ln>
-          </p:spPr>
-          <p:style>
-            <a:lnRef idx="2">
-              <a:schemeClr val="accent1"/>
-            </a:lnRef>
-            <a:fillRef idx="0">
-              <a:schemeClr val="accent1"/>
-            </a:fillRef>
-            <a:effectRef idx="1">
-              <a:schemeClr val="accent1"/>
-            </a:effectRef>
-            <a:fontRef idx="minor">
-              <a:schemeClr val="tx1"/>
-            </a:fontRef>
-          </p:style>
-        </p:cxnSp>
-        <p:cxnSp>
-          <p:nvCxnSpPr>
-            <p:cNvPr id="19" name="直線單箭頭接點 18">
-              <a:extLst>
-                <a:ext uri="{FF2B5EF4-FFF2-40B4-BE49-F238E27FC236}">
-                  <a16:creationId xmlns:a16="http://schemas.microsoft.com/office/drawing/2014/main" id="{497A909E-0BE2-22B1-64E8-E0E04409D424}"/>
-                </a:ext>
-              </a:extLst>
-            </p:cNvPr>
-            <p:cNvCxnSpPr>
-              <a:cxnSpLocks/>
-            </p:cNvCxnSpPr>
-            <p:nvPr/>
-          </p:nvCxnSpPr>
-          <p:spPr>
-            <a:xfrm>
-              <a:off x="5894116" y="4875130"/>
-              <a:ext cx="864000" cy="0"/>
-            </a:xfrm>
-            <a:prstGeom prst="straightConnector1">
-              <a:avLst/>
-            </a:prstGeom>
-            <a:ln>
-              <a:solidFill>
-                <a:schemeClr val="tx1"/>
-              </a:solidFill>
-              <a:headEnd type="arrow" w="med" len="med"/>
-              <a:tailEnd type="none" w="med" len="med"/>
-            </a:ln>
-          </p:spPr>
-          <p:style>
-            <a:lnRef idx="2">
-              <a:schemeClr val="accent1"/>
-            </a:lnRef>
-            <a:fillRef idx="0">
-              <a:schemeClr val="accent1"/>
-            </a:fillRef>
-            <a:effectRef idx="1">
-              <a:schemeClr val="accent1"/>
-            </a:effectRef>
-            <a:fontRef idx="minor">
-              <a:schemeClr val="tx1"/>
-            </a:fontRef>
-          </p:style>
-        </p:cxnSp>
-      </p:grpSp>
-      <p:cxnSp>
-        <p:nvCxnSpPr>
-          <p:cNvPr id="22" name="直線接點 24">
-            <a:extLst>
-              <a:ext uri="{FF2B5EF4-FFF2-40B4-BE49-F238E27FC236}">
-                <a16:creationId xmlns:a16="http://schemas.microsoft.com/office/drawing/2014/main" id="{36E15834-DDDD-B12A-6E94-19FF59137412}"/>
-              </a:ext>
-            </a:extLst>
-          </p:cNvPr>
-          <p:cNvCxnSpPr>
-            <a:cxnSpLocks/>
-            <a:stCxn id="26" idx="3"/>
-            <a:endCxn id="3" idx="1"/>
-          </p:cNvCxnSpPr>
-          <p:nvPr/>
-        </p:nvCxnSpPr>
-        <p:spPr>
-          <a:xfrm flipV="1">
-            <a:off x="7250982" y="3078801"/>
-            <a:ext cx="574964" cy="1386554"/>
-          </a:xfrm>
-          <a:prstGeom prst="curvedConnector3">
-            <a:avLst>
-              <a:gd name="adj1" fmla="val 50000"/>
-            </a:avLst>
-          </a:prstGeom>
-          <a:ln>
-            <a:solidFill>
-              <a:schemeClr val="tx1"/>
-            </a:solidFill>
-          </a:ln>
-        </p:spPr>
-        <p:style>
-          <a:lnRef idx="2">
-            <a:schemeClr val="accent1"/>
-          </a:lnRef>
-          <a:fillRef idx="0">
-            <a:schemeClr val="accent1"/>
-          </a:fillRef>
-          <a:effectRef idx="1">
-            <a:schemeClr val="accent1"/>
-          </a:effectRef>
-          <a:fontRef idx="minor">
-            <a:schemeClr val="tx1"/>
-          </a:fontRef>
-        </p:style>
-      </p:cxnSp>
-      <p:cxnSp>
-        <p:nvCxnSpPr>
-          <p:cNvPr id="23" name="直線接點 24">
-            <a:extLst>
-              <a:ext uri="{FF2B5EF4-FFF2-40B4-BE49-F238E27FC236}">
-                <a16:creationId xmlns:a16="http://schemas.microsoft.com/office/drawing/2014/main" id="{12BDCEC9-04A0-84FC-0A89-1F1CC13103E9}"/>
-              </a:ext>
-            </a:extLst>
-          </p:cNvPr>
-          <p:cNvCxnSpPr>
-            <a:cxnSpLocks/>
-            <a:stCxn id="26" idx="3"/>
-            <a:endCxn id="7" idx="1"/>
-          </p:cNvCxnSpPr>
-          <p:nvPr/>
-        </p:nvCxnSpPr>
-        <p:spPr>
-          <a:xfrm flipV="1">
-            <a:off x="7250982" y="3976154"/>
-            <a:ext cx="574964" cy="489201"/>
-          </a:xfrm>
-          <a:prstGeom prst="curvedConnector3">
-            <a:avLst>
-              <a:gd name="adj1" fmla="val 50000"/>
-            </a:avLst>
-          </a:prstGeom>
-          <a:ln>
-            <a:solidFill>
-              <a:schemeClr val="tx1"/>
-            </a:solidFill>
-          </a:ln>
-        </p:spPr>
-        <p:style>
-          <a:lnRef idx="2">
-            <a:schemeClr val="accent1"/>
-          </a:lnRef>
-          <a:fillRef idx="0">
-            <a:schemeClr val="accent1"/>
-          </a:fillRef>
-          <a:effectRef idx="1">
-            <a:schemeClr val="accent1"/>
-          </a:effectRef>
-          <a:fontRef idx="minor">
-            <a:schemeClr val="tx1"/>
-          </a:fontRef>
-        </p:style>
-      </p:cxnSp>
-      <p:cxnSp>
-        <p:nvCxnSpPr>
-          <p:cNvPr id="24" name="直線接點 24">
-            <a:extLst>
-              <a:ext uri="{FF2B5EF4-FFF2-40B4-BE49-F238E27FC236}">
-                <a16:creationId xmlns:a16="http://schemas.microsoft.com/office/drawing/2014/main" id="{0E591F53-E334-2059-6E7B-0CED445D0601}"/>
-              </a:ext>
-            </a:extLst>
-          </p:cNvPr>
-          <p:cNvCxnSpPr>
-            <a:cxnSpLocks/>
-            <a:stCxn id="26" idx="3"/>
-            <a:endCxn id="10" idx="1"/>
-          </p:cNvCxnSpPr>
-          <p:nvPr/>
-        </p:nvCxnSpPr>
-        <p:spPr>
-          <a:xfrm>
-            <a:off x="7250982" y="4465355"/>
-            <a:ext cx="574964" cy="408152"/>
-          </a:xfrm>
-          <a:prstGeom prst="curvedConnector3">
-            <a:avLst>
-              <a:gd name="adj1" fmla="val 50000"/>
-            </a:avLst>
-          </a:prstGeom>
-          <a:ln>
-            <a:solidFill>
-              <a:schemeClr val="tx1"/>
-            </a:solidFill>
-          </a:ln>
-        </p:spPr>
-        <p:style>
-          <a:lnRef idx="2">
-            <a:schemeClr val="accent1"/>
-          </a:lnRef>
-          <a:fillRef idx="0">
-            <a:schemeClr val="accent1"/>
-          </a:fillRef>
-          <a:effectRef idx="1">
-            <a:schemeClr val="accent1"/>
-          </a:effectRef>
-          <a:fontRef idx="minor">
-            <a:schemeClr val="tx1"/>
-          </a:fontRef>
-        </p:style>
-      </p:cxnSp>
-      <p:cxnSp>
-        <p:nvCxnSpPr>
-          <p:cNvPr id="25" name="直線接點 24">
-            <a:extLst>
-              <a:ext uri="{FF2B5EF4-FFF2-40B4-BE49-F238E27FC236}">
-                <a16:creationId xmlns:a16="http://schemas.microsoft.com/office/drawing/2014/main" id="{08D7E589-299D-9DEF-77EA-7ED01398B2B8}"/>
-              </a:ext>
-            </a:extLst>
-          </p:cNvPr>
-          <p:cNvCxnSpPr>
-            <a:cxnSpLocks/>
-            <a:stCxn id="26" idx="3"/>
-            <a:endCxn id="12" idx="1"/>
-          </p:cNvCxnSpPr>
-          <p:nvPr/>
-        </p:nvCxnSpPr>
-        <p:spPr>
-          <a:xfrm>
-            <a:off x="7250982" y="4465355"/>
-            <a:ext cx="574964" cy="1206419"/>
-          </a:xfrm>
-          <a:prstGeom prst="curvedConnector3">
-            <a:avLst>
-              <a:gd name="adj1" fmla="val 50000"/>
-            </a:avLst>
-          </a:prstGeom>
-          <a:ln>
-            <a:solidFill>
-              <a:schemeClr val="tx1"/>
-            </a:solidFill>
-          </a:ln>
-        </p:spPr>
-        <p:style>
-          <a:lnRef idx="2">
-            <a:schemeClr val="accent1"/>
-          </a:lnRef>
-          <a:fillRef idx="0">
-            <a:schemeClr val="accent1"/>
-          </a:fillRef>
-          <a:effectRef idx="1">
-            <a:schemeClr val="accent1"/>
-          </a:effectRef>
-          <a:fontRef idx="minor">
-            <a:schemeClr val="tx1"/>
-          </a:fontRef>
-        </p:style>
-      </p:cxnSp>
-      <p:pic>
-        <p:nvPicPr>
-          <p:cNvPr id="26" name="Picture 8" descr="Search in sidebar query">
-            <a:extLst>
-              <a:ext uri="{FF2B5EF4-FFF2-40B4-BE49-F238E27FC236}">
-                <a16:creationId xmlns:a16="http://schemas.microsoft.com/office/drawing/2014/main" id="{C387E13B-429A-7BE1-73CE-F1B2DF83E1BC}"/>
-              </a:ext>
-            </a:extLst>
-          </p:cNvPr>
-          <p:cNvPicPr>
-            <a:picLocks noChangeAspect="1" noChangeArrowheads="1"/>
-          </p:cNvPicPr>
-          <p:nvPr/>
-        </p:nvPicPr>
-        <p:blipFill>
-          <a:blip r:embed="rId4">
-            <a:extLst>
-              <a:ext uri="{28A0092B-C50C-407E-A947-70E740481C1C}">
-                <a14:useLocalDpi xmlns:a14="http://schemas.microsoft.com/office/drawing/2010/main" val="0"/>
-              </a:ext>
-            </a:extLst>
-          </a:blip>
-          <a:srcRect/>
-          <a:stretch>
-            <a:fillRect/>
-          </a:stretch>
-        </p:blipFill>
-        <p:spPr bwMode="auto">
-          <a:xfrm>
-            <a:off x="6494982" y="4087355"/>
-            <a:ext cx="756000" cy="756000"/>
-          </a:xfrm>
-          <a:prstGeom prst="rect">
-            <a:avLst/>
-          </a:prstGeom>
-          <a:noFill/>
-          <a:extLst>
-            <a:ext uri="{909E8E84-426E-40DD-AFC4-6F175D3DCCD1}">
-              <a14:hiddenFill xmlns:a14="http://schemas.microsoft.com/office/drawing/2010/main">
-                <a:solidFill>
-                  <a:srgbClr val="FFFFFF"/>
-                </a:solidFill>
-              </a14:hiddenFill>
-            </a:ext>
-          </a:extLst>
-        </p:spPr>
-      </p:pic>
-      <p:grpSp>
-        <p:nvGrpSpPr>
-          <p:cNvPr id="61" name="群組 60">
-            <a:extLst>
-              <a:ext uri="{FF2B5EF4-FFF2-40B4-BE49-F238E27FC236}">
-                <a16:creationId xmlns:a16="http://schemas.microsoft.com/office/drawing/2014/main" id="{3A5690C9-A52C-438F-0DC1-14F17EC36F6C}"/>
-              </a:ext>
-            </a:extLst>
-          </p:cNvPr>
-          <p:cNvGrpSpPr/>
-          <p:nvPr/>
-        </p:nvGrpSpPr>
-        <p:grpSpPr>
-          <a:xfrm>
-            <a:off x="9813084" y="2983272"/>
-            <a:ext cx="1827532" cy="194040"/>
-            <a:chOff x="7928080" y="3702141"/>
-            <a:chExt cx="1827532" cy="194040"/>
-          </a:xfrm>
-        </p:grpSpPr>
-        <p:sp>
-          <p:nvSpPr>
-            <p:cNvPr id="27" name="矩形: 圓角 26">
-              <a:extLst>
-                <a:ext uri="{FF2B5EF4-FFF2-40B4-BE49-F238E27FC236}">
-                  <a16:creationId xmlns:a16="http://schemas.microsoft.com/office/drawing/2014/main" id="{64392C91-9C6C-424C-5922-2BDA1F72B069}"/>
-                </a:ext>
-              </a:extLst>
-            </p:cNvPr>
-            <p:cNvSpPr/>
-            <p:nvPr/>
-          </p:nvSpPr>
-          <p:spPr>
-            <a:xfrm>
-              <a:off x="8407897" y="3702141"/>
-              <a:ext cx="388080" cy="194040"/>
-            </a:xfrm>
-            <a:prstGeom prst="roundRect">
-              <a:avLst/>
-            </a:prstGeom>
-            <a:noFill/>
-            <a:ln w="6350">
-              <a:solidFill>
-                <a:schemeClr val="bg1">
-                  <a:lumMod val="50000"/>
-                </a:schemeClr>
-              </a:solidFill>
-            </a:ln>
-          </p:spPr>
-          <p:style>
-            <a:lnRef idx="2">
-              <a:schemeClr val="accent1">
-                <a:shade val="15000"/>
-              </a:schemeClr>
-            </a:lnRef>
-            <a:fillRef idx="1">
-              <a:schemeClr val="accent1"/>
-            </a:fillRef>
-            <a:effectRef idx="0">
-              <a:schemeClr val="accent1"/>
-            </a:effectRef>
-            <a:fontRef idx="minor">
-              <a:schemeClr val="lt1"/>
-            </a:fontRef>
-          </p:style>
-          <p:txBody>
-            <a:bodyPr wrap="none" rtlCol="0" anchor="ctr">
-              <a:noAutofit/>
-            </a:bodyPr>
-            <a:lstStyle/>
-            <a:p>
-              <a:pPr algn="ctr"/>
-              <a:r>
-                <a:rPr lang="zh-TW" altLang="en-US" sz="1100" dirty="0">
-                  <a:solidFill>
-                    <a:schemeClr val="tx1"/>
-                  </a:solidFill>
-                  <a:latin typeface="標楷體" panose="03000509000000000000" pitchFamily="65" charset="-120"/>
-                  <a:ea typeface="標楷體" panose="03000509000000000000" pitchFamily="65" charset="-120"/>
-                </a:rPr>
-                <a:t>圖片</a:t>
-              </a:r>
-            </a:p>
-          </p:txBody>
-        </p:sp>
-        <p:sp>
-          <p:nvSpPr>
-            <p:cNvPr id="28" name="矩形: 圓角 27">
-              <a:extLst>
-                <a:ext uri="{FF2B5EF4-FFF2-40B4-BE49-F238E27FC236}">
-                  <a16:creationId xmlns:a16="http://schemas.microsoft.com/office/drawing/2014/main" id="{EADE4943-68D5-818B-2663-6914473A66EB}"/>
-                </a:ext>
-              </a:extLst>
-            </p:cNvPr>
-            <p:cNvSpPr/>
-            <p:nvPr/>
-          </p:nvSpPr>
-          <p:spPr>
-            <a:xfrm>
-              <a:off x="7928080" y="3702141"/>
-              <a:ext cx="388080" cy="194040"/>
-            </a:xfrm>
-            <a:prstGeom prst="roundRect">
-              <a:avLst/>
-            </a:prstGeom>
-            <a:noFill/>
-            <a:ln w="6350">
-              <a:solidFill>
-                <a:schemeClr val="bg1">
-                  <a:lumMod val="50000"/>
-                </a:schemeClr>
-              </a:solidFill>
-            </a:ln>
-          </p:spPr>
-          <p:style>
-            <a:lnRef idx="2">
-              <a:schemeClr val="accent1">
-                <a:shade val="15000"/>
-              </a:schemeClr>
-            </a:lnRef>
-            <a:fillRef idx="1">
-              <a:schemeClr val="accent1"/>
-            </a:fillRef>
-            <a:effectRef idx="0">
-              <a:schemeClr val="accent1"/>
-            </a:effectRef>
-            <a:fontRef idx="minor">
-              <a:schemeClr val="lt1"/>
-            </a:fontRef>
-          </p:style>
-          <p:txBody>
-            <a:bodyPr wrap="none" rtlCol="0" anchor="ctr">
-              <a:noAutofit/>
-            </a:bodyPr>
-            <a:lstStyle/>
-            <a:p>
-              <a:pPr algn="ctr"/>
-              <a:r>
-                <a:rPr lang="zh-TW" altLang="en-US" sz="1100" dirty="0">
-                  <a:solidFill>
-                    <a:schemeClr val="tx1"/>
-                  </a:solidFill>
-                  <a:latin typeface="標楷體" panose="03000509000000000000" pitchFamily="65" charset="-120"/>
-                  <a:ea typeface="標楷體" panose="03000509000000000000" pitchFamily="65" charset="-120"/>
-                </a:rPr>
-                <a:t>文字</a:t>
-              </a:r>
-            </a:p>
-          </p:txBody>
-        </p:sp>
-        <p:sp>
-          <p:nvSpPr>
-            <p:cNvPr id="29" name="矩形: 圓角 28">
-              <a:extLst>
-                <a:ext uri="{FF2B5EF4-FFF2-40B4-BE49-F238E27FC236}">
-                  <a16:creationId xmlns:a16="http://schemas.microsoft.com/office/drawing/2014/main" id="{63444223-F19C-2F33-6826-CA29133E388B}"/>
-                </a:ext>
-              </a:extLst>
-            </p:cNvPr>
-            <p:cNvSpPr/>
-            <p:nvPr/>
-          </p:nvSpPr>
-          <p:spPr>
-            <a:xfrm>
-              <a:off x="8887714" y="3702141"/>
-              <a:ext cx="388080" cy="194040"/>
-            </a:xfrm>
-            <a:prstGeom prst="roundRect">
-              <a:avLst/>
-            </a:prstGeom>
-            <a:noFill/>
-            <a:ln w="6350">
-              <a:solidFill>
-                <a:schemeClr val="bg1">
-                  <a:lumMod val="50000"/>
-                </a:schemeClr>
-              </a:solidFill>
-            </a:ln>
-          </p:spPr>
-          <p:style>
-            <a:lnRef idx="2">
-              <a:schemeClr val="accent1">
-                <a:shade val="15000"/>
-              </a:schemeClr>
-            </a:lnRef>
-            <a:fillRef idx="1">
-              <a:schemeClr val="accent1"/>
-            </a:fillRef>
-            <a:effectRef idx="0">
-              <a:schemeClr val="accent1"/>
-            </a:effectRef>
-            <a:fontRef idx="minor">
-              <a:schemeClr val="lt1"/>
-            </a:fontRef>
-          </p:style>
-          <p:txBody>
-            <a:bodyPr wrap="none" rtlCol="0" anchor="ctr">
-              <a:noAutofit/>
-            </a:bodyPr>
-            <a:lstStyle/>
-            <a:p>
-              <a:pPr algn="ctr"/>
-              <a:r>
-                <a:rPr lang="zh-TW" altLang="en-US" sz="1100" dirty="0">
-                  <a:solidFill>
-                    <a:schemeClr val="tx1"/>
-                  </a:solidFill>
-                  <a:latin typeface="標楷體" panose="03000509000000000000" pitchFamily="65" charset="-120"/>
-                  <a:ea typeface="標楷體" panose="03000509000000000000" pitchFamily="65" charset="-120"/>
-                </a:rPr>
-                <a:t>音檔</a:t>
-              </a:r>
-            </a:p>
-          </p:txBody>
-        </p:sp>
-        <p:sp>
-          <p:nvSpPr>
-            <p:cNvPr id="30" name="矩形: 圓角 29">
-              <a:extLst>
-                <a:ext uri="{FF2B5EF4-FFF2-40B4-BE49-F238E27FC236}">
-                  <a16:creationId xmlns:a16="http://schemas.microsoft.com/office/drawing/2014/main" id="{A70E9B0D-2C6E-0D03-FC8F-99E27798F3A7}"/>
-                </a:ext>
-              </a:extLst>
-            </p:cNvPr>
-            <p:cNvSpPr/>
-            <p:nvPr/>
-          </p:nvSpPr>
-          <p:spPr>
-            <a:xfrm>
-              <a:off x="9367532" y="3702141"/>
-              <a:ext cx="388080" cy="194040"/>
-            </a:xfrm>
-            <a:prstGeom prst="roundRect">
-              <a:avLst/>
-            </a:prstGeom>
-            <a:noFill/>
-            <a:ln w="6350">
-              <a:solidFill>
-                <a:schemeClr val="bg1">
-                  <a:lumMod val="50000"/>
-                </a:schemeClr>
-              </a:solidFill>
-            </a:ln>
-          </p:spPr>
-          <p:style>
-            <a:lnRef idx="2">
-              <a:schemeClr val="accent1">
-                <a:shade val="15000"/>
-              </a:schemeClr>
-            </a:lnRef>
-            <a:fillRef idx="1">
-              <a:schemeClr val="accent1"/>
-            </a:fillRef>
-            <a:effectRef idx="0">
-              <a:schemeClr val="accent1"/>
-            </a:effectRef>
-            <a:fontRef idx="minor">
-              <a:schemeClr val="lt1"/>
-            </a:fontRef>
-          </p:style>
-          <p:txBody>
-            <a:bodyPr wrap="none" rtlCol="0" anchor="ctr">
-              <a:noAutofit/>
-            </a:bodyPr>
-            <a:lstStyle/>
-            <a:p>
-              <a:pPr algn="ctr"/>
-              <a:r>
-                <a:rPr lang="zh-TW" altLang="en-US" sz="1100" dirty="0">
-                  <a:solidFill>
-                    <a:schemeClr val="tx1"/>
-                  </a:solidFill>
-                  <a:latin typeface="標楷體" panose="03000509000000000000" pitchFamily="65" charset="-120"/>
-                  <a:ea typeface="標楷體" panose="03000509000000000000" pitchFamily="65" charset="-120"/>
-                </a:rPr>
-                <a:t>影片</a:t>
-              </a:r>
-            </a:p>
-          </p:txBody>
-        </p:sp>
-      </p:grpSp>
-      <p:grpSp>
-        <p:nvGrpSpPr>
-          <p:cNvPr id="62" name="群組 61">
-            <a:extLst>
-              <a:ext uri="{FF2B5EF4-FFF2-40B4-BE49-F238E27FC236}">
-                <a16:creationId xmlns:a16="http://schemas.microsoft.com/office/drawing/2014/main" id="{6DEB2A51-0D30-4C15-9D4D-424B9F6E01D3}"/>
-              </a:ext>
-            </a:extLst>
-          </p:cNvPr>
-          <p:cNvGrpSpPr/>
-          <p:nvPr/>
-        </p:nvGrpSpPr>
-        <p:grpSpPr>
-          <a:xfrm>
-            <a:off x="9960893" y="3880625"/>
-            <a:ext cx="1679723" cy="194040"/>
-            <a:chOff x="9967004" y="4131063"/>
-            <a:chExt cx="1679723" cy="194040"/>
-          </a:xfrm>
-        </p:grpSpPr>
-        <p:sp>
-          <p:nvSpPr>
-            <p:cNvPr id="31" name="矩形: 圓角 30">
-              <a:extLst>
-                <a:ext uri="{FF2B5EF4-FFF2-40B4-BE49-F238E27FC236}">
-                  <a16:creationId xmlns:a16="http://schemas.microsoft.com/office/drawing/2014/main" id="{7AC5C363-6300-25A7-433D-5C7B23D93BF6}"/>
-                </a:ext>
-              </a:extLst>
-            </p:cNvPr>
-            <p:cNvSpPr/>
-            <p:nvPr/>
-          </p:nvSpPr>
-          <p:spPr>
-            <a:xfrm>
-              <a:off x="10416480" y="4131063"/>
-              <a:ext cx="540389" cy="194040"/>
-            </a:xfrm>
-            <a:prstGeom prst="roundRect">
-              <a:avLst/>
-            </a:prstGeom>
-            <a:noFill/>
-            <a:ln w="6350">
-              <a:solidFill>
-                <a:schemeClr val="tx1">
-                  <a:lumMod val="50000"/>
-                  <a:lumOff val="50000"/>
-                </a:schemeClr>
-              </a:solidFill>
-            </a:ln>
-          </p:spPr>
-          <p:style>
-            <a:lnRef idx="2">
-              <a:schemeClr val="accent1">
-                <a:shade val="15000"/>
-              </a:schemeClr>
-            </a:lnRef>
-            <a:fillRef idx="1">
-              <a:schemeClr val="accent1"/>
-            </a:fillRef>
-            <a:effectRef idx="0">
-              <a:schemeClr val="accent1"/>
-            </a:effectRef>
-            <a:fontRef idx="minor">
-              <a:schemeClr val="lt1"/>
-            </a:fontRef>
-          </p:style>
-          <p:txBody>
-            <a:bodyPr wrap="none" rtlCol="0" anchor="ctr">
-              <a:noAutofit/>
-            </a:bodyPr>
-            <a:lstStyle/>
-            <a:p>
-              <a:pPr algn="ctr"/>
-              <a:r>
-                <a:rPr lang="en-US" altLang="zh-TW" sz="1100" dirty="0">
-                  <a:solidFill>
-                    <a:schemeClr val="tx1"/>
-                  </a:solidFill>
-                  <a:latin typeface="標楷體" panose="03000509000000000000" pitchFamily="65" charset="-120"/>
-                  <a:ea typeface="標楷體" panose="03000509000000000000" pitchFamily="65" charset="-120"/>
-                </a:rPr>
-                <a:t>python</a:t>
-              </a:r>
-              <a:endParaRPr lang="zh-TW" altLang="en-US" sz="1100" dirty="0">
-                <a:solidFill>
-                  <a:schemeClr val="tx1"/>
-                </a:solidFill>
-                <a:latin typeface="標楷體" panose="03000509000000000000" pitchFamily="65" charset="-120"/>
-                <a:ea typeface="標楷體" panose="03000509000000000000" pitchFamily="65" charset="-120"/>
-              </a:endParaRPr>
-            </a:p>
-          </p:txBody>
-        </p:sp>
-        <p:sp>
-          <p:nvSpPr>
-            <p:cNvPr id="32" name="矩形: 圓角 31">
-              <a:extLst>
-                <a:ext uri="{FF2B5EF4-FFF2-40B4-BE49-F238E27FC236}">
-                  <a16:creationId xmlns:a16="http://schemas.microsoft.com/office/drawing/2014/main" id="{BD910F0C-592E-5F48-4B97-B4AD920DF956}"/>
-                </a:ext>
-              </a:extLst>
-            </p:cNvPr>
-            <p:cNvSpPr/>
-            <p:nvPr/>
-          </p:nvSpPr>
-          <p:spPr>
-            <a:xfrm>
-              <a:off x="9967004" y="4131063"/>
-              <a:ext cx="388080" cy="194040"/>
-            </a:xfrm>
-            <a:prstGeom prst="roundRect">
-              <a:avLst/>
-            </a:prstGeom>
-            <a:noFill/>
-            <a:ln w="6350">
-              <a:solidFill>
-                <a:schemeClr val="tx1">
-                  <a:lumMod val="50000"/>
-                  <a:lumOff val="50000"/>
-                </a:schemeClr>
-              </a:solidFill>
-            </a:ln>
-          </p:spPr>
-          <p:style>
-            <a:lnRef idx="2">
-              <a:schemeClr val="accent1">
-                <a:shade val="15000"/>
-              </a:schemeClr>
-            </a:lnRef>
-            <a:fillRef idx="1">
-              <a:schemeClr val="accent1"/>
-            </a:fillRef>
-            <a:effectRef idx="0">
-              <a:schemeClr val="accent1"/>
-            </a:effectRef>
-            <a:fontRef idx="minor">
-              <a:schemeClr val="lt1"/>
-            </a:fontRef>
-          </p:style>
-          <p:txBody>
-            <a:bodyPr wrap="none" rtlCol="0" anchor="ctr">
-              <a:noAutofit/>
-            </a:bodyPr>
-            <a:lstStyle/>
-            <a:p>
-              <a:pPr algn="ctr"/>
-              <a:r>
-                <a:rPr lang="en-US" altLang="zh-TW" sz="1100" dirty="0">
-                  <a:solidFill>
-                    <a:schemeClr val="tx1"/>
-                  </a:solidFill>
-                  <a:latin typeface="標楷體" panose="03000509000000000000" pitchFamily="65" charset="-120"/>
-                  <a:ea typeface="標楷體" panose="03000509000000000000" pitchFamily="65" charset="-120"/>
-                </a:rPr>
-                <a:t>SQL</a:t>
-              </a:r>
-              <a:endParaRPr lang="zh-TW" altLang="en-US" sz="1100" dirty="0">
-                <a:solidFill>
-                  <a:schemeClr val="tx1"/>
-                </a:solidFill>
-                <a:latin typeface="標楷體" panose="03000509000000000000" pitchFamily="65" charset="-120"/>
-                <a:ea typeface="標楷體" panose="03000509000000000000" pitchFamily="65" charset="-120"/>
-              </a:endParaRPr>
-            </a:p>
-          </p:txBody>
-        </p:sp>
-        <p:sp>
-          <p:nvSpPr>
-            <p:cNvPr id="36" name="矩形: 圓角 35">
-              <a:extLst>
-                <a:ext uri="{FF2B5EF4-FFF2-40B4-BE49-F238E27FC236}">
-                  <a16:creationId xmlns:a16="http://schemas.microsoft.com/office/drawing/2014/main" id="{D4006BEE-2D83-CB34-488D-FEF3EF29BB37}"/>
-                </a:ext>
-              </a:extLst>
-            </p:cNvPr>
-            <p:cNvSpPr/>
-            <p:nvPr/>
-          </p:nvSpPr>
-          <p:spPr>
-            <a:xfrm>
-              <a:off x="11033785" y="4131063"/>
-              <a:ext cx="612942" cy="194040"/>
-            </a:xfrm>
-            <a:prstGeom prst="roundRect">
-              <a:avLst/>
-            </a:prstGeom>
-            <a:noFill/>
-            <a:ln w="6350">
-              <a:solidFill>
-                <a:schemeClr val="tx1">
-                  <a:lumMod val="50000"/>
-                  <a:lumOff val="50000"/>
-                </a:schemeClr>
-              </a:solidFill>
-            </a:ln>
-          </p:spPr>
-          <p:style>
-            <a:lnRef idx="2">
-              <a:schemeClr val="accent1">
-                <a:shade val="15000"/>
-              </a:schemeClr>
-            </a:lnRef>
-            <a:fillRef idx="1">
-              <a:schemeClr val="accent1"/>
-            </a:fillRef>
-            <a:effectRef idx="0">
-              <a:schemeClr val="accent1"/>
-            </a:effectRef>
-            <a:fontRef idx="minor">
-              <a:schemeClr val="lt1"/>
-            </a:fontRef>
-          </p:style>
-          <p:txBody>
-            <a:bodyPr wrap="none" rtlCol="0" anchor="ctr">
-              <a:noAutofit/>
-            </a:bodyPr>
-            <a:lstStyle/>
-            <a:p>
-              <a:pPr algn="ctr"/>
-              <a:r>
-                <a:rPr lang="zh-TW" altLang="en-US" sz="1100" dirty="0">
-                  <a:solidFill>
-                    <a:schemeClr val="tx1"/>
-                  </a:solidFill>
-                  <a:latin typeface="標楷體" panose="03000509000000000000" pitchFamily="65" charset="-120"/>
-                  <a:ea typeface="標楷體" panose="03000509000000000000" pitchFamily="65" charset="-120"/>
-                </a:rPr>
-                <a:t>網路爬蟲</a:t>
-              </a:r>
-            </a:p>
-          </p:txBody>
-        </p:sp>
-      </p:grpSp>
-      <p:sp>
-        <p:nvSpPr>
-          <p:cNvPr id="37" name="矩形: 圓角 36">
-            <a:extLst>
-              <a:ext uri="{FF2B5EF4-FFF2-40B4-BE49-F238E27FC236}">
-                <a16:creationId xmlns:a16="http://schemas.microsoft.com/office/drawing/2014/main" id="{35F3E641-A14D-B17F-22B5-D96DDB11256B}"/>
-              </a:ext>
-            </a:extLst>
-          </p:cNvPr>
-          <p:cNvSpPr/>
-          <p:nvPr/>
-        </p:nvSpPr>
-        <p:spPr>
-          <a:xfrm>
-            <a:off x="9810272" y="4759891"/>
-            <a:ext cx="628674" cy="194040"/>
-          </a:xfrm>
-          <a:prstGeom prst="roundRect">
-            <a:avLst/>
-          </a:prstGeom>
-          <a:noFill/>
-          <a:ln w="6350">
-            <a:solidFill>
-              <a:schemeClr val="tx1">
-                <a:lumMod val="50000"/>
-                <a:lumOff val="50000"/>
-              </a:schemeClr>
-            </a:solidFill>
-          </a:ln>
-        </p:spPr>
-        <p:style>
-          <a:lnRef idx="2">
-            <a:schemeClr val="accent1">
-              <a:shade val="15000"/>
-            </a:schemeClr>
-          </a:lnRef>
-          <a:fillRef idx="1">
-            <a:schemeClr val="accent1"/>
-          </a:fillRef>
-          <a:effectRef idx="0">
-            <a:schemeClr val="accent1"/>
-          </a:effectRef>
-          <a:fontRef idx="minor">
-            <a:schemeClr val="lt1"/>
-          </a:fontRef>
-        </p:style>
-        <p:txBody>
-          <a:bodyPr wrap="none" rtlCol="0" anchor="ctr">
-            <a:noAutofit/>
-          </a:bodyPr>
-          <a:lstStyle/>
-          <a:p>
-            <a:pPr algn="ctr"/>
-            <a:r>
-              <a:rPr lang="zh-TW" altLang="en-US" sz="1100" dirty="0">
-                <a:solidFill>
-                  <a:schemeClr val="tx1"/>
-                </a:solidFill>
-                <a:latin typeface="標楷體" panose="03000509000000000000" pitchFamily="65" charset="-120"/>
-                <a:ea typeface="標楷體" panose="03000509000000000000" pitchFamily="65" charset="-120"/>
-              </a:rPr>
-              <a:t>文本生成</a:t>
-            </a:r>
-          </a:p>
-        </p:txBody>
-      </p:sp>
-      <p:grpSp>
-        <p:nvGrpSpPr>
-          <p:cNvPr id="51" name="群組 50">
-            <a:extLst>
-              <a:ext uri="{FF2B5EF4-FFF2-40B4-BE49-F238E27FC236}">
-                <a16:creationId xmlns:a16="http://schemas.microsoft.com/office/drawing/2014/main" id="{71D23FC0-2367-5C49-2B2E-D7664803D94A}"/>
-              </a:ext>
-            </a:extLst>
-          </p:cNvPr>
-          <p:cNvGrpSpPr/>
-          <p:nvPr/>
-        </p:nvGrpSpPr>
-        <p:grpSpPr>
-          <a:xfrm>
-            <a:off x="9462948" y="5574074"/>
-            <a:ext cx="2177668" cy="194040"/>
-            <a:chOff x="8383305" y="6418993"/>
-            <a:chExt cx="2177668" cy="194040"/>
-          </a:xfrm>
-        </p:grpSpPr>
-        <p:sp>
-          <p:nvSpPr>
-            <p:cNvPr id="38" name="矩形: 圓角 37">
-              <a:extLst>
-                <a:ext uri="{FF2B5EF4-FFF2-40B4-BE49-F238E27FC236}">
-                  <a16:creationId xmlns:a16="http://schemas.microsoft.com/office/drawing/2014/main" id="{CD2FE346-3CA9-234D-8027-F57F89A038F3}"/>
-                </a:ext>
-              </a:extLst>
-            </p:cNvPr>
-            <p:cNvSpPr/>
-            <p:nvPr/>
-          </p:nvSpPr>
-          <p:spPr>
-            <a:xfrm>
-              <a:off x="8383305" y="6418993"/>
-              <a:ext cx="405209" cy="194040"/>
-            </a:xfrm>
-            <a:prstGeom prst="roundRect">
-              <a:avLst/>
-            </a:prstGeom>
-            <a:noFill/>
-            <a:ln w="6350">
-              <a:solidFill>
-                <a:schemeClr val="tx1">
-                  <a:lumMod val="50000"/>
-                  <a:lumOff val="50000"/>
-                </a:schemeClr>
-              </a:solidFill>
-            </a:ln>
-          </p:spPr>
-          <p:style>
-            <a:lnRef idx="2">
-              <a:schemeClr val="accent1">
-                <a:shade val="15000"/>
-              </a:schemeClr>
-            </a:lnRef>
-            <a:fillRef idx="1">
-              <a:schemeClr val="accent1"/>
-            </a:fillRef>
-            <a:effectRef idx="0">
-              <a:schemeClr val="accent1"/>
-            </a:effectRef>
-            <a:fontRef idx="minor">
-              <a:schemeClr val="lt1"/>
-            </a:fontRef>
-          </p:style>
-          <p:txBody>
-            <a:bodyPr wrap="none" rtlCol="0" anchor="ctr">
-              <a:noAutofit/>
-            </a:bodyPr>
-            <a:lstStyle/>
-            <a:p>
-              <a:pPr algn="ctr"/>
-              <a:r>
-                <a:rPr lang="en-US" altLang="zh-TW" sz="1100" dirty="0">
-                  <a:solidFill>
-                    <a:schemeClr val="tx1"/>
-                  </a:solidFill>
-                  <a:latin typeface="標楷體" panose="03000509000000000000" pitchFamily="65" charset="-120"/>
-                  <a:ea typeface="標楷體" panose="03000509000000000000" pitchFamily="65" charset="-120"/>
-                </a:rPr>
-                <a:t>Mail</a:t>
-              </a:r>
-              <a:endParaRPr lang="zh-TW" altLang="en-US" sz="1100" dirty="0">
-                <a:solidFill>
-                  <a:schemeClr val="tx1"/>
-                </a:solidFill>
-                <a:latin typeface="標楷體" panose="03000509000000000000" pitchFamily="65" charset="-120"/>
-                <a:ea typeface="標楷體" panose="03000509000000000000" pitchFamily="65" charset="-120"/>
-              </a:endParaRPr>
-            </a:p>
-          </p:txBody>
-        </p:sp>
-        <p:sp>
-          <p:nvSpPr>
-            <p:cNvPr id="40" name="矩形: 圓角 39">
-              <a:extLst>
-                <a:ext uri="{FF2B5EF4-FFF2-40B4-BE49-F238E27FC236}">
-                  <a16:creationId xmlns:a16="http://schemas.microsoft.com/office/drawing/2014/main" id="{3425FD06-133E-BAAD-E3E1-B1C886A7E4A7}"/>
-                </a:ext>
-              </a:extLst>
-            </p:cNvPr>
-            <p:cNvSpPr/>
-            <p:nvPr/>
-          </p:nvSpPr>
-          <p:spPr>
-            <a:xfrm>
-              <a:off x="8870903" y="6418993"/>
-              <a:ext cx="494640" cy="194040"/>
-            </a:xfrm>
-            <a:prstGeom prst="roundRect">
-              <a:avLst/>
-            </a:prstGeom>
-            <a:noFill/>
-            <a:ln w="6350">
-              <a:solidFill>
-                <a:schemeClr val="tx1">
-                  <a:lumMod val="50000"/>
-                  <a:lumOff val="50000"/>
-                </a:schemeClr>
-              </a:solidFill>
-            </a:ln>
-          </p:spPr>
-          <p:style>
-            <a:lnRef idx="2">
-              <a:schemeClr val="accent1">
-                <a:shade val="15000"/>
-              </a:schemeClr>
-            </a:lnRef>
-            <a:fillRef idx="1">
-              <a:schemeClr val="accent1"/>
-            </a:fillRef>
-            <a:effectRef idx="0">
-              <a:schemeClr val="accent1"/>
-            </a:effectRef>
-            <a:fontRef idx="minor">
-              <a:schemeClr val="lt1"/>
-            </a:fontRef>
-          </p:style>
-          <p:txBody>
-            <a:bodyPr wrap="none" rtlCol="0" anchor="ctr">
-              <a:noAutofit/>
-            </a:bodyPr>
-            <a:lstStyle/>
-            <a:p>
-              <a:pPr algn="ctr"/>
-              <a:r>
-                <a:rPr lang="en-US" altLang="zh-TW" sz="1100" dirty="0">
-                  <a:solidFill>
-                    <a:schemeClr val="tx1"/>
-                  </a:solidFill>
-                  <a:latin typeface="標楷體" panose="03000509000000000000" pitchFamily="65" charset="-120"/>
-                  <a:ea typeface="標楷體" panose="03000509000000000000" pitchFamily="65" charset="-120"/>
-                </a:rPr>
-                <a:t>Teams</a:t>
-              </a:r>
-              <a:endParaRPr lang="zh-TW" altLang="en-US" sz="1100" dirty="0">
-                <a:solidFill>
-                  <a:schemeClr val="tx1"/>
-                </a:solidFill>
-                <a:latin typeface="標楷體" panose="03000509000000000000" pitchFamily="65" charset="-120"/>
-                <a:ea typeface="標楷體" panose="03000509000000000000" pitchFamily="65" charset="-120"/>
-              </a:endParaRPr>
-            </a:p>
-          </p:txBody>
-        </p:sp>
-        <p:sp>
-          <p:nvSpPr>
-            <p:cNvPr id="42" name="矩形: 圓角 41">
-              <a:extLst>
-                <a:ext uri="{FF2B5EF4-FFF2-40B4-BE49-F238E27FC236}">
-                  <a16:creationId xmlns:a16="http://schemas.microsoft.com/office/drawing/2014/main" id="{4A52EEA2-C8A7-D901-1BF2-F58C770B09E8}"/>
-                </a:ext>
-              </a:extLst>
-            </p:cNvPr>
-            <p:cNvSpPr/>
-            <p:nvPr/>
-          </p:nvSpPr>
-          <p:spPr>
-            <a:xfrm>
-              <a:off x="9447932" y="6418993"/>
-              <a:ext cx="376902" cy="194040"/>
-            </a:xfrm>
-            <a:prstGeom prst="roundRect">
-              <a:avLst/>
-            </a:prstGeom>
-            <a:noFill/>
-            <a:ln w="6350">
-              <a:solidFill>
-                <a:schemeClr val="tx1">
-                  <a:lumMod val="50000"/>
-                  <a:lumOff val="50000"/>
-                </a:schemeClr>
-              </a:solidFill>
-            </a:ln>
-          </p:spPr>
-          <p:style>
-            <a:lnRef idx="2">
-              <a:schemeClr val="accent1">
-                <a:shade val="15000"/>
-              </a:schemeClr>
-            </a:lnRef>
-            <a:fillRef idx="1">
-              <a:schemeClr val="accent1"/>
-            </a:fillRef>
-            <a:effectRef idx="0">
-              <a:schemeClr val="accent1"/>
-            </a:effectRef>
-            <a:fontRef idx="minor">
-              <a:schemeClr val="lt1"/>
-            </a:fontRef>
-          </p:style>
-          <p:txBody>
-            <a:bodyPr wrap="none" rtlCol="0" anchor="ctr">
-              <a:noAutofit/>
-            </a:bodyPr>
-            <a:lstStyle/>
-            <a:p>
-              <a:pPr algn="ctr"/>
-              <a:r>
-                <a:rPr lang="en-US" altLang="zh-TW" sz="1100" dirty="0">
-                  <a:solidFill>
-                    <a:schemeClr val="tx1"/>
-                  </a:solidFill>
-                  <a:latin typeface="標楷體" panose="03000509000000000000" pitchFamily="65" charset="-120"/>
-                  <a:ea typeface="標楷體" panose="03000509000000000000" pitchFamily="65" charset="-120"/>
-                </a:rPr>
-                <a:t>Line</a:t>
-              </a:r>
-              <a:endParaRPr lang="zh-TW" altLang="en-US" sz="1100" dirty="0">
-                <a:solidFill>
-                  <a:schemeClr val="tx1"/>
-                </a:solidFill>
-                <a:latin typeface="標楷體" panose="03000509000000000000" pitchFamily="65" charset="-120"/>
-                <a:ea typeface="標楷體" panose="03000509000000000000" pitchFamily="65" charset="-120"/>
-              </a:endParaRPr>
-            </a:p>
-          </p:txBody>
-        </p:sp>
-        <p:sp>
-          <p:nvSpPr>
-            <p:cNvPr id="43" name="矩形: 圓角 42">
-              <a:extLst>
-                <a:ext uri="{FF2B5EF4-FFF2-40B4-BE49-F238E27FC236}">
-                  <a16:creationId xmlns:a16="http://schemas.microsoft.com/office/drawing/2014/main" id="{F3F63792-7483-FE8F-9E3F-D646461C8AB7}"/>
-                </a:ext>
-              </a:extLst>
-            </p:cNvPr>
-            <p:cNvSpPr/>
-            <p:nvPr/>
-          </p:nvSpPr>
-          <p:spPr>
-            <a:xfrm>
-              <a:off x="9907223" y="6418993"/>
-              <a:ext cx="653750" cy="194040"/>
-            </a:xfrm>
-            <a:prstGeom prst="roundRect">
-              <a:avLst/>
-            </a:prstGeom>
-            <a:noFill/>
-            <a:ln w="6350">
-              <a:solidFill>
-                <a:schemeClr val="tx1">
-                  <a:lumMod val="50000"/>
-                  <a:lumOff val="50000"/>
-                </a:schemeClr>
-              </a:solidFill>
-            </a:ln>
-          </p:spPr>
-          <p:style>
-            <a:lnRef idx="2">
-              <a:schemeClr val="accent1">
-                <a:shade val="15000"/>
-              </a:schemeClr>
-            </a:lnRef>
-            <a:fillRef idx="1">
-              <a:schemeClr val="accent1"/>
-            </a:fillRef>
-            <a:effectRef idx="0">
-              <a:schemeClr val="accent1"/>
-            </a:effectRef>
-            <a:fontRef idx="minor">
-              <a:schemeClr val="lt1"/>
-            </a:fontRef>
-          </p:style>
-          <p:txBody>
-            <a:bodyPr wrap="none" rtlCol="0" anchor="ctr">
-              <a:noAutofit/>
-            </a:bodyPr>
-            <a:lstStyle/>
-            <a:p>
-              <a:pPr algn="ctr"/>
-              <a:r>
-                <a:rPr lang="en-US" altLang="zh-TW" sz="1100" dirty="0">
-                  <a:solidFill>
-                    <a:schemeClr val="tx1"/>
-                  </a:solidFill>
-                  <a:latin typeface="標楷體" panose="03000509000000000000" pitchFamily="65" charset="-120"/>
-                  <a:ea typeface="標楷體" panose="03000509000000000000" pitchFamily="65" charset="-120"/>
-                </a:rPr>
-                <a:t>Telegram</a:t>
-              </a:r>
-              <a:endParaRPr lang="zh-TW" altLang="en-US" sz="1100" dirty="0">
-                <a:solidFill>
-                  <a:schemeClr val="tx1"/>
-                </a:solidFill>
-                <a:latin typeface="標楷體" panose="03000509000000000000" pitchFamily="65" charset="-120"/>
-                <a:ea typeface="標楷體" panose="03000509000000000000" pitchFamily="65" charset="-120"/>
-              </a:endParaRPr>
-            </a:p>
-          </p:txBody>
-        </p:sp>
-      </p:grpSp>
-      <p:sp>
-        <p:nvSpPr>
-          <p:cNvPr id="16" name="文字方塊 15">
-            <a:extLst>
-              <a:ext uri="{FF2B5EF4-FFF2-40B4-BE49-F238E27FC236}">
-                <a16:creationId xmlns:a16="http://schemas.microsoft.com/office/drawing/2014/main" id="{44912CB8-C54E-90ED-7B1D-16760E297DE0}"/>
-              </a:ext>
-            </a:extLst>
-          </p:cNvPr>
-          <p:cNvSpPr txBox="1"/>
-          <p:nvPr/>
-        </p:nvSpPr>
-        <p:spPr>
-          <a:xfrm>
-            <a:off x="6227159" y="4827229"/>
-            <a:ext cx="1303883" cy="461665"/>
-          </a:xfrm>
-          <a:prstGeom prst="rect">
-            <a:avLst/>
-          </a:prstGeom>
-          <a:noFill/>
-        </p:spPr>
-        <p:txBody>
-          <a:bodyPr wrap="none" rtlCol="0">
-            <a:spAutoFit/>
-          </a:bodyPr>
-          <a:lstStyle/>
-          <a:p>
-            <a:pPr algn="ctr"/>
-            <a:r>
-              <a:rPr lang="en-US" altLang="zh-TW" sz="1200" b="1" dirty="0">
-                <a:latin typeface="標楷體" panose="03000509000000000000" pitchFamily="65" charset="-120"/>
-                <a:ea typeface="標楷體" panose="03000509000000000000" pitchFamily="65" charset="-120"/>
-              </a:rPr>
-              <a:t>AI</a:t>
-            </a:r>
-            <a:r>
-              <a:rPr lang="zh-TW" altLang="en-US" sz="1200" b="1" dirty="0">
-                <a:latin typeface="標楷體" panose="03000509000000000000" pitchFamily="65" charset="-120"/>
-                <a:ea typeface="標楷體" panose="03000509000000000000" pitchFamily="65" charset="-120"/>
-              </a:rPr>
-              <a:t> </a:t>
-            </a:r>
-            <a:r>
-              <a:rPr lang="en-US" altLang="zh-TW" sz="1200" b="1" dirty="0">
-                <a:latin typeface="標楷體" panose="03000509000000000000" pitchFamily="65" charset="-120"/>
-                <a:ea typeface="標楷體" panose="03000509000000000000" pitchFamily="65" charset="-120"/>
-              </a:rPr>
-              <a:t>Agent</a:t>
-            </a:r>
-          </a:p>
-          <a:p>
-            <a:pPr algn="ctr"/>
-            <a:r>
-              <a:rPr lang="en-US" altLang="zh-TW" sz="1200" b="1" dirty="0">
-                <a:latin typeface="標楷體" panose="03000509000000000000" pitchFamily="65" charset="-120"/>
-                <a:ea typeface="標楷體" panose="03000509000000000000" pitchFamily="65" charset="-120"/>
-              </a:rPr>
-              <a:t>(Master Agent)</a:t>
-            </a:r>
-            <a:endParaRPr lang="zh-TW" altLang="en-US" sz="1200" b="1" dirty="0">
-              <a:latin typeface="標楷體" panose="03000509000000000000" pitchFamily="65" charset="-120"/>
-              <a:ea typeface="標楷體" panose="03000509000000000000" pitchFamily="65" charset="-120"/>
-            </a:endParaRPr>
-          </a:p>
-        </p:txBody>
-      </p:sp>
-      <p:sp>
-        <p:nvSpPr>
-          <p:cNvPr id="46" name="文字方塊 45">
-            <a:extLst>
-              <a:ext uri="{FF2B5EF4-FFF2-40B4-BE49-F238E27FC236}">
-                <a16:creationId xmlns:a16="http://schemas.microsoft.com/office/drawing/2014/main" id="{06754FAE-4BB4-8AE0-5EE3-DD7BEA77A299}"/>
-              </a:ext>
-            </a:extLst>
-          </p:cNvPr>
-          <p:cNvSpPr txBox="1"/>
-          <p:nvPr/>
-        </p:nvSpPr>
-        <p:spPr>
-          <a:xfrm>
-            <a:off x="6135619" y="1700808"/>
-            <a:ext cx="5210745" cy="461665"/>
-          </a:xfrm>
-          <a:prstGeom prst="rect">
-            <a:avLst/>
-          </a:prstGeom>
-          <a:noFill/>
-        </p:spPr>
-        <p:txBody>
-          <a:bodyPr wrap="square" rtlCol="0">
-            <a:spAutoFit/>
-          </a:bodyPr>
-          <a:lstStyle/>
-          <a:p>
-            <a:pPr marL="342900" indent="-342900">
-              <a:buAutoNum type="arabicPeriod"/>
-            </a:pPr>
-            <a:r>
-              <a:rPr lang="zh-TW" altLang="en-US" sz="1200" b="1" dirty="0">
-                <a:solidFill>
-                  <a:schemeClr val="tx1"/>
-                </a:solidFill>
-                <a:latin typeface="標楷體" panose="03000509000000000000" pitchFamily="65" charset="-120"/>
-                <a:ea typeface="標楷體" panose="03000509000000000000" pitchFamily="65" charset="-120"/>
-              </a:rPr>
-              <a:t>相同功能的</a:t>
-            </a:r>
-            <a:r>
-              <a:rPr lang="en-US" altLang="zh-TW" sz="1200" b="1" dirty="0">
-                <a:solidFill>
-                  <a:schemeClr val="tx1"/>
-                </a:solidFill>
-                <a:latin typeface="標楷體" panose="03000509000000000000" pitchFamily="65" charset="-120"/>
-                <a:ea typeface="標楷體" panose="03000509000000000000" pitchFamily="65" charset="-120"/>
-              </a:rPr>
-              <a:t>Agent</a:t>
-            </a:r>
-            <a:r>
-              <a:rPr lang="zh-TW" altLang="en-US" sz="1200" b="1" dirty="0">
-                <a:solidFill>
-                  <a:schemeClr val="tx1"/>
-                </a:solidFill>
-                <a:latin typeface="標楷體" panose="03000509000000000000" pitchFamily="65" charset="-120"/>
-                <a:ea typeface="標楷體" panose="03000509000000000000" pitchFamily="65" charset="-120"/>
-              </a:rPr>
-              <a:t>不需重複開發</a:t>
-            </a:r>
-            <a:endParaRPr lang="en-US" altLang="zh-TW" sz="1200" b="1" dirty="0">
-              <a:solidFill>
-                <a:schemeClr val="tx1"/>
-              </a:solidFill>
-              <a:latin typeface="標楷體" panose="03000509000000000000" pitchFamily="65" charset="-120"/>
-              <a:ea typeface="標楷體" panose="03000509000000000000" pitchFamily="65" charset="-120"/>
-            </a:endParaRPr>
-          </a:p>
-          <a:p>
-            <a:pPr marL="342900" indent="-342900">
-              <a:buAutoNum type="arabicPeriod"/>
-            </a:pPr>
-            <a:r>
-              <a:rPr lang="zh-TW" altLang="en-US" sz="1200" b="1" dirty="0">
-                <a:solidFill>
-                  <a:schemeClr val="tx1"/>
-                </a:solidFill>
-                <a:latin typeface="標楷體" panose="03000509000000000000" pitchFamily="65" charset="-120"/>
-                <a:ea typeface="標楷體" panose="03000509000000000000" pitchFamily="65" charset="-120"/>
-              </a:rPr>
-              <a:t>處理複雜指令，但尚未有相應的</a:t>
-            </a:r>
-            <a:r>
-              <a:rPr lang="en-US" altLang="zh-TW" sz="1200" b="1" dirty="0">
-                <a:solidFill>
-                  <a:schemeClr val="tx1"/>
-                </a:solidFill>
-                <a:latin typeface="標楷體" panose="03000509000000000000" pitchFamily="65" charset="-120"/>
-                <a:ea typeface="標楷體" panose="03000509000000000000" pitchFamily="65" charset="-120"/>
-              </a:rPr>
-              <a:t>Agent</a:t>
-            </a:r>
-            <a:r>
-              <a:rPr lang="zh-TW" altLang="en-US" sz="1200" b="1" dirty="0">
-                <a:solidFill>
-                  <a:schemeClr val="tx1"/>
-                </a:solidFill>
-                <a:latin typeface="標楷體" panose="03000509000000000000" pitchFamily="65" charset="-120"/>
-                <a:ea typeface="標楷體" panose="03000509000000000000" pitchFamily="65" charset="-120"/>
-              </a:rPr>
-              <a:t>，</a:t>
-            </a:r>
-            <a:r>
-              <a:rPr lang="en-US" altLang="zh-TW" sz="1200" b="1" dirty="0">
-                <a:solidFill>
-                  <a:schemeClr val="tx1"/>
-                </a:solidFill>
-                <a:latin typeface="標楷體" panose="03000509000000000000" pitchFamily="65" charset="-120"/>
-                <a:ea typeface="標楷體" panose="03000509000000000000" pitchFamily="65" charset="-120"/>
-              </a:rPr>
-              <a:t>Agent</a:t>
-            </a:r>
-            <a:r>
-              <a:rPr lang="zh-TW" altLang="en-US" sz="1200" b="1" dirty="0">
-                <a:solidFill>
-                  <a:schemeClr val="tx1"/>
-                </a:solidFill>
-                <a:latin typeface="標楷體" panose="03000509000000000000" pitchFamily="65" charset="-120"/>
-                <a:ea typeface="標楷體" panose="03000509000000000000" pitchFamily="65" charset="-120"/>
-              </a:rPr>
-              <a:t>可自由擴充</a:t>
-            </a:r>
-          </a:p>
-        </p:txBody>
-      </p:sp>
-      <p:grpSp>
-        <p:nvGrpSpPr>
-          <p:cNvPr id="50" name="群組 49">
-            <a:extLst>
-              <a:ext uri="{FF2B5EF4-FFF2-40B4-BE49-F238E27FC236}">
-                <a16:creationId xmlns:a16="http://schemas.microsoft.com/office/drawing/2014/main" id="{BEEA8A28-A11E-42C6-B900-CB509C448C0E}"/>
-              </a:ext>
-            </a:extLst>
-          </p:cNvPr>
-          <p:cNvGrpSpPr/>
-          <p:nvPr/>
-        </p:nvGrpSpPr>
-        <p:grpSpPr>
-          <a:xfrm>
-            <a:off x="4807015" y="3153314"/>
-            <a:ext cx="1657654" cy="930885"/>
-            <a:chOff x="4807015" y="3413609"/>
-            <a:chExt cx="1657654" cy="930885"/>
-          </a:xfrm>
-        </p:grpSpPr>
-        <p:sp>
-          <p:nvSpPr>
-            <p:cNvPr id="47" name="語音泡泡: 圓角矩形 46">
-              <a:extLst>
-                <a:ext uri="{FF2B5EF4-FFF2-40B4-BE49-F238E27FC236}">
-                  <a16:creationId xmlns:a16="http://schemas.microsoft.com/office/drawing/2014/main" id="{33A296C1-F0C7-25AB-A290-FAEB57524826}"/>
-                </a:ext>
-              </a:extLst>
-            </p:cNvPr>
-            <p:cNvSpPr/>
-            <p:nvPr/>
-          </p:nvSpPr>
-          <p:spPr bwMode="auto">
-            <a:xfrm>
-              <a:off x="4821025" y="3413609"/>
-              <a:ext cx="1629635" cy="930885"/>
-            </a:xfrm>
-            <a:custGeom>
-              <a:avLst/>
-              <a:gdLst>
-                <a:gd name="connsiteX0" fmla="*/ 0 w 1845659"/>
-                <a:gd name="connsiteY0" fmla="*/ 126003 h 756000"/>
-                <a:gd name="connsiteX1" fmla="*/ 126003 w 1845659"/>
-                <a:gd name="connsiteY1" fmla="*/ 0 h 756000"/>
-                <a:gd name="connsiteX2" fmla="*/ 307610 w 1845659"/>
-                <a:gd name="connsiteY2" fmla="*/ 0 h 756000"/>
-                <a:gd name="connsiteX3" fmla="*/ 307610 w 1845659"/>
-                <a:gd name="connsiteY3" fmla="*/ 0 h 756000"/>
-                <a:gd name="connsiteX4" fmla="*/ 769025 w 1845659"/>
-                <a:gd name="connsiteY4" fmla="*/ 0 h 756000"/>
-                <a:gd name="connsiteX5" fmla="*/ 1719656 w 1845659"/>
-                <a:gd name="connsiteY5" fmla="*/ 0 h 756000"/>
-                <a:gd name="connsiteX6" fmla="*/ 1845659 w 1845659"/>
-                <a:gd name="connsiteY6" fmla="*/ 126003 h 756000"/>
-                <a:gd name="connsiteX7" fmla="*/ 1845659 w 1845659"/>
-                <a:gd name="connsiteY7" fmla="*/ 441000 h 756000"/>
-                <a:gd name="connsiteX8" fmla="*/ 1845659 w 1845659"/>
-                <a:gd name="connsiteY8" fmla="*/ 441000 h 756000"/>
-                <a:gd name="connsiteX9" fmla="*/ 1845659 w 1845659"/>
-                <a:gd name="connsiteY9" fmla="*/ 630000 h 756000"/>
-                <a:gd name="connsiteX10" fmla="*/ 1845659 w 1845659"/>
-                <a:gd name="connsiteY10" fmla="*/ 629997 h 756000"/>
-                <a:gd name="connsiteX11" fmla="*/ 1719656 w 1845659"/>
-                <a:gd name="connsiteY11" fmla="*/ 756000 h 756000"/>
-                <a:gd name="connsiteX12" fmla="*/ 769025 w 1845659"/>
-                <a:gd name="connsiteY12" fmla="*/ 756000 h 756000"/>
-                <a:gd name="connsiteX13" fmla="*/ 588562 w 1845659"/>
-                <a:gd name="connsiteY13" fmla="*/ 930885 h 756000"/>
-                <a:gd name="connsiteX14" fmla="*/ 307610 w 1845659"/>
-                <a:gd name="connsiteY14" fmla="*/ 756000 h 756000"/>
-                <a:gd name="connsiteX15" fmla="*/ 126003 w 1845659"/>
-                <a:gd name="connsiteY15" fmla="*/ 756000 h 756000"/>
-                <a:gd name="connsiteX16" fmla="*/ 0 w 1845659"/>
-                <a:gd name="connsiteY16" fmla="*/ 629997 h 756000"/>
-                <a:gd name="connsiteX17" fmla="*/ 0 w 1845659"/>
-                <a:gd name="connsiteY17" fmla="*/ 630000 h 756000"/>
-                <a:gd name="connsiteX18" fmla="*/ 0 w 1845659"/>
-                <a:gd name="connsiteY18" fmla="*/ 441000 h 756000"/>
-                <a:gd name="connsiteX19" fmla="*/ 0 w 1845659"/>
-                <a:gd name="connsiteY19" fmla="*/ 441000 h 756000"/>
-                <a:gd name="connsiteX20" fmla="*/ 0 w 1845659"/>
-                <a:gd name="connsiteY20" fmla="*/ 126003 h 756000"/>
-                <a:gd name="connsiteX0" fmla="*/ 0 w 1845659"/>
-                <a:gd name="connsiteY0" fmla="*/ 126003 h 930885"/>
-                <a:gd name="connsiteX1" fmla="*/ 126003 w 1845659"/>
-                <a:gd name="connsiteY1" fmla="*/ 0 h 930885"/>
-                <a:gd name="connsiteX2" fmla="*/ 307610 w 1845659"/>
-                <a:gd name="connsiteY2" fmla="*/ 0 h 930885"/>
-                <a:gd name="connsiteX3" fmla="*/ 307610 w 1845659"/>
-                <a:gd name="connsiteY3" fmla="*/ 0 h 930885"/>
-                <a:gd name="connsiteX4" fmla="*/ 769025 w 1845659"/>
-                <a:gd name="connsiteY4" fmla="*/ 0 h 930885"/>
-                <a:gd name="connsiteX5" fmla="*/ 1719656 w 1845659"/>
-                <a:gd name="connsiteY5" fmla="*/ 0 h 930885"/>
-                <a:gd name="connsiteX6" fmla="*/ 1845659 w 1845659"/>
-                <a:gd name="connsiteY6" fmla="*/ 126003 h 930885"/>
-                <a:gd name="connsiteX7" fmla="*/ 1845659 w 1845659"/>
-                <a:gd name="connsiteY7" fmla="*/ 441000 h 930885"/>
-                <a:gd name="connsiteX8" fmla="*/ 1845659 w 1845659"/>
-                <a:gd name="connsiteY8" fmla="*/ 441000 h 930885"/>
-                <a:gd name="connsiteX9" fmla="*/ 1845659 w 1845659"/>
-                <a:gd name="connsiteY9" fmla="*/ 630000 h 930885"/>
-                <a:gd name="connsiteX10" fmla="*/ 1845659 w 1845659"/>
-                <a:gd name="connsiteY10" fmla="*/ 629997 h 930885"/>
-                <a:gd name="connsiteX11" fmla="*/ 1719656 w 1845659"/>
-                <a:gd name="connsiteY11" fmla="*/ 756000 h 930885"/>
-                <a:gd name="connsiteX12" fmla="*/ 769025 w 1845659"/>
-                <a:gd name="connsiteY12" fmla="*/ 756000 h 930885"/>
-                <a:gd name="connsiteX13" fmla="*/ 588562 w 1845659"/>
-                <a:gd name="connsiteY13" fmla="*/ 930885 h 930885"/>
-                <a:gd name="connsiteX14" fmla="*/ 408094 w 1845659"/>
-                <a:gd name="connsiteY14" fmla="*/ 745952 h 930885"/>
-                <a:gd name="connsiteX15" fmla="*/ 126003 w 1845659"/>
-                <a:gd name="connsiteY15" fmla="*/ 756000 h 930885"/>
-                <a:gd name="connsiteX16" fmla="*/ 0 w 1845659"/>
-                <a:gd name="connsiteY16" fmla="*/ 629997 h 930885"/>
-                <a:gd name="connsiteX17" fmla="*/ 0 w 1845659"/>
-                <a:gd name="connsiteY17" fmla="*/ 630000 h 930885"/>
-                <a:gd name="connsiteX18" fmla="*/ 0 w 1845659"/>
-                <a:gd name="connsiteY18" fmla="*/ 441000 h 930885"/>
-                <a:gd name="connsiteX19" fmla="*/ 0 w 1845659"/>
-                <a:gd name="connsiteY19" fmla="*/ 441000 h 930885"/>
-                <a:gd name="connsiteX20" fmla="*/ 0 w 1845659"/>
-                <a:gd name="connsiteY20" fmla="*/ 126003 h 930885"/>
-                <a:gd name="connsiteX0" fmla="*/ 0 w 1845659"/>
-                <a:gd name="connsiteY0" fmla="*/ 126003 h 930885"/>
-                <a:gd name="connsiteX1" fmla="*/ 126003 w 1845659"/>
-                <a:gd name="connsiteY1" fmla="*/ 0 h 930885"/>
-                <a:gd name="connsiteX2" fmla="*/ 307610 w 1845659"/>
-                <a:gd name="connsiteY2" fmla="*/ 0 h 930885"/>
-                <a:gd name="connsiteX3" fmla="*/ 307610 w 1845659"/>
-                <a:gd name="connsiteY3" fmla="*/ 0 h 930885"/>
-                <a:gd name="connsiteX4" fmla="*/ 769025 w 1845659"/>
-                <a:gd name="connsiteY4" fmla="*/ 0 h 930885"/>
-                <a:gd name="connsiteX5" fmla="*/ 1719656 w 1845659"/>
-                <a:gd name="connsiteY5" fmla="*/ 0 h 930885"/>
-                <a:gd name="connsiteX6" fmla="*/ 1845659 w 1845659"/>
-                <a:gd name="connsiteY6" fmla="*/ 126003 h 930885"/>
-                <a:gd name="connsiteX7" fmla="*/ 1845659 w 1845659"/>
-                <a:gd name="connsiteY7" fmla="*/ 441000 h 930885"/>
-                <a:gd name="connsiteX8" fmla="*/ 1845659 w 1845659"/>
-                <a:gd name="connsiteY8" fmla="*/ 441000 h 930885"/>
-                <a:gd name="connsiteX9" fmla="*/ 1845659 w 1845659"/>
-                <a:gd name="connsiteY9" fmla="*/ 630000 h 930885"/>
-                <a:gd name="connsiteX10" fmla="*/ 1845659 w 1845659"/>
-                <a:gd name="connsiteY10" fmla="*/ 629997 h 930885"/>
-                <a:gd name="connsiteX11" fmla="*/ 1719656 w 1845659"/>
-                <a:gd name="connsiteY11" fmla="*/ 756000 h 930885"/>
-                <a:gd name="connsiteX12" fmla="*/ 618300 w 1845659"/>
-                <a:gd name="connsiteY12" fmla="*/ 766049 h 930885"/>
-                <a:gd name="connsiteX13" fmla="*/ 588562 w 1845659"/>
-                <a:gd name="connsiteY13" fmla="*/ 930885 h 930885"/>
-                <a:gd name="connsiteX14" fmla="*/ 408094 w 1845659"/>
-                <a:gd name="connsiteY14" fmla="*/ 745952 h 930885"/>
-                <a:gd name="connsiteX15" fmla="*/ 126003 w 1845659"/>
-                <a:gd name="connsiteY15" fmla="*/ 756000 h 930885"/>
-                <a:gd name="connsiteX16" fmla="*/ 0 w 1845659"/>
-                <a:gd name="connsiteY16" fmla="*/ 629997 h 930885"/>
-                <a:gd name="connsiteX17" fmla="*/ 0 w 1845659"/>
-                <a:gd name="connsiteY17" fmla="*/ 630000 h 930885"/>
-                <a:gd name="connsiteX18" fmla="*/ 0 w 1845659"/>
-                <a:gd name="connsiteY18" fmla="*/ 441000 h 930885"/>
-                <a:gd name="connsiteX19" fmla="*/ 0 w 1845659"/>
-                <a:gd name="connsiteY19" fmla="*/ 441000 h 930885"/>
-                <a:gd name="connsiteX20" fmla="*/ 0 w 1845659"/>
-                <a:gd name="connsiteY20" fmla="*/ 126003 h 930885"/>
-                <a:gd name="connsiteX0" fmla="*/ 0 w 1845659"/>
-                <a:gd name="connsiteY0" fmla="*/ 126003 h 930885"/>
-                <a:gd name="connsiteX1" fmla="*/ 126003 w 1845659"/>
-                <a:gd name="connsiteY1" fmla="*/ 0 h 930885"/>
-                <a:gd name="connsiteX2" fmla="*/ 307610 w 1845659"/>
-                <a:gd name="connsiteY2" fmla="*/ 0 h 930885"/>
-                <a:gd name="connsiteX3" fmla="*/ 307610 w 1845659"/>
-                <a:gd name="connsiteY3" fmla="*/ 0 h 930885"/>
-                <a:gd name="connsiteX4" fmla="*/ 769025 w 1845659"/>
-                <a:gd name="connsiteY4" fmla="*/ 0 h 930885"/>
-                <a:gd name="connsiteX5" fmla="*/ 1719656 w 1845659"/>
-                <a:gd name="connsiteY5" fmla="*/ 0 h 930885"/>
-                <a:gd name="connsiteX6" fmla="*/ 1845659 w 1845659"/>
-                <a:gd name="connsiteY6" fmla="*/ 126003 h 930885"/>
-                <a:gd name="connsiteX7" fmla="*/ 1845659 w 1845659"/>
-                <a:gd name="connsiteY7" fmla="*/ 441000 h 930885"/>
-                <a:gd name="connsiteX8" fmla="*/ 1845659 w 1845659"/>
-                <a:gd name="connsiteY8" fmla="*/ 441000 h 930885"/>
-                <a:gd name="connsiteX9" fmla="*/ 1845659 w 1845659"/>
-                <a:gd name="connsiteY9" fmla="*/ 630000 h 930885"/>
-                <a:gd name="connsiteX10" fmla="*/ 1845659 w 1845659"/>
-                <a:gd name="connsiteY10" fmla="*/ 629997 h 930885"/>
-                <a:gd name="connsiteX11" fmla="*/ 1719656 w 1845659"/>
-                <a:gd name="connsiteY11" fmla="*/ 756000 h 930885"/>
-                <a:gd name="connsiteX12" fmla="*/ 618300 w 1845659"/>
-                <a:gd name="connsiteY12" fmla="*/ 766049 h 930885"/>
-                <a:gd name="connsiteX13" fmla="*/ 548369 w 1845659"/>
-                <a:gd name="connsiteY13" fmla="*/ 930885 h 930885"/>
-                <a:gd name="connsiteX14" fmla="*/ 408094 w 1845659"/>
-                <a:gd name="connsiteY14" fmla="*/ 745952 h 930885"/>
-                <a:gd name="connsiteX15" fmla="*/ 126003 w 1845659"/>
-                <a:gd name="connsiteY15" fmla="*/ 756000 h 930885"/>
-                <a:gd name="connsiteX16" fmla="*/ 0 w 1845659"/>
-                <a:gd name="connsiteY16" fmla="*/ 629997 h 930885"/>
-                <a:gd name="connsiteX17" fmla="*/ 0 w 1845659"/>
-                <a:gd name="connsiteY17" fmla="*/ 630000 h 930885"/>
-                <a:gd name="connsiteX18" fmla="*/ 0 w 1845659"/>
-                <a:gd name="connsiteY18" fmla="*/ 441000 h 930885"/>
-                <a:gd name="connsiteX19" fmla="*/ 0 w 1845659"/>
-                <a:gd name="connsiteY19" fmla="*/ 441000 h 930885"/>
-                <a:gd name="connsiteX20" fmla="*/ 0 w 1845659"/>
-                <a:gd name="connsiteY20" fmla="*/ 126003 h 930885"/>
-                <a:gd name="connsiteX0" fmla="*/ 0 w 1845659"/>
-                <a:gd name="connsiteY0" fmla="*/ 126003 h 930885"/>
-                <a:gd name="connsiteX1" fmla="*/ 126003 w 1845659"/>
-                <a:gd name="connsiteY1" fmla="*/ 0 h 930885"/>
-                <a:gd name="connsiteX2" fmla="*/ 307610 w 1845659"/>
-                <a:gd name="connsiteY2" fmla="*/ 0 h 930885"/>
-                <a:gd name="connsiteX3" fmla="*/ 307610 w 1845659"/>
-                <a:gd name="connsiteY3" fmla="*/ 0 h 930885"/>
-                <a:gd name="connsiteX4" fmla="*/ 769025 w 1845659"/>
-                <a:gd name="connsiteY4" fmla="*/ 0 h 930885"/>
-                <a:gd name="connsiteX5" fmla="*/ 1719656 w 1845659"/>
-                <a:gd name="connsiteY5" fmla="*/ 0 h 930885"/>
-                <a:gd name="connsiteX6" fmla="*/ 1845659 w 1845659"/>
-                <a:gd name="connsiteY6" fmla="*/ 126003 h 930885"/>
-                <a:gd name="connsiteX7" fmla="*/ 1845659 w 1845659"/>
-                <a:gd name="connsiteY7" fmla="*/ 441000 h 930885"/>
-                <a:gd name="connsiteX8" fmla="*/ 1845659 w 1845659"/>
-                <a:gd name="connsiteY8" fmla="*/ 441000 h 930885"/>
-                <a:gd name="connsiteX9" fmla="*/ 1845659 w 1845659"/>
-                <a:gd name="connsiteY9" fmla="*/ 630000 h 930885"/>
-                <a:gd name="connsiteX10" fmla="*/ 1845659 w 1845659"/>
-                <a:gd name="connsiteY10" fmla="*/ 629997 h 930885"/>
-                <a:gd name="connsiteX11" fmla="*/ 1719656 w 1845659"/>
-                <a:gd name="connsiteY11" fmla="*/ 756000 h 930885"/>
-                <a:gd name="connsiteX12" fmla="*/ 618300 w 1845659"/>
-                <a:gd name="connsiteY12" fmla="*/ 766049 h 930885"/>
-                <a:gd name="connsiteX13" fmla="*/ 508175 w 1845659"/>
-                <a:gd name="connsiteY13" fmla="*/ 930885 h 930885"/>
-                <a:gd name="connsiteX14" fmla="*/ 408094 w 1845659"/>
-                <a:gd name="connsiteY14" fmla="*/ 745952 h 930885"/>
-                <a:gd name="connsiteX15" fmla="*/ 126003 w 1845659"/>
-                <a:gd name="connsiteY15" fmla="*/ 756000 h 930885"/>
-                <a:gd name="connsiteX16" fmla="*/ 0 w 1845659"/>
-                <a:gd name="connsiteY16" fmla="*/ 629997 h 930885"/>
-                <a:gd name="connsiteX17" fmla="*/ 0 w 1845659"/>
-                <a:gd name="connsiteY17" fmla="*/ 630000 h 930885"/>
-                <a:gd name="connsiteX18" fmla="*/ 0 w 1845659"/>
-                <a:gd name="connsiteY18" fmla="*/ 441000 h 930885"/>
-                <a:gd name="connsiteX19" fmla="*/ 0 w 1845659"/>
-                <a:gd name="connsiteY19" fmla="*/ 441000 h 930885"/>
-                <a:gd name="connsiteX20" fmla="*/ 0 w 1845659"/>
-                <a:gd name="connsiteY20" fmla="*/ 126003 h 930885"/>
-              </a:gdLst>
-              <a:ahLst/>
-              <a:cxnLst>
-                <a:cxn ang="0">
-                  <a:pos x="connsiteX0" y="connsiteY0"/>
-                </a:cxn>
-                <a:cxn ang="0">
-                  <a:pos x="connsiteX1" y="connsiteY1"/>
-                </a:cxn>
-                <a:cxn ang="0">
-                  <a:pos x="connsiteX2" y="connsiteY2"/>
-                </a:cxn>
-                <a:cxn ang="0">
-                  <a:pos x="connsiteX3" y="connsiteY3"/>
-                </a:cxn>
-                <a:cxn ang="0">
-                  <a:pos x="connsiteX4" y="connsiteY4"/>
-                </a:cxn>
-                <a:cxn ang="0">
-                  <a:pos x="connsiteX5" y="connsiteY5"/>
-                </a:cxn>
-                <a:cxn ang="0">
-                  <a:pos x="connsiteX6" y="connsiteY6"/>
-                </a:cxn>
-                <a:cxn ang="0">
-                  <a:pos x="connsiteX7" y="connsiteY7"/>
-                </a:cxn>
-                <a:cxn ang="0">
-                  <a:pos x="connsiteX8" y="connsiteY8"/>
-                </a:cxn>
-                <a:cxn ang="0">
-                  <a:pos x="connsiteX9" y="connsiteY9"/>
-                </a:cxn>
-                <a:cxn ang="0">
-                  <a:pos x="connsiteX10" y="connsiteY10"/>
-                </a:cxn>
-                <a:cxn ang="0">
-                  <a:pos x="connsiteX11" y="connsiteY11"/>
-                </a:cxn>
-                <a:cxn ang="0">
-                  <a:pos x="connsiteX12" y="connsiteY12"/>
-                </a:cxn>
-                <a:cxn ang="0">
-                  <a:pos x="connsiteX13" y="connsiteY13"/>
-                </a:cxn>
-                <a:cxn ang="0">
-                  <a:pos x="connsiteX14" y="connsiteY14"/>
-                </a:cxn>
-                <a:cxn ang="0">
-                  <a:pos x="connsiteX15" y="connsiteY15"/>
-                </a:cxn>
-                <a:cxn ang="0">
-                  <a:pos x="connsiteX16" y="connsiteY16"/>
-                </a:cxn>
-                <a:cxn ang="0">
-                  <a:pos x="connsiteX17" y="connsiteY17"/>
-                </a:cxn>
-                <a:cxn ang="0">
-                  <a:pos x="connsiteX18" y="connsiteY18"/>
-                </a:cxn>
-                <a:cxn ang="0">
-                  <a:pos x="connsiteX19" y="connsiteY19"/>
-                </a:cxn>
-                <a:cxn ang="0">
-                  <a:pos x="connsiteX20" y="connsiteY20"/>
-                </a:cxn>
-              </a:cxnLst>
-              <a:rect l="l" t="t" r="r" b="b"/>
-              <a:pathLst>
-                <a:path w="1845659" h="930885">
-                  <a:moveTo>
-                    <a:pt x="0" y="126003"/>
-                  </a:moveTo>
-                  <a:cubicBezTo>
-                    <a:pt x="0" y="56413"/>
-                    <a:pt x="56413" y="0"/>
-                    <a:pt x="126003" y="0"/>
-                  </a:cubicBezTo>
-                  <a:lnTo>
-                    <a:pt x="307610" y="0"/>
-                  </a:lnTo>
-                  <a:lnTo>
-                    <a:pt x="307610" y="0"/>
-                  </a:lnTo>
-                  <a:lnTo>
-                    <a:pt x="769025" y="0"/>
-                  </a:lnTo>
-                  <a:lnTo>
-                    <a:pt x="1719656" y="0"/>
-                  </a:lnTo>
-                  <a:cubicBezTo>
-                    <a:pt x="1789246" y="0"/>
-                    <a:pt x="1845659" y="56413"/>
-                    <a:pt x="1845659" y="126003"/>
-                  </a:cubicBezTo>
-                  <a:lnTo>
-                    <a:pt x="1845659" y="441000"/>
-                  </a:lnTo>
-                  <a:lnTo>
-                    <a:pt x="1845659" y="441000"/>
-                  </a:lnTo>
-                  <a:lnTo>
-                    <a:pt x="1845659" y="630000"/>
-                  </a:lnTo>
-                  <a:lnTo>
-                    <a:pt x="1845659" y="629997"/>
-                  </a:lnTo>
-                  <a:cubicBezTo>
-                    <a:pt x="1845659" y="699587"/>
-                    <a:pt x="1789246" y="756000"/>
-                    <a:pt x="1719656" y="756000"/>
-                  </a:cubicBezTo>
-                  <a:lnTo>
-                    <a:pt x="618300" y="766049"/>
-                  </a:lnTo>
-                  <a:lnTo>
-                    <a:pt x="508175" y="930885"/>
-                  </a:lnTo>
-                  <a:lnTo>
-                    <a:pt x="408094" y="745952"/>
-                  </a:lnTo>
-                  <a:cubicBezTo>
-                    <a:pt x="347558" y="745952"/>
-                    <a:pt x="186539" y="756000"/>
-                    <a:pt x="126003" y="756000"/>
-                  </a:cubicBezTo>
-                  <a:cubicBezTo>
-                    <a:pt x="56413" y="756000"/>
-                    <a:pt x="0" y="699587"/>
-                    <a:pt x="0" y="629997"/>
-                  </a:cubicBezTo>
-                  <a:lnTo>
-                    <a:pt x="0" y="630000"/>
-                  </a:lnTo>
-                  <a:lnTo>
-                    <a:pt x="0" y="441000"/>
-                  </a:lnTo>
-                  <a:lnTo>
-                    <a:pt x="0" y="441000"/>
-                  </a:lnTo>
-                  <a:lnTo>
-                    <a:pt x="0" y="126003"/>
-                  </a:lnTo>
-                  <a:close/>
-                </a:path>
-              </a:pathLst>
-            </a:custGeom>
-            <a:noFill/>
-            <a:ln w="9525" cap="flat" cmpd="sng" algn="ctr">
-              <a:solidFill>
-                <a:schemeClr val="tx1"/>
-              </a:solidFill>
-              <a:prstDash val="solid"/>
-              <a:round/>
-              <a:headEnd type="none" w="med" len="med"/>
-              <a:tailEnd type="none" w="med" len="med"/>
-            </a:ln>
-            <a:effectLst/>
-            <a:extLst>
-              <a:ext uri="{909E8E84-426E-40DD-AFC4-6F175D3DCCD1}">
-                <a14:hiddenFill xmlns:a14="http://schemas.microsoft.com/office/drawing/2010/main">
-                  <a:solidFill>
-                    <a:schemeClr val="accent1"/>
-                  </a:solidFill>
-                </a14:hiddenFill>
-              </a:ext>
-              <a:ext uri="{AF507438-7753-43E0-B8FC-AC1667EBCBE1}">
-                <a14:hiddenEffects xmlns:a14="http://schemas.microsoft.com/office/drawing/2010/main">
-                  <a:effectLst>
-                    <a:outerShdw dist="35921" dir="2700000" algn="ctr" rotWithShape="0">
-                      <a:schemeClr val="bg2"/>
-                    </a:outerShdw>
-                  </a:effectLst>
-                </a14:hiddenEffects>
-              </a:ext>
-            </a:extLst>
-          </p:spPr>
-          <p:txBody>
-            <a:bodyPr vert="horz" wrap="square" lIns="0" tIns="0" rIns="0" bIns="0" numCol="1" rtlCol="0" anchor="t" anchorCtr="0" compatLnSpc="1">
-              <a:prstTxWarp prst="textNoShape">
-                <a:avLst/>
-              </a:prstTxWarp>
-              <a:spAutoFit/>
-            </a:bodyPr>
-            <a:lstStyle/>
-            <a:p>
-              <a:pPr marL="292100" marR="0" indent="-292100" algn="just" defTabSz="914400" rtl="0" eaLnBrk="1" fontAlgn="base" latinLnBrk="0" hangingPunct="1">
-                <a:lnSpc>
-                  <a:spcPct val="110000"/>
-                </a:lnSpc>
-                <a:spcBef>
-                  <a:spcPct val="50000"/>
-                </a:spcBef>
-                <a:spcAft>
-                  <a:spcPct val="0"/>
-                </a:spcAft>
-                <a:buClr>
-                  <a:srgbClr val="D56C2A"/>
-                </a:buClr>
-                <a:buSzPct val="90000"/>
-                <a:buFontTx/>
-                <a:buNone/>
-                <a:tabLst/>
-              </a:pPr>
-              <a:endParaRPr kumimoji="1" lang="zh-TW" altLang="en-US" sz="1600" b="0" i="0" u="none" strike="noStrike" cap="none" normalizeH="0" baseline="0">
-                <a:ln>
-                  <a:noFill/>
-                </a:ln>
-                <a:solidFill>
-                  <a:srgbClr val="737373"/>
-                </a:solidFill>
-                <a:effectLst/>
-                <a:latin typeface="Frutiger 47LightCn" pitchFamily="34" charset="0"/>
-                <a:ea typeface="文鼎新細黑" pitchFamily="49" charset="-120"/>
-              </a:endParaRPr>
-            </a:p>
-          </p:txBody>
-        </p:sp>
-        <p:sp>
-          <p:nvSpPr>
-            <p:cNvPr id="49" name="文字方塊 48">
-              <a:extLst>
-                <a:ext uri="{FF2B5EF4-FFF2-40B4-BE49-F238E27FC236}">
-                  <a16:creationId xmlns:a16="http://schemas.microsoft.com/office/drawing/2014/main" id="{C1DBA55A-CE18-6FD9-9D17-8D259F4EAE19}"/>
-                </a:ext>
-              </a:extLst>
-            </p:cNvPr>
-            <p:cNvSpPr txBox="1"/>
-            <p:nvPr/>
-          </p:nvSpPr>
-          <p:spPr>
-            <a:xfrm>
-              <a:off x="4807015" y="3479240"/>
-              <a:ext cx="1657654" cy="646331"/>
-            </a:xfrm>
-            <a:prstGeom prst="rect">
-              <a:avLst/>
-            </a:prstGeom>
-            <a:noFill/>
-          </p:spPr>
-          <p:txBody>
-            <a:bodyPr wrap="square">
-              <a:spAutoFit/>
-            </a:bodyPr>
-            <a:lstStyle/>
-            <a:p>
-              <a:pPr algn="just"/>
-              <a:r>
-                <a:rPr lang="zh-TW" altLang="en-US" sz="1200" b="1" dirty="0">
-                  <a:solidFill>
-                    <a:schemeClr val="tx1"/>
-                  </a:solidFill>
-                  <a:latin typeface="標楷體" panose="03000509000000000000" pitchFamily="65" charset="-120"/>
-                  <a:ea typeface="標楷體" panose="03000509000000000000" pitchFamily="65" charset="-120"/>
-                </a:rPr>
-                <a:t>幫我檢視</a:t>
-              </a:r>
-              <a:r>
-                <a:rPr lang="en-US" altLang="zh-TW" sz="1200" b="1" dirty="0">
-                  <a:solidFill>
-                    <a:schemeClr val="tx1"/>
-                  </a:solidFill>
-                  <a:latin typeface="標楷體" panose="03000509000000000000" pitchFamily="65" charset="-120"/>
-                  <a:ea typeface="標楷體" panose="03000509000000000000" pitchFamily="65" charset="-120"/>
-                </a:rPr>
-                <a:t>XX</a:t>
-              </a:r>
-              <a:r>
-                <a:rPr lang="zh-TW" altLang="en-US" sz="1200" b="1" dirty="0">
-                  <a:solidFill>
-                    <a:schemeClr val="tx1"/>
-                  </a:solidFill>
-                  <a:latin typeface="標楷體" panose="03000509000000000000" pitchFamily="65" charset="-120"/>
-                  <a:ea typeface="標楷體" panose="03000509000000000000" pitchFamily="65" charset="-120"/>
-                </a:rPr>
-                <a:t>分公司的營業員，本周新開發的客戶數量</a:t>
-              </a:r>
-              <a:r>
-                <a:rPr lang="en-US" altLang="zh-TW" sz="1200" b="1" dirty="0">
-                  <a:solidFill>
-                    <a:schemeClr val="tx1"/>
-                  </a:solidFill>
-                  <a:latin typeface="標楷體" panose="03000509000000000000" pitchFamily="65" charset="-120"/>
-                  <a:ea typeface="標楷體" panose="03000509000000000000" pitchFamily="65" charset="-120"/>
-                </a:rPr>
-                <a:t>?</a:t>
-              </a:r>
-              <a:endParaRPr lang="zh-TW" altLang="en-US" sz="1200" b="1" dirty="0">
-                <a:solidFill>
-                  <a:schemeClr val="tx1"/>
-                </a:solidFill>
-                <a:latin typeface="標楷體" panose="03000509000000000000" pitchFamily="65" charset="-120"/>
-                <a:ea typeface="標楷體" panose="03000509000000000000" pitchFamily="65" charset="-120"/>
-              </a:endParaRPr>
-            </a:p>
-          </p:txBody>
-        </p:sp>
-      </p:grpSp>
-      <p:sp>
-        <p:nvSpPr>
-          <p:cNvPr id="64" name="文字方塊 63">
-            <a:extLst>
-              <a:ext uri="{FF2B5EF4-FFF2-40B4-BE49-F238E27FC236}">
-                <a16:creationId xmlns:a16="http://schemas.microsoft.com/office/drawing/2014/main" id="{21F987A5-1072-95EE-4EF8-CBE8F9FA17AA}"/>
-              </a:ext>
-            </a:extLst>
-          </p:cNvPr>
-          <p:cNvSpPr txBox="1"/>
-          <p:nvPr/>
-        </p:nvSpPr>
-        <p:spPr>
-          <a:xfrm>
-            <a:off x="4595859" y="2362086"/>
-            <a:ext cx="1488114" cy="374571"/>
-          </a:xfrm>
-          <a:prstGeom prst="roundRect">
-            <a:avLst/>
-          </a:prstGeom>
-          <a:solidFill>
-            <a:schemeClr val="bg1">
-              <a:lumMod val="95000"/>
-            </a:schemeClr>
-          </a:solidFill>
-          <a:ln>
-            <a:solidFill>
-              <a:schemeClr val="tx1"/>
-            </a:solidFill>
-          </a:ln>
-        </p:spPr>
-        <p:txBody>
-          <a:bodyPr wrap="square" lIns="72000" rIns="144000" rtlCol="0">
-            <a:spAutoFit/>
-          </a:bodyPr>
-          <a:lstStyle/>
-          <a:p>
-            <a:pPr algn="ctr">
-              <a:spcAft>
-                <a:spcPts val="300"/>
-              </a:spcAft>
-            </a:pPr>
-            <a:r>
-              <a:rPr lang="zh-TW" altLang="en-US" dirty="0">
-                <a:solidFill>
-                  <a:schemeClr val="tx1"/>
-                </a:solidFill>
-                <a:latin typeface="標楷體" panose="03000509000000000000" pitchFamily="65" charset="-120"/>
-                <a:ea typeface="標楷體" panose="03000509000000000000" pitchFamily="65" charset="-120"/>
-              </a:rPr>
-              <a:t>老闆</a:t>
-            </a:r>
-          </a:p>
-        </p:txBody>
-      </p:sp>
-    </p:spTree>
-    <p:extLst>
-      <p:ext uri="{BB962C8B-B14F-4D97-AF65-F5344CB8AC3E}">
-        <p14:creationId xmlns:p14="http://schemas.microsoft.com/office/powerpoint/2010/main" val="2553950078"/>
-      </p:ext>
-    </p:extLst>
-  </p:cSld>
-  <p:clrMapOvr>
-    <a:masterClrMapping/>
-  </p:clrMapOvr>
-</p:sld>
-</file>
-
-<file path=ppt/slides/slide21.xml><?xml version="1.0" encoding="utf-8"?>
-<p:sld xmlns:a="http://schemas.openxmlformats.org/drawingml/2006/main" xmlns:r="http://schemas.openxmlformats.org/officeDocument/2006/relationships" xmlns:p="http://schemas.openxmlformats.org/presentationml/2006/main">
-  <p:cSld>
-    <p:spTree>
-      <p:nvGrpSpPr>
-        <p:cNvPr id="1" name=""/>
-        <p:cNvGrpSpPr/>
-        <p:nvPr/>
-      </p:nvGrpSpPr>
-      <p:grpSpPr>
-        <a:xfrm>
-          <a:off x="0" y="0"/>
-          <a:ext cx="0" cy="0"/>
-          <a:chOff x="0" y="0"/>
-          <a:chExt cx="0" cy="0"/>
-        </a:xfrm>
-      </p:grpSpPr>
-      <p:sp>
-        <p:nvSpPr>
           <p:cNvPr id="2" name="標題 1">
             <a:extLst>
               <a:ext uri="{FF2B5EF4-FFF2-40B4-BE49-F238E27FC236}">
@@ -18134,7 +17806,7 @@
             <a:fld id="{5724A70F-1A80-4FFC-9EFC-544BA2D42D70}" type="slidenum">
               <a:rPr lang="zh-TW" altLang="en-US" smtClean="0"/>
               <a:pPr/>
-              <a:t>21</a:t>
+              <a:t>20</a:t>
             </a:fld>
             <a:endParaRPr lang="zh-TW" altLang="en-US" dirty="0"/>
           </a:p>
@@ -19429,7 +19101,7 @@
 </p:sld>
 </file>
 
-<file path=ppt/slides/slide22.xml><?xml version="1.0" encoding="utf-8"?>
+<file path=ppt/slides/slide21.xml><?xml version="1.0" encoding="utf-8"?>
 <p:sld xmlns:a="http://schemas.openxmlformats.org/drawingml/2006/main" xmlns:r="http://schemas.openxmlformats.org/officeDocument/2006/relationships" xmlns:p="http://schemas.openxmlformats.org/presentationml/2006/main">
   <p:cSld>
     <p:spTree>
@@ -19470,7 +19142,7 @@
             <a:fld id="{5724A70F-1A80-4FFC-9EFC-544BA2D42D70}" type="slidenum">
               <a:rPr lang="zh-TW" altLang="en-US" smtClean="0"/>
               <a:pPr/>
-              <a:t>22</a:t>
+              <a:t>21</a:t>
             </a:fld>
             <a:endParaRPr lang="zh-TW" altLang="en-US" dirty="0"/>
           </a:p>
@@ -23540,6 +23212,12 @@
 </file>
 
 <file path=customXml/item1.xml><?xml version="1.0" encoding="utf-8"?>
+<p:properties xmlns:p="http://schemas.microsoft.com/office/2006/metadata/properties" xmlns:xsi="http://www.w3.org/2001/XMLSchema-instance" xmlns:pc="http://schemas.microsoft.com/office/infopath/2007/PartnerControls">
+  <documentManagement/>
+</p:properties>
+</file>
+
+<file path=customXml/item2.xml><?xml version="1.0" encoding="utf-8"?>
 <ct:contentTypeSchema xmlns:ct="http://schemas.microsoft.com/office/2006/metadata/contentType" xmlns:ma="http://schemas.microsoft.com/office/2006/metadata/properties/metaAttributes" ct:_="" ma:_="" ma:contentTypeName="文件" ma:contentTypeID="0x0101007739149FA64B4E419EEE40D951FBA4AF" ma:contentTypeVersion="0" ma:contentTypeDescription="建立新的文件。" ma:contentTypeScope="" ma:versionID="2b706d2e0a5847acf47771b8a3c7a61c">
   <xsd:schema xmlns:xsd="http://www.w3.org/2001/XMLSchema" xmlns:p="http://schemas.microsoft.com/office/2006/metadata/properties" targetNamespace="http://schemas.microsoft.com/office/2006/metadata/properties" ma:root="true" ma:fieldsID="b8ca951d90cafeb83d4a03d140f1bad3">
     <xsd:element name="properties">
@@ -23588,12 +23266,6 @@
 </ct:contentTypeSchema>
 </file>
 
-<file path=customXml/item2.xml><?xml version="1.0" encoding="utf-8"?>
-<p:properties xmlns:p="http://schemas.microsoft.com/office/2006/metadata/properties" xmlns:xsi="http://www.w3.org/2001/XMLSchema-instance" xmlns:pc="http://schemas.microsoft.com/office/infopath/2007/PartnerControls">
-  <documentManagement/>
-</p:properties>
-</file>
-
 <file path=customXml/item3.xml><?xml version="1.0" encoding="utf-8"?>
 <?mso-contentType ?>
 <FormTemplates xmlns="http://schemas.microsoft.com/sharepoint/v3/contenttype/forms">
@@ -23604,6 +23276,21 @@
 </file>
 
 <file path=customXml/itemProps1.xml><?xml version="1.0" encoding="utf-8"?>
+<ds:datastoreItem xmlns:ds="http://schemas.openxmlformats.org/officeDocument/2006/customXml" ds:itemID="{23572742-EFF2-4FAB-95B7-CBB05305332D}">
+  <ds:schemaRefs>
+    <ds:schemaRef ds:uri="http://purl.org/dc/elements/1.1/"/>
+    <ds:schemaRef ds:uri="http://purl.org/dc/dcmitype/"/>
+    <ds:schemaRef ds:uri="http://schemas.openxmlformats.org/package/2006/metadata/core-properties"/>
+    <ds:schemaRef ds:uri="http://schemas.microsoft.com/office/2006/metadata/properties"/>
+    <ds:schemaRef ds:uri="http://www.w3.org/XML/1998/namespace"/>
+    <ds:schemaRef ds:uri="http://purl.org/dc/terms/"/>
+    <ds:schemaRef ds:uri="http://schemas.microsoft.com/office/2006/documentManagement/types"/>
+    <ds:schemaRef ds:uri="http://schemas.microsoft.com/office/infopath/2007/PartnerControls"/>
+  </ds:schemaRefs>
+</ds:datastoreItem>
+</file>
+
+<file path=customXml/itemProps2.xml><?xml version="1.0" encoding="utf-8"?>
 <ds:datastoreItem xmlns:ds="http://schemas.openxmlformats.org/officeDocument/2006/customXml" ds:itemID="{8D0715E0-0561-4CF3-AD44-D0193BFD0A2B}">
   <ds:schemaRefs>
     <ds:schemaRef ds:uri="http://schemas.microsoft.com/office/2006/metadata/contentType"/>
@@ -23618,21 +23305,6 @@
 </ds:datastoreItem>
 </file>
 
-<file path=customXml/itemProps2.xml><?xml version="1.0" encoding="utf-8"?>
-<ds:datastoreItem xmlns:ds="http://schemas.openxmlformats.org/officeDocument/2006/customXml" ds:itemID="{23572742-EFF2-4FAB-95B7-CBB05305332D}">
-  <ds:schemaRefs>
-    <ds:schemaRef ds:uri="http://purl.org/dc/elements/1.1/"/>
-    <ds:schemaRef ds:uri="http://purl.org/dc/dcmitype/"/>
-    <ds:schemaRef ds:uri="http://schemas.openxmlformats.org/package/2006/metadata/core-properties"/>
-    <ds:schemaRef ds:uri="http://schemas.microsoft.com/office/2006/metadata/properties"/>
-    <ds:schemaRef ds:uri="http://www.w3.org/XML/1998/namespace"/>
-    <ds:schemaRef ds:uri="http://purl.org/dc/terms/"/>
-    <ds:schemaRef ds:uri="http://schemas.microsoft.com/office/2006/documentManagement/types"/>
-    <ds:schemaRef ds:uri="http://schemas.microsoft.com/office/infopath/2007/PartnerControls"/>
-  </ds:schemaRefs>
-</ds:datastoreItem>
-</file>
-
 <file path=customXml/itemProps3.xml><?xml version="1.0" encoding="utf-8"?>
 <ds:datastoreItem xmlns:ds="http://schemas.openxmlformats.org/officeDocument/2006/customXml" ds:itemID="{6B8D6D86-0E61-4004-A41C-AC1932313D9F}">
   <ds:schemaRefs>
